--- a/Intune_Training.pptx
+++ b/Intune_Training.pptx
@@ -17,6 +17,7 @@
     <p:sldId id="265" r:id="rId12"/>
     <p:sldId id="266" r:id="rId13"/>
     <p:sldId id="267" r:id="rId14"/>
+    <p:sldId id="268" r:id="rId15"/>
   </p:sldIdLst>
   <p:sldSz cx="10080625" cy="5670550"/>
   <p:notesSz cx="7559675" cy="10691813"/>
@@ -74,7 +75,7 @@
         <p:txBody>
           <a:bodyPr/>
           <a:p>
-            <a:fld id="{69539740-0999-4C94-B508-17EF1B7E0F59}" type="slidenum">
+            <a:fld id="{D09812F6-373B-4F52-ADCF-90830B98265E}" type="slidenum">
               <a:t>&lt;#&gt;</a:t>
             </a:fld>
           </a:p>
@@ -136,7 +137,7 @@
         <p:spPr>
           <a:xfrm>
             <a:off x="0" y="1620000"/>
-            <a:ext cx="8998920" cy="1078920"/>
+            <a:ext cx="8998560" cy="1078560"/>
           </a:xfrm>
           <a:prstGeom prst="rect">
             <a:avLst/>
@@ -176,7 +177,7 @@
         <p:spPr>
           <a:xfrm>
             <a:off x="504000" y="1326600"/>
-            <a:ext cx="9072000" cy="1568520"/>
+            <a:ext cx="4426560" cy="747720"/>
           </a:xfrm>
           <a:prstGeom prst="rect">
             <a:avLst/>
@@ -218,8 +219,8 @@
         </p:nvSpPr>
         <p:spPr>
           <a:xfrm>
-            <a:off x="504000" y="3044520"/>
-            <a:ext cx="9072000" cy="1568520"/>
+            <a:off x="504000" y="2145600"/>
+            <a:ext cx="4426560" cy="747720"/>
           </a:xfrm>
           <a:prstGeom prst="rect">
             <a:avLst/>
@@ -283,7 +284,7 @@
         <p:txBody>
           <a:bodyPr/>
           <a:p>
-            <a:fld id="{CD6447F0-CC96-48E6-8461-18AB1E1C97F1}" type="slidenum">
+            <a:fld id="{AF098856-52F3-4017-81A0-CD75555DC82B}" type="slidenum">
               <a:t>&lt;#&gt;</a:t>
             </a:fld>
           </a:p>
@@ -345,7 +346,7 @@
         <p:spPr>
           <a:xfrm>
             <a:off x="0" y="1620000"/>
-            <a:ext cx="8998920" cy="1078920"/>
+            <a:ext cx="8998560" cy="1078560"/>
           </a:xfrm>
           <a:prstGeom prst="rect">
             <a:avLst/>
@@ -385,7 +386,7 @@
         <p:spPr>
           <a:xfrm>
             <a:off x="504000" y="1326600"/>
-            <a:ext cx="4426920" cy="1568520"/>
+            <a:ext cx="2160000" cy="747720"/>
           </a:xfrm>
           <a:prstGeom prst="rect">
             <a:avLst/>
@@ -397,7 +398,7 @@
         </p:spPr>
         <p:txBody>
           <a:bodyPr lIns="0" rIns="0" tIns="0" bIns="0" anchor="t">
-            <a:normAutofit/>
+            <a:normAutofit fontScale="81242"/>
           </a:bodyPr>
           <a:p>
             <a:pPr indent="0">
@@ -427,8 +428,8 @@
         </p:nvSpPr>
         <p:spPr>
           <a:xfrm>
-            <a:off x="5152680" y="1326600"/>
-            <a:ext cx="4426920" cy="1568520"/>
+            <a:off x="2772360" y="1326600"/>
+            <a:ext cx="2160000" cy="747720"/>
           </a:xfrm>
           <a:prstGeom prst="rect">
             <a:avLst/>
@@ -440,7 +441,7 @@
         </p:spPr>
         <p:txBody>
           <a:bodyPr lIns="0" rIns="0" tIns="0" bIns="0" anchor="t">
-            <a:normAutofit/>
+            <a:normAutofit fontScale="81242"/>
           </a:bodyPr>
           <a:p>
             <a:pPr indent="0">
@@ -470,8 +471,8 @@
         </p:nvSpPr>
         <p:spPr>
           <a:xfrm>
-            <a:off x="504000" y="3044520"/>
-            <a:ext cx="4426920" cy="1568520"/>
+            <a:off x="504000" y="2145600"/>
+            <a:ext cx="2160000" cy="747720"/>
           </a:xfrm>
           <a:prstGeom prst="rect">
             <a:avLst/>
@@ -483,7 +484,7 @@
         </p:spPr>
         <p:txBody>
           <a:bodyPr lIns="0" rIns="0" tIns="0" bIns="0" anchor="t">
-            <a:normAutofit/>
+            <a:normAutofit fontScale="81242"/>
           </a:bodyPr>
           <a:p>
             <a:pPr indent="0">
@@ -513,8 +514,8 @@
         </p:nvSpPr>
         <p:spPr>
           <a:xfrm>
-            <a:off x="5152680" y="3044520"/>
-            <a:ext cx="4426920" cy="1568520"/>
+            <a:off x="2772360" y="2145600"/>
+            <a:ext cx="2160000" cy="747720"/>
           </a:xfrm>
           <a:prstGeom prst="rect">
             <a:avLst/>
@@ -526,7 +527,7 @@
         </p:spPr>
         <p:txBody>
           <a:bodyPr lIns="0" rIns="0" tIns="0" bIns="0" anchor="t">
-            <a:normAutofit/>
+            <a:normAutofit fontScale="81242"/>
           </a:bodyPr>
           <a:p>
             <a:pPr indent="0">
@@ -578,7 +579,7 @@
         <p:txBody>
           <a:bodyPr/>
           <a:p>
-            <a:fld id="{B6AA757A-9B49-484C-8B0E-8D4F5FB6F243}" type="slidenum">
+            <a:fld id="{0DEA6DA9-5CBB-4060-A2B0-CC079F44AE39}" type="slidenum">
               <a:t>&lt;#&gt;</a:t>
             </a:fld>
           </a:p>
@@ -640,7 +641,7 @@
         <p:spPr>
           <a:xfrm>
             <a:off x="0" y="1620000"/>
-            <a:ext cx="8998920" cy="1078920"/>
+            <a:ext cx="8998560" cy="1078560"/>
           </a:xfrm>
           <a:prstGeom prst="rect">
             <a:avLst/>
@@ -680,7 +681,7 @@
         <p:spPr>
           <a:xfrm>
             <a:off x="504000" y="1326600"/>
-            <a:ext cx="2921040" cy="1568520"/>
+            <a:ext cx="1425240" cy="747720"/>
           </a:xfrm>
           <a:prstGeom prst="rect">
             <a:avLst/>
@@ -692,7 +693,7 @@
         </p:spPr>
         <p:txBody>
           <a:bodyPr lIns="0" rIns="0" tIns="0" bIns="0" anchor="t">
-            <a:normAutofit/>
+            <a:normAutofit fontScale="68743" lnSpcReduction="20000"/>
           </a:bodyPr>
           <a:p>
             <a:pPr indent="0">
@@ -722,8 +723,8 @@
         </p:nvSpPr>
         <p:spPr>
           <a:xfrm>
-            <a:off x="3571560" y="1326600"/>
-            <a:ext cx="2921040" cy="1568520"/>
+            <a:off x="2000880" y="1326600"/>
+            <a:ext cx="1425240" cy="747720"/>
           </a:xfrm>
           <a:prstGeom prst="rect">
             <a:avLst/>
@@ -735,7 +736,7 @@
         </p:spPr>
         <p:txBody>
           <a:bodyPr lIns="0" rIns="0" tIns="0" bIns="0" anchor="t">
-            <a:normAutofit/>
+            <a:normAutofit fontScale="68743" lnSpcReduction="20000"/>
           </a:bodyPr>
           <a:p>
             <a:pPr indent="0">
@@ -765,8 +766,8 @@
         </p:nvSpPr>
         <p:spPr>
           <a:xfrm>
-            <a:off x="6639120" y="1326600"/>
-            <a:ext cx="2921040" cy="1568520"/>
+            <a:off x="3497760" y="1326600"/>
+            <a:ext cx="1425240" cy="747720"/>
           </a:xfrm>
           <a:prstGeom prst="rect">
             <a:avLst/>
@@ -778,7 +779,7 @@
         </p:spPr>
         <p:txBody>
           <a:bodyPr lIns="0" rIns="0" tIns="0" bIns="0" anchor="t">
-            <a:normAutofit/>
+            <a:normAutofit fontScale="68743" lnSpcReduction="20000"/>
           </a:bodyPr>
           <a:p>
             <a:pPr indent="0">
@@ -808,8 +809,8 @@
         </p:nvSpPr>
         <p:spPr>
           <a:xfrm>
-            <a:off x="504000" y="3044520"/>
-            <a:ext cx="2921040" cy="1568520"/>
+            <a:off x="504000" y="2145600"/>
+            <a:ext cx="1425240" cy="747720"/>
           </a:xfrm>
           <a:prstGeom prst="rect">
             <a:avLst/>
@@ -821,7 +822,7 @@
         </p:spPr>
         <p:txBody>
           <a:bodyPr lIns="0" rIns="0" tIns="0" bIns="0" anchor="t">
-            <a:normAutofit/>
+            <a:normAutofit fontScale="68743" lnSpcReduction="20000"/>
           </a:bodyPr>
           <a:p>
             <a:pPr indent="0">
@@ -851,8 +852,8 @@
         </p:nvSpPr>
         <p:spPr>
           <a:xfrm>
-            <a:off x="3571560" y="3044520"/>
-            <a:ext cx="2921040" cy="1568520"/>
+            <a:off x="2000880" y="2145600"/>
+            <a:ext cx="1425240" cy="747720"/>
           </a:xfrm>
           <a:prstGeom prst="rect">
             <a:avLst/>
@@ -864,7 +865,7 @@
         </p:spPr>
         <p:txBody>
           <a:bodyPr lIns="0" rIns="0" tIns="0" bIns="0" anchor="t">
-            <a:normAutofit/>
+            <a:normAutofit fontScale="68743" lnSpcReduction="20000"/>
           </a:bodyPr>
           <a:p>
             <a:pPr indent="0">
@@ -894,8 +895,8 @@
         </p:nvSpPr>
         <p:spPr>
           <a:xfrm>
-            <a:off x="6639120" y="3044520"/>
-            <a:ext cx="2921040" cy="1568520"/>
+            <a:off x="3497760" y="2145600"/>
+            <a:ext cx="1425240" cy="747720"/>
           </a:xfrm>
           <a:prstGeom prst="rect">
             <a:avLst/>
@@ -907,7 +908,7 @@
         </p:spPr>
         <p:txBody>
           <a:bodyPr lIns="0" rIns="0" tIns="0" bIns="0" anchor="t">
-            <a:normAutofit/>
+            <a:normAutofit fontScale="68743" lnSpcReduction="20000"/>
           </a:bodyPr>
           <a:p>
             <a:pPr indent="0">
@@ -959,7 +960,7 @@
         <p:txBody>
           <a:bodyPr/>
           <a:p>
-            <a:fld id="{74B60C71-7F14-46B5-8DDC-65DC1D30A272}" type="slidenum">
+            <a:fld id="{BA543395-0724-4AFA-9CC5-EA360A518D08}" type="slidenum">
               <a:t>&lt;#&gt;</a:t>
             </a:fld>
           </a:p>
@@ -1021,7 +1022,7 @@
         <p:spPr>
           <a:xfrm>
             <a:off x="0" y="1620000"/>
-            <a:ext cx="8998920" cy="1078920"/>
+            <a:ext cx="8998560" cy="1078560"/>
           </a:xfrm>
           <a:prstGeom prst="rect">
             <a:avLst/>
@@ -1061,7 +1062,7 @@
         <p:spPr>
           <a:xfrm>
             <a:off x="504000" y="1326600"/>
-            <a:ext cx="9072000" cy="3288600"/>
+            <a:ext cx="4426560" cy="1568160"/>
           </a:xfrm>
           <a:prstGeom prst="rect">
             <a:avLst/>
@@ -1122,7 +1123,7 @@
         <p:txBody>
           <a:bodyPr/>
           <a:p>
-            <a:fld id="{385BD7FC-8FC0-4139-B4F8-66B0B9136F32}" type="slidenum">
+            <a:fld id="{CF42F63D-156F-4BD9-A79D-19EEC1D5FF11}" type="slidenum">
               <a:t>&lt;#&gt;</a:t>
             </a:fld>
           </a:p>
@@ -1184,7 +1185,7 @@
         <p:spPr>
           <a:xfrm>
             <a:off x="0" y="1620000"/>
-            <a:ext cx="8998920" cy="1078920"/>
+            <a:ext cx="8998560" cy="1078560"/>
           </a:xfrm>
           <a:prstGeom prst="rect">
             <a:avLst/>
@@ -1224,7 +1225,7 @@
         <p:spPr>
           <a:xfrm>
             <a:off x="504000" y="1326600"/>
-            <a:ext cx="9072000" cy="3288600"/>
+            <a:ext cx="4426560" cy="1568160"/>
           </a:xfrm>
           <a:prstGeom prst="rect">
             <a:avLst/>
@@ -1288,7 +1289,7 @@
         <p:txBody>
           <a:bodyPr/>
           <a:p>
-            <a:fld id="{266EA579-BC0E-48C0-BECC-807434A8C575}" type="slidenum">
+            <a:fld id="{9335A453-D126-4275-8EF5-565704A1BBFE}" type="slidenum">
               <a:t>&lt;#&gt;</a:t>
             </a:fld>
           </a:p>
@@ -1350,7 +1351,7 @@
         <p:spPr>
           <a:xfrm>
             <a:off x="0" y="1620000"/>
-            <a:ext cx="8998920" cy="1078920"/>
+            <a:ext cx="8998560" cy="1078560"/>
           </a:xfrm>
           <a:prstGeom prst="rect">
             <a:avLst/>
@@ -1390,7 +1391,7 @@
         <p:spPr>
           <a:xfrm>
             <a:off x="504000" y="1326600"/>
-            <a:ext cx="4426920" cy="3288600"/>
+            <a:ext cx="2160000" cy="1568160"/>
           </a:xfrm>
           <a:prstGeom prst="rect">
             <a:avLst/>
@@ -1432,8 +1433,8 @@
         </p:nvSpPr>
         <p:spPr>
           <a:xfrm>
-            <a:off x="5152680" y="1326600"/>
-            <a:ext cx="4426920" cy="3288600"/>
+            <a:off x="2772360" y="1326600"/>
+            <a:ext cx="2160000" cy="1568160"/>
           </a:xfrm>
           <a:prstGeom prst="rect">
             <a:avLst/>
@@ -1497,7 +1498,7 @@
         <p:txBody>
           <a:bodyPr/>
           <a:p>
-            <a:fld id="{6158538C-36A5-41FE-BD9F-391821A0560B}" type="slidenum">
+            <a:fld id="{5C8B891C-1FBA-4353-AEBF-D3A12413B4BA}" type="slidenum">
               <a:t>&lt;#&gt;</a:t>
             </a:fld>
           </a:p>
@@ -1559,7 +1560,7 @@
         <p:spPr>
           <a:xfrm>
             <a:off x="0" y="1620000"/>
-            <a:ext cx="8998920" cy="1078920"/>
+            <a:ext cx="8998560" cy="1078560"/>
           </a:xfrm>
           <a:prstGeom prst="rect">
             <a:avLst/>
@@ -1620,7 +1621,7 @@
         <p:txBody>
           <a:bodyPr/>
           <a:p>
-            <a:fld id="{82F4F01A-9972-4889-ACAD-3702EF01A13A}" type="slidenum">
+            <a:fld id="{B7B35052-E54C-4F5D-BAF2-C4D26A99151D}" type="slidenum">
               <a:t>&lt;#&gt;</a:t>
             </a:fld>
           </a:p>
@@ -1682,7 +1683,7 @@
         <p:spPr>
           <a:xfrm>
             <a:off x="0" y="1620000"/>
-            <a:ext cx="8998920" cy="5002560"/>
+            <a:ext cx="8998560" cy="5000760"/>
           </a:xfrm>
           <a:prstGeom prst="rect">
             <a:avLst/>
@@ -1741,7 +1742,7 @@
         <p:txBody>
           <a:bodyPr/>
           <a:p>
-            <a:fld id="{98B0A699-A9EB-42DA-B62F-6BC8DE2CE9C5}" type="slidenum">
+            <a:fld id="{5F7BF7C4-E32D-42AB-B504-C4CF54ECC10A}" type="slidenum">
               <a:t>&lt;#&gt;</a:t>
             </a:fld>
           </a:p>
@@ -1803,7 +1804,7 @@
         <p:spPr>
           <a:xfrm>
             <a:off x="0" y="1620000"/>
-            <a:ext cx="8998920" cy="1078920"/>
+            <a:ext cx="8998560" cy="1078560"/>
           </a:xfrm>
           <a:prstGeom prst="rect">
             <a:avLst/>
@@ -1843,7 +1844,7 @@
         <p:spPr>
           <a:xfrm>
             <a:off x="504000" y="1326600"/>
-            <a:ext cx="4426920" cy="1568520"/>
+            <a:ext cx="2160000" cy="747720"/>
           </a:xfrm>
           <a:prstGeom prst="rect">
             <a:avLst/>
@@ -1855,7 +1856,7 @@
         </p:spPr>
         <p:txBody>
           <a:bodyPr lIns="0" rIns="0" tIns="0" bIns="0" anchor="t">
-            <a:normAutofit/>
+            <a:normAutofit fontScale="81242"/>
           </a:bodyPr>
           <a:p>
             <a:pPr indent="0">
@@ -1885,8 +1886,8 @@
         </p:nvSpPr>
         <p:spPr>
           <a:xfrm>
-            <a:off x="5152680" y="1326600"/>
-            <a:ext cx="4426920" cy="3288600"/>
+            <a:off x="2772360" y="1326600"/>
+            <a:ext cx="2160000" cy="1568160"/>
           </a:xfrm>
           <a:prstGeom prst="rect">
             <a:avLst/>
@@ -1928,8 +1929,8 @@
         </p:nvSpPr>
         <p:spPr>
           <a:xfrm>
-            <a:off x="504000" y="3044520"/>
-            <a:ext cx="4426920" cy="1568520"/>
+            <a:off x="504000" y="2145600"/>
+            <a:ext cx="2160000" cy="747720"/>
           </a:xfrm>
           <a:prstGeom prst="rect">
             <a:avLst/>
@@ -1941,7 +1942,7 @@
         </p:spPr>
         <p:txBody>
           <a:bodyPr lIns="0" rIns="0" tIns="0" bIns="0" anchor="t">
-            <a:normAutofit/>
+            <a:normAutofit fontScale="81242"/>
           </a:bodyPr>
           <a:p>
             <a:pPr indent="0">
@@ -1993,7 +1994,7 @@
         <p:txBody>
           <a:bodyPr/>
           <a:p>
-            <a:fld id="{C0BF9C83-BD92-4BF8-9A55-1AA5D4E5C67A}" type="slidenum">
+            <a:fld id="{CA15F3DE-B703-4D00-9100-0102E0C3DD8F}" type="slidenum">
               <a:t>&lt;#&gt;</a:t>
             </a:fld>
           </a:p>
@@ -2055,7 +2056,7 @@
         <p:spPr>
           <a:xfrm>
             <a:off x="0" y="1620000"/>
-            <a:ext cx="8998920" cy="1078920"/>
+            <a:ext cx="8998560" cy="1078560"/>
           </a:xfrm>
           <a:prstGeom prst="rect">
             <a:avLst/>
@@ -2095,7 +2096,7 @@
         <p:spPr>
           <a:xfrm>
             <a:off x="504000" y="1326600"/>
-            <a:ext cx="4426920" cy="3288600"/>
+            <a:ext cx="2160000" cy="1568160"/>
           </a:xfrm>
           <a:prstGeom prst="rect">
             <a:avLst/>
@@ -2137,8 +2138,8 @@
         </p:nvSpPr>
         <p:spPr>
           <a:xfrm>
-            <a:off x="5152680" y="1326600"/>
-            <a:ext cx="4426920" cy="1568520"/>
+            <a:off x="2772360" y="1326600"/>
+            <a:ext cx="2160000" cy="747720"/>
           </a:xfrm>
           <a:prstGeom prst="rect">
             <a:avLst/>
@@ -2150,7 +2151,7 @@
         </p:spPr>
         <p:txBody>
           <a:bodyPr lIns="0" rIns="0" tIns="0" bIns="0" anchor="t">
-            <a:normAutofit/>
+            <a:normAutofit fontScale="81242"/>
           </a:bodyPr>
           <a:p>
             <a:pPr indent="0">
@@ -2180,8 +2181,8 @@
         </p:nvSpPr>
         <p:spPr>
           <a:xfrm>
-            <a:off x="5152680" y="3044520"/>
-            <a:ext cx="4426920" cy="1568520"/>
+            <a:off x="2772360" y="2145600"/>
+            <a:ext cx="2160000" cy="747720"/>
           </a:xfrm>
           <a:prstGeom prst="rect">
             <a:avLst/>
@@ -2193,7 +2194,7 @@
         </p:spPr>
         <p:txBody>
           <a:bodyPr lIns="0" rIns="0" tIns="0" bIns="0" anchor="t">
-            <a:normAutofit/>
+            <a:normAutofit fontScale="81242"/>
           </a:bodyPr>
           <a:p>
             <a:pPr indent="0">
@@ -2245,7 +2246,7 @@
         <p:txBody>
           <a:bodyPr/>
           <a:p>
-            <a:fld id="{3FE87E9F-85C4-44A6-9BBD-A2D4E09D309B}" type="slidenum">
+            <a:fld id="{15AC5C5F-0FC0-4E70-B23F-3621352F53BA}" type="slidenum">
               <a:t>&lt;#&gt;</a:t>
             </a:fld>
           </a:p>
@@ -2307,7 +2308,7 @@
         <p:spPr>
           <a:xfrm>
             <a:off x="0" y="1620000"/>
-            <a:ext cx="8998920" cy="1078920"/>
+            <a:ext cx="8998560" cy="1078560"/>
           </a:xfrm>
           <a:prstGeom prst="rect">
             <a:avLst/>
@@ -2347,7 +2348,7 @@
         <p:spPr>
           <a:xfrm>
             <a:off x="504000" y="1326600"/>
-            <a:ext cx="4426920" cy="1568520"/>
+            <a:ext cx="2160000" cy="747720"/>
           </a:xfrm>
           <a:prstGeom prst="rect">
             <a:avLst/>
@@ -2359,7 +2360,7 @@
         </p:spPr>
         <p:txBody>
           <a:bodyPr lIns="0" rIns="0" tIns="0" bIns="0" anchor="t">
-            <a:normAutofit/>
+            <a:normAutofit fontScale="81242"/>
           </a:bodyPr>
           <a:p>
             <a:pPr indent="0">
@@ -2389,8 +2390,8 @@
         </p:nvSpPr>
         <p:spPr>
           <a:xfrm>
-            <a:off x="5152680" y="1326600"/>
-            <a:ext cx="4426920" cy="1568520"/>
+            <a:off x="2772360" y="1326600"/>
+            <a:ext cx="2160000" cy="747720"/>
           </a:xfrm>
           <a:prstGeom prst="rect">
             <a:avLst/>
@@ -2402,7 +2403,7 @@
         </p:spPr>
         <p:txBody>
           <a:bodyPr lIns="0" rIns="0" tIns="0" bIns="0" anchor="t">
-            <a:normAutofit/>
+            <a:normAutofit fontScale="81242"/>
           </a:bodyPr>
           <a:p>
             <a:pPr indent="0">
@@ -2432,8 +2433,8 @@
         </p:nvSpPr>
         <p:spPr>
           <a:xfrm>
-            <a:off x="504000" y="3044520"/>
-            <a:ext cx="9072000" cy="1568520"/>
+            <a:off x="504000" y="2145600"/>
+            <a:ext cx="4426560" cy="747720"/>
           </a:xfrm>
           <a:prstGeom prst="rect">
             <a:avLst/>
@@ -2497,7 +2498,7 @@
         <p:txBody>
           <a:bodyPr/>
           <a:p>
-            <a:fld id="{89C911F8-6ECB-4269-8EEE-F4071618744F}" type="slidenum">
+            <a:fld id="{703B91E7-659C-40E2-926A-C07877925B1D}" type="slidenum">
               <a:t>&lt;#&gt;</a:t>
             </a:fld>
           </a:p>
@@ -2555,7 +2556,7 @@
         <p:spPr>
           <a:xfrm>
             <a:off x="0" y="3780000"/>
-            <a:ext cx="10078920" cy="1888920"/>
+            <a:ext cx="10078560" cy="1888560"/>
           </a:xfrm>
           <a:prstGeom prst="rect">
             <a:avLst/>
@@ -2616,7 +2617,7 @@
         <p:spPr>
           <a:xfrm>
             <a:off x="0" y="1620000"/>
-            <a:ext cx="8998920" cy="1078920"/>
+            <a:ext cx="8998560" cy="1078560"/>
           </a:xfrm>
           <a:prstGeom prst="rect">
             <a:avLst/>
@@ -2664,8 +2665,8 @@
         </p:nvSpPr>
         <p:spPr>
           <a:xfrm>
-            <a:off x="360000" y="2880000"/>
-            <a:ext cx="2228040" cy="174960"/>
+            <a:off x="504000" y="1326600"/>
+            <a:ext cx="4426560" cy="1568160"/>
           </a:xfrm>
           <a:prstGeom prst="rect">
             <a:avLst/>
@@ -2677,7 +2678,7 @@
         </p:spPr>
         <p:txBody>
           <a:bodyPr lIns="0" rIns="0" tIns="0" bIns="0" anchor="t">
-            <a:normAutofit fontScale="1111" lnSpcReduction="20000"/>
+            <a:normAutofit fontScale="56111"/>
           </a:bodyPr>
           <a:p>
             <a:pPr marL="432000" indent="-324000">
@@ -2889,8 +2890,8 @@
         </p:nvSpPr>
         <p:spPr>
           <a:xfrm>
-            <a:off x="2700360" y="2880000"/>
-            <a:ext cx="2228040" cy="174960"/>
+            <a:off x="5152680" y="1326600"/>
+            <a:ext cx="4426560" cy="1568160"/>
           </a:xfrm>
           <a:prstGeom prst="rect">
             <a:avLst/>
@@ -2902,7 +2903,7 @@
         </p:spPr>
         <p:txBody>
           <a:bodyPr lIns="0" rIns="0" tIns="0" bIns="0" anchor="t">
-            <a:normAutofit fontScale="1111" lnSpcReduction="20000"/>
+            <a:normAutofit fontScale="56111"/>
           </a:bodyPr>
           <a:p>
             <a:pPr marL="432000" indent="-324000">
@@ -3114,8 +3115,8 @@
         </p:nvSpPr>
         <p:spPr>
           <a:xfrm>
-            <a:off x="360000" y="3072240"/>
-            <a:ext cx="4566600" cy="174960"/>
+            <a:off x="504000" y="3044520"/>
+            <a:ext cx="9071640" cy="1568160"/>
           </a:xfrm>
           <a:prstGeom prst="rect">
             <a:avLst/>
@@ -3127,7 +3128,7 @@
         </p:spPr>
         <p:txBody>
           <a:bodyPr lIns="0" rIns="0" tIns="0" bIns="0" anchor="t">
-            <a:normAutofit fontScale="1111" lnSpcReduction="20000"/>
+            <a:normAutofit fontScale="75000" lnSpcReduction="20000"/>
           </a:bodyPr>
           <a:p>
             <a:pPr marL="432000" indent="-324000">
@@ -3340,7 +3341,7 @@
         <p:spPr>
           <a:xfrm>
             <a:off x="3420000" y="5130000"/>
-            <a:ext cx="3238920" cy="448920"/>
+            <a:ext cx="3238560" cy="448560"/>
           </a:xfrm>
           <a:prstGeom prst="rect">
             <a:avLst/>
@@ -3414,7 +3415,7 @@
         <p:spPr>
           <a:xfrm>
             <a:off x="7200000" y="5130000"/>
-            <a:ext cx="2338920" cy="448920"/>
+            <a:ext cx="2338560" cy="448560"/>
           </a:xfrm>
           <a:prstGeom prst="rect">
             <a:avLst/>
@@ -3457,7 +3458,7 @@
                 <a:tab algn="l" pos="0"/>
               </a:tabLst>
             </a:pPr>
-            <a:fld id="{EE4CC1A1-C6CF-4FA4-9AB4-2504B066372A}" type="slidenum">
+            <a:fld id="{3630922C-55F3-424B-842C-AAB9F253934A}" type="slidenum">
               <a:rPr b="0" lang="en-IN" sz="2400" spc="-1" strike="noStrike">
                 <a:solidFill>
                   <a:srgbClr val="dbf5f9"/>
@@ -3488,7 +3489,7 @@
         <p:spPr>
           <a:xfrm>
             <a:off x="450000" y="5130000"/>
-            <a:ext cx="2338920" cy="448920"/>
+            <a:ext cx="2338560" cy="448560"/>
           </a:xfrm>
           <a:prstGeom prst="rect">
             <a:avLst/>
@@ -3587,7 +3588,7 @@
         <p:spPr>
           <a:xfrm>
             <a:off x="450000" y="540720"/>
-            <a:ext cx="8998920" cy="3238920"/>
+            <a:ext cx="8998560" cy="3238560"/>
           </a:xfrm>
           <a:prstGeom prst="rect">
             <a:avLst/>
@@ -3642,7 +3643,7 @@
         <p:spPr>
           <a:xfrm>
             <a:off x="450000" y="3870000"/>
-            <a:ext cx="8998920" cy="1168920"/>
+            <a:ext cx="8998560" cy="1168560"/>
           </a:xfrm>
           <a:prstGeom prst="rect">
             <a:avLst/>
@@ -3727,7 +3728,7 @@
         <p:spPr>
           <a:xfrm>
             <a:off x="430920" y="720000"/>
-            <a:ext cx="8748720" cy="4679640"/>
+            <a:ext cx="8748360" cy="4679280"/>
           </a:xfrm>
           <a:prstGeom prst="rect">
             <a:avLst/>
@@ -3753,7 +3754,7 @@
                 <a:srgbClr val="000000"/>
               </a:buClr>
               <a:buFont typeface="OpenSymbol"/>
-              <a:buAutoNum type="arabicPeriod" startAt="4"/>
+              <a:buAutoNum type="arabicPeriod" startAt="6"/>
             </a:pPr>
             <a:r>
               <a:rPr b="1" lang="en-IN" sz="1100" spc="-1" strike="noStrike" u="sng">
@@ -3763,20 +3764,7 @@
                 <a:uFillTx/>
                 <a:latin typeface="Arial"/>
               </a:rPr>
-              <a:t>Troubleshooting</a:t>
-            </a:r>
-            <a:r>
-              <a:rPr b="1" lang="en-IN" sz="1100" spc="-1" strike="noStrike" u="sng">
-                <a:solidFill>
-                  <a:srgbClr val="000000"/>
-                </a:solidFill>
-                <a:highlight>
-                  <a:srgbClr val="ffffff"/>
-                </a:highlight>
-                <a:uFillTx/>
-                <a:latin typeface="Arial"/>
-              </a:rPr>
-              <a:t>:</a:t>
+              <a:t>Reporting and Monitoring:</a:t>
             </a:r>
             <a:endParaRPr b="0" lang="en-GB" sz="1100" spc="-1" strike="noStrike">
               <a:solidFill>
@@ -3800,30 +3788,24 @@
               <a:buAutoNum type="arabicPeriod"/>
             </a:pPr>
             <a:r>
-              <a:rPr b="1" lang="en-IN" sz="1000" spc="-1" strike="noStrike">
-                <a:solidFill>
-                  <a:srgbClr val="000000"/>
-                </a:solidFill>
-                <a:highlight>
-                  <a:srgbClr val="ffffff"/>
-                </a:highlight>
-                <a:latin typeface="Arial"/>
-              </a:rPr>
-              <a:t>Diagnostic Logs:</a:t>
-            </a:r>
-            <a:r>
-              <a:rPr b="0" lang="en-IN" sz="1000" spc="-1" strike="noStrike">
-                <a:solidFill>
-                  <a:srgbClr val="000000"/>
-                </a:solidFill>
-                <a:highlight>
-                  <a:srgbClr val="ffffff"/>
-                </a:highlight>
-                <a:latin typeface="Arial"/>
-              </a:rPr>
-              <a:t>Access detailed diagnostic logs for insights into device behaviour and application deployment.</a:t>
-            </a:r>
-            <a:endParaRPr b="0" lang="en-GB" sz="1000" spc="-1" strike="noStrike">
+              <a:rPr b="1" lang="en-IN" sz="1100" spc="-1" strike="noStrike">
+                <a:solidFill>
+                  <a:srgbClr val="000000"/>
+                </a:solidFill>
+                <a:latin typeface="Arial"/>
+              </a:rPr>
+              <a:t>Dashboard Overview:</a:t>
+            </a:r>
+            <a:r>
+              <a:rPr b="0" lang="en-IN" sz="1100" spc="-1" strike="noStrike">
+                <a:solidFill>
+                  <a:srgbClr val="000000"/>
+                </a:solidFill>
+                <a:latin typeface="Arial"/>
+              </a:rPr>
+              <a:t>The Intune dashboard provides a centralized view of the organization's device landscape. Key metrics such as device compliance, deployment status, and security posture are accessible at a glance.</a:t>
+            </a:r>
+            <a:endParaRPr b="0" lang="en-GB" sz="1100" spc="-1" strike="noStrike">
               <a:solidFill>
                 <a:srgbClr val="000000"/>
               </a:solidFill>
@@ -3845,30 +3827,24 @@
               <a:buAutoNum type="arabicPeriod"/>
             </a:pPr>
             <a:r>
-              <a:rPr b="1" lang="en-IN" sz="1000" spc="-1" strike="noStrike">
-                <a:solidFill>
-                  <a:srgbClr val="000000"/>
-                </a:solidFill>
-                <a:highlight>
-                  <a:srgbClr val="ffffff"/>
-                </a:highlight>
-                <a:latin typeface="Arial"/>
-              </a:rPr>
-              <a:t>Reports and Dashboards:</a:t>
-            </a:r>
-            <a:r>
-              <a:rPr b="0" lang="en-IN" sz="1000" spc="-1" strike="noStrike">
-                <a:solidFill>
-                  <a:srgbClr val="000000"/>
-                </a:solidFill>
-                <a:highlight>
-                  <a:srgbClr val="ffffff"/>
-                </a:highlight>
-                <a:latin typeface="Arial"/>
-              </a:rPr>
-              <a:t>Utilize Intune reports and dashboards to get an overview of the status of devices, applications, and compliance. Identify trends and patterns that may indicate issues.</a:t>
-            </a:r>
-            <a:endParaRPr b="0" lang="en-GB" sz="1000" spc="-1" strike="noStrike">
+              <a:rPr b="1" lang="en-IN" sz="1100" spc="-1" strike="noStrike">
+                <a:solidFill>
+                  <a:srgbClr val="000000"/>
+                </a:solidFill>
+                <a:latin typeface="Arial"/>
+              </a:rPr>
+              <a:t>Device Inventory:</a:t>
+            </a:r>
+            <a:r>
+              <a:rPr b="0" lang="en-IN" sz="1100" spc="-1" strike="noStrike">
+                <a:solidFill>
+                  <a:srgbClr val="000000"/>
+                </a:solidFill>
+                <a:latin typeface="Arial"/>
+              </a:rPr>
+              <a:t>Maintains a comprehensive inventory of all managed devices. Includes device status, compliance status, hardware information, and other relevant details.</a:t>
+            </a:r>
+            <a:endParaRPr b="0" lang="en-GB" sz="1100" spc="-1" strike="noStrike">
               <a:solidFill>
                 <a:srgbClr val="000000"/>
               </a:solidFill>
@@ -3890,30 +3866,24 @@
               <a:buAutoNum type="arabicPeriod"/>
             </a:pPr>
             <a:r>
-              <a:rPr b="1" lang="en-IN" sz="1000" spc="-1" strike="noStrike">
-                <a:solidFill>
-                  <a:srgbClr val="000000"/>
-                </a:solidFill>
-                <a:highlight>
-                  <a:srgbClr val="ffffff"/>
-                </a:highlight>
-                <a:latin typeface="Arial"/>
-              </a:rPr>
-              <a:t>Conditional Access Insights:</a:t>
-            </a:r>
-            <a:r>
-              <a:rPr b="0" lang="en-IN" sz="1000" spc="-1" strike="noStrike">
-                <a:solidFill>
-                  <a:srgbClr val="000000"/>
-                </a:solidFill>
-                <a:highlight>
-                  <a:srgbClr val="ffffff"/>
-                </a:highlight>
-                <a:latin typeface="Arial"/>
-              </a:rPr>
-              <a:t>Leverage conditional access reports to understand user and device access patterns. Receive alerts for devices that are not compliant with policies.</a:t>
-            </a:r>
-            <a:endParaRPr b="0" lang="en-GB" sz="1000" spc="-1" strike="noStrike">
+              <a:rPr b="1" lang="en-IN" sz="1100" spc="-1" strike="noStrike">
+                <a:solidFill>
+                  <a:srgbClr val="000000"/>
+                </a:solidFill>
+                <a:latin typeface="Arial"/>
+              </a:rPr>
+              <a:t>Compliance Monitoring:</a:t>
+            </a:r>
+            <a:r>
+              <a:rPr b="0" lang="en-IN" sz="1100" spc="-1" strike="noStrike">
+                <a:solidFill>
+                  <a:srgbClr val="000000"/>
+                </a:solidFill>
+                <a:latin typeface="Arial"/>
+              </a:rPr>
+              <a:t>Regularly assess devices against compliance policies. Provides real-time status updates on device compliance.</a:t>
+            </a:r>
+            <a:endParaRPr b="0" lang="en-GB" sz="1100" spc="-1" strike="noStrike">
               <a:solidFill>
                 <a:srgbClr val="000000"/>
               </a:solidFill>
@@ -3935,30 +3905,24 @@
               <a:buAutoNum type="arabicPeriod"/>
             </a:pPr>
             <a:r>
-              <a:rPr b="1" lang="en-IN" sz="1000" spc="-1" strike="noStrike">
-                <a:solidFill>
-                  <a:srgbClr val="000000"/>
-                </a:solidFill>
-                <a:highlight>
-                  <a:srgbClr val="ffffff"/>
-                </a:highlight>
-                <a:latin typeface="Arial"/>
-              </a:rPr>
-              <a:t>Application Deployment Status:</a:t>
-            </a:r>
-            <a:r>
-              <a:rPr b="0" lang="en-IN" sz="1000" spc="-1" strike="noStrike">
-                <a:solidFill>
-                  <a:srgbClr val="000000"/>
-                </a:solidFill>
-                <a:highlight>
-                  <a:srgbClr val="ffffff"/>
-                </a:highlight>
-                <a:latin typeface="Arial"/>
-              </a:rPr>
-              <a:t>Monitor the status of application deployments to identify failed installations or errors. As well as encourage users to provide feedback on application deployment issues through the Company Portal.</a:t>
-            </a:r>
-            <a:endParaRPr b="0" lang="en-GB" sz="1000" spc="-1" strike="noStrike">
+              <a:rPr b="1" lang="en-IN" sz="1100" spc="-1" strike="noStrike">
+                <a:solidFill>
+                  <a:srgbClr val="000000"/>
+                </a:solidFill>
+                <a:latin typeface="Arial"/>
+              </a:rPr>
+              <a:t>Deployment Monitoring:</a:t>
+            </a:r>
+            <a:r>
+              <a:rPr b="0" lang="en-IN" sz="1100" spc="-1" strike="noStrike">
+                <a:solidFill>
+                  <a:srgbClr val="000000"/>
+                </a:solidFill>
+                <a:latin typeface="Arial"/>
+              </a:rPr>
+              <a:t>Track the status of application deployments. Also monitor the deployment of updates and patches to ensure devices are up-to-date.</a:t>
+            </a:r>
+            <a:endParaRPr b="0" lang="en-GB" sz="1100" spc="-1" strike="noStrike">
               <a:solidFill>
                 <a:srgbClr val="000000"/>
               </a:solidFill>
@@ -3980,30 +3944,24 @@
               <a:buAutoNum type="arabicPeriod"/>
             </a:pPr>
             <a:r>
-              <a:rPr b="1" lang="en-IN" sz="1000" spc="-1" strike="noStrike">
-                <a:solidFill>
-                  <a:srgbClr val="000000"/>
-                </a:solidFill>
-                <a:highlight>
-                  <a:srgbClr val="ffffff"/>
-                </a:highlight>
-                <a:latin typeface="Arial"/>
-              </a:rPr>
-              <a:t>Compliance Status Checks:</a:t>
-            </a:r>
-            <a:r>
-              <a:rPr b="0" lang="en-IN" sz="1000" spc="-1" strike="noStrike">
-                <a:solidFill>
-                  <a:srgbClr val="000000"/>
-                </a:solidFill>
-                <a:highlight>
-                  <a:srgbClr val="ffffff"/>
-                </a:highlight>
-                <a:latin typeface="Arial"/>
-              </a:rPr>
-              <a:t>Identify the reasons for non-compliance and take corrective actions.</a:t>
-            </a:r>
-            <a:endParaRPr b="0" lang="en-GB" sz="1000" spc="-1" strike="noStrike">
+              <a:rPr b="1" lang="en-IN" sz="1100" spc="-1" strike="noStrike">
+                <a:solidFill>
+                  <a:srgbClr val="000000"/>
+                </a:solidFill>
+                <a:latin typeface="Arial"/>
+              </a:rPr>
+              <a:t>Conditional Access Reports:Access Control:</a:t>
+            </a:r>
+            <a:r>
+              <a:rPr b="0" lang="en-IN" sz="1100" spc="-1" strike="noStrike">
+                <a:solidFill>
+                  <a:srgbClr val="000000"/>
+                </a:solidFill>
+                <a:latin typeface="Arial"/>
+              </a:rPr>
+              <a:t> Detailed reports on conditional access policies, showing which devices comply and which do not. Also gain insights into user and device access patterns.</a:t>
+            </a:r>
+            <a:endParaRPr b="0" lang="en-GB" sz="1100" spc="-1" strike="noStrike">
               <a:solidFill>
                 <a:srgbClr val="000000"/>
               </a:solidFill>
@@ -4025,30 +3983,24 @@
               <a:buAutoNum type="arabicPeriod"/>
             </a:pPr>
             <a:r>
-              <a:rPr b="1" lang="en-IN" sz="1000" spc="-1" strike="noStrike">
-                <a:solidFill>
-                  <a:srgbClr val="000000"/>
-                </a:solidFill>
-                <a:highlight>
-                  <a:srgbClr val="ffffff"/>
-                </a:highlight>
-                <a:latin typeface="Arial"/>
-              </a:rPr>
-              <a:t>Application Compatibility Checks:</a:t>
-            </a:r>
-            <a:r>
-              <a:rPr b="0" lang="en-IN" sz="1000" spc="-1" strike="noStrike">
-                <a:solidFill>
-                  <a:srgbClr val="000000"/>
-                </a:solidFill>
-                <a:highlight>
-                  <a:srgbClr val="ffffff"/>
-                </a:highlight>
-                <a:latin typeface="Arial"/>
-              </a:rPr>
-              <a:t>Ensure that applications are compatible with the target devices and operating systems. Review application deployment requirements and make necessary adjustments.</a:t>
-            </a:r>
-            <a:endParaRPr b="0" lang="en-GB" sz="1000" spc="-1" strike="noStrike">
+              <a:rPr b="1" lang="en-IN" sz="1100" spc="-1" strike="noStrike">
+                <a:solidFill>
+                  <a:srgbClr val="000000"/>
+                </a:solidFill>
+                <a:latin typeface="Arial"/>
+              </a:rPr>
+              <a:t>Security Baseline Monitoring:</a:t>
+            </a:r>
+            <a:r>
+              <a:rPr b="0" lang="en-IN" sz="1100" spc="-1" strike="noStrike">
+                <a:solidFill>
+                  <a:srgbClr val="000000"/>
+                </a:solidFill>
+                <a:latin typeface="Arial"/>
+              </a:rPr>
+              <a:t>Monitor adherence to standardized security configurations through security baselines And provide alerts for deviations from baseline settings.</a:t>
+            </a:r>
+            <a:endParaRPr b="0" lang="en-GB" sz="1100" spc="-1" strike="noStrike">
               <a:solidFill>
                 <a:srgbClr val="000000"/>
               </a:solidFill>
@@ -4070,24 +4022,24 @@
               <a:buAutoNum type="arabicPeriod"/>
             </a:pPr>
             <a:r>
-              <a:rPr b="1" lang="en-GB" sz="1000" spc="-1" strike="noStrike">
-                <a:solidFill>
-                  <a:srgbClr val="000000"/>
-                </a:solidFill>
-                <a:latin typeface="Arial"/>
-              </a:rPr>
-              <a:t>Azure AD Integration Checks:</a:t>
-            </a:r>
-            <a:r>
-              <a:rPr b="0" lang="en-GB" sz="1000" spc="-1" strike="noStrike">
-                <a:solidFill>
-                  <a:srgbClr val="000000"/>
-                </a:solidFill>
-                <a:latin typeface="Arial"/>
-              </a:rPr>
-              <a:t>Check Azure AD integration for identity and access management issues. Ensure that users are properly authenticated and authorized.</a:t>
-            </a:r>
-            <a:endParaRPr b="0" lang="en-GB" sz="1000" spc="-1" strike="noStrike">
+              <a:rPr b="1" lang="en-IN" sz="1100" spc="-1" strike="noStrike">
+                <a:solidFill>
+                  <a:srgbClr val="000000"/>
+                </a:solidFill>
+                <a:latin typeface="Arial"/>
+              </a:rPr>
+              <a:t>Application Usage Analytics:</a:t>
+            </a:r>
+            <a:r>
+              <a:rPr b="0" lang="en-IN" sz="1100" spc="-1" strike="noStrike">
+                <a:solidFill>
+                  <a:srgbClr val="000000"/>
+                </a:solidFill>
+                <a:latin typeface="Arial"/>
+              </a:rPr>
+              <a:t>Understand how applications are being used across the organization. Also identify opportunities for application optimization based on usage data.</a:t>
+            </a:r>
+            <a:endParaRPr b="0" lang="en-GB" sz="1100" spc="-1" strike="noStrike">
               <a:solidFill>
                 <a:srgbClr val="000000"/>
               </a:solidFill>
@@ -4109,24 +4061,24 @@
               <a:buAutoNum type="arabicPeriod"/>
             </a:pPr>
             <a:r>
-              <a:rPr b="1" lang="en-GB" sz="1000" spc="-1" strike="noStrike">
-                <a:solidFill>
-                  <a:srgbClr val="000000"/>
-                </a:solidFill>
-                <a:latin typeface="Arial"/>
-              </a:rPr>
-              <a:t>User Assistance:</a:t>
-            </a:r>
-            <a:r>
-              <a:rPr b="0" lang="en-GB" sz="1000" spc="-1" strike="noStrike">
-                <a:solidFill>
-                  <a:srgbClr val="000000"/>
-                </a:solidFill>
-                <a:latin typeface="Arial"/>
-              </a:rPr>
-              <a:t>Guide users to the Company Portal for self-service troubleshooting and application installations. Provide users with information on troubleshooting common issues.</a:t>
-            </a:r>
-            <a:endParaRPr b="0" lang="en-GB" sz="1000" spc="-1" strike="noStrike">
+              <a:rPr b="1" lang="en-IN" sz="1100" spc="-1" strike="noStrike">
+                <a:solidFill>
+                  <a:srgbClr val="000000"/>
+                </a:solidFill>
+                <a:latin typeface="Arial"/>
+              </a:rPr>
+              <a:t>Threat Detection and Response:</a:t>
+            </a:r>
+            <a:r>
+              <a:rPr b="0" lang="en-IN" sz="1100" spc="-1" strike="noStrike">
+                <a:solidFill>
+                  <a:srgbClr val="000000"/>
+                </a:solidFill>
+                <a:latin typeface="Arial"/>
+              </a:rPr>
+              <a:t>Leverage threat intelligence for proactive threat detection. Implement response mechanisms based on detected threats.</a:t>
+            </a:r>
+            <a:endParaRPr b="0" lang="en-GB" sz="1100" spc="-1" strike="noStrike">
               <a:solidFill>
                 <a:srgbClr val="000000"/>
               </a:solidFill>
@@ -4148,92 +4100,23 @@
               <a:buAutoNum type="arabicPeriod"/>
             </a:pPr>
             <a:r>
-              <a:rPr b="1" lang="en-GB" sz="1000" spc="-1" strike="noStrike">
-                <a:solidFill>
-                  <a:srgbClr val="000000"/>
-                </a:solidFill>
-                <a:latin typeface="Arial"/>
-              </a:rPr>
-              <a:t>Collaboration with Support:</a:t>
-            </a:r>
-            <a:r>
-              <a:rPr b="0" lang="en-GB" sz="1000" spc="-1" strike="noStrike">
-                <a:solidFill>
-                  <a:srgbClr val="000000"/>
-                </a:solidFill>
-                <a:latin typeface="Arial"/>
-              </a:rPr>
-              <a:t>Engage with Microsoft Support for assistance with complex issues. Participate in community forums to seek insights and solutions from the broader Intune user community.</a:t>
-            </a:r>
-            <a:endParaRPr b="0" lang="en-GB" sz="1000" spc="-1" strike="noStrike">
-              <a:solidFill>
-                <a:srgbClr val="000000"/>
-              </a:solidFill>
-              <a:latin typeface="Arial"/>
-            </a:endParaRPr>
-          </a:p>
-          <a:p>
-            <a:pPr marL="216000" indent="-216000">
-              <a:lnSpc>
-                <a:spcPct val="100000"/>
-              </a:lnSpc>
-              <a:spcAft>
-                <a:spcPts val="1054"/>
-              </a:spcAft>
-              <a:buClr>
-                <a:srgbClr val="000000"/>
-              </a:buClr>
-              <a:buFont typeface="Wingdings" charset="2"/>
-              <a:buChar char=""/>
-            </a:pPr>
-            <a:r>
-              <a:rPr b="0" lang="en-GB" sz="1000" spc="-1" strike="noStrike">
-                <a:solidFill>
-                  <a:srgbClr val="000000"/>
-                </a:solidFill>
-                <a:latin typeface="Arial"/>
-              </a:rPr>
-              <a:t>In summary, troubleshooting in Intune involves a combination of reviewing diagnostic data, monitoring reports, and taking proactive actions to address issues related to device management, application deployment, and security. A systematic approach to identifying and resolving problems is crucial for maintaining a well-functioning device environment within the organization.</a:t>
-            </a:r>
-            <a:endParaRPr b="0" lang="en-GB" sz="1000" spc="-1" strike="noStrike">
-              <a:solidFill>
-                <a:srgbClr val="000000"/>
-              </a:solidFill>
-              <a:latin typeface="Arial"/>
-            </a:endParaRPr>
-          </a:p>
-          <a:p>
-            <a:pPr>
-              <a:lnSpc>
-                <a:spcPct val="100000"/>
-              </a:lnSpc>
-            </a:pPr>
-            <a:endParaRPr b="0" lang="en-GB" sz="1100" spc="-1" strike="noStrike">
-              <a:solidFill>
-                <a:srgbClr val="000000"/>
-              </a:solidFill>
-              <a:latin typeface="Arial"/>
-            </a:endParaRPr>
-          </a:p>
-          <a:p>
-            <a:pPr>
-              <a:lnSpc>
-                <a:spcPct val="100000"/>
-              </a:lnSpc>
-            </a:pPr>
-            <a:endParaRPr b="0" lang="en-GB" sz="1100" spc="-1" strike="noStrike">
-              <a:solidFill>
-                <a:srgbClr val="000000"/>
-              </a:solidFill>
-              <a:latin typeface="Arial"/>
-            </a:endParaRPr>
-          </a:p>
-          <a:p>
-            <a:pPr>
-              <a:lnSpc>
-                <a:spcPct val="100000"/>
-              </a:lnSpc>
-            </a:pPr>
+              <a:rPr b="1" lang="en-IN" sz="1100" spc="-1" strike="noStrike">
+                <a:solidFill>
+                  <a:srgbClr val="000000"/>
+                </a:solidFill>
+                <a:latin typeface="Arial"/>
+              </a:rPr>
+              <a:t>User Activity Reports:</a:t>
+            </a:r>
+            <a:r>
+              <a:rPr b="0" lang="en-IN" sz="1100" spc="-1" strike="noStrike">
+                <a:solidFill>
+                  <a:srgbClr val="000000"/>
+                </a:solidFill>
+                <a:latin typeface="Arial"/>
+              </a:rPr>
+              <a:t>Reports on user engagement with applications and devices. Identify trends and patterns in user activities.</a:t>
+            </a:r>
             <a:endParaRPr b="0" lang="en-GB" sz="1100" spc="-1" strike="noStrike">
               <a:solidFill>
                 <a:srgbClr val="000000"/>
@@ -4275,14 +4158,18 @@
       </p:grpSpPr>
       <p:sp>
         <p:nvSpPr>
-          <p:cNvPr id="56" name=""/>
-          <p:cNvSpPr/>
-          <p:nvPr/>
+          <p:cNvPr id="56" name="PlaceHolder 1"/>
+          <p:cNvSpPr>
+            <a:spLocks noGrp="1"/>
+          </p:cNvSpPr>
+          <p:nvPr>
+            <p:ph type="subTitle"/>
+          </p:nvPr>
         </p:nvSpPr>
         <p:spPr>
           <a:xfrm>
-            <a:off x="360000" y="720000"/>
-            <a:ext cx="8639640" cy="4499640"/>
+            <a:off x="430920" y="720000"/>
+            <a:ext cx="8748360" cy="4679280"/>
           </a:xfrm>
           <a:prstGeom prst="rect">
             <a:avLst/>
@@ -4292,32 +4179,504 @@
             <a:noFill/>
           </a:ln>
         </p:spPr>
-        <p:style>
-          <a:lnRef idx="0"/>
-          <a:fillRef idx="0"/>
-          <a:effectRef idx="0"/>
-          <a:fontRef idx="minor"/>
-        </p:style>
         <p:txBody>
-          <a:bodyPr lIns="90000" rIns="90000" tIns="45000" bIns="45000" anchor="t">
+          <a:bodyPr lIns="0" rIns="0" tIns="0" bIns="0" anchor="t">
             <a:noAutofit/>
           </a:bodyPr>
           <a:p>
+            <a:pPr marL="216000" indent="-216000">
+              <a:lnSpc>
+                <a:spcPct val="100000"/>
+              </a:lnSpc>
+              <a:spcAft>
+                <a:spcPts val="1054"/>
+              </a:spcAft>
+              <a:buClr>
+                <a:srgbClr val="000000"/>
+              </a:buClr>
+              <a:buFont typeface="Wingdings" charset="2"/>
+              <a:buChar char=""/>
+            </a:pPr>
+            <a:r>
+              <a:rPr b="1" lang="en-IN" sz="1100" spc="-1" strike="noStrike" u="sng">
+                <a:solidFill>
+                  <a:srgbClr val="000000"/>
+                </a:solidFill>
+                <a:uFillTx/>
+                <a:latin typeface="Arial"/>
+              </a:rPr>
+              <a:t>Troubleshooting</a:t>
+            </a:r>
+            <a:r>
+              <a:rPr b="1" lang="en-IN" sz="1100" spc="-1" strike="noStrike" u="sng">
+                <a:solidFill>
+                  <a:srgbClr val="000000"/>
+                </a:solidFill>
+                <a:highlight>
+                  <a:srgbClr val="ffffff"/>
+                </a:highlight>
+                <a:uFillTx/>
+                <a:latin typeface="Arial"/>
+              </a:rPr>
+              <a:t>:</a:t>
+            </a:r>
+            <a:endParaRPr b="0" lang="en-GB" sz="1100" spc="-1" strike="noStrike">
+              <a:solidFill>
+                <a:srgbClr val="000000"/>
+              </a:solidFill>
+              <a:latin typeface="Arial"/>
+            </a:endParaRPr>
+          </a:p>
+          <a:p>
+            <a:pPr lvl="1" marL="432000" indent="-216000">
+              <a:lnSpc>
+                <a:spcPct val="100000"/>
+              </a:lnSpc>
+              <a:spcAft>
+                <a:spcPts val="1054"/>
+              </a:spcAft>
+              <a:buClr>
+                <a:srgbClr val="000000"/>
+              </a:buClr>
+              <a:buFont typeface="OpenSymbol"/>
+              <a:buAutoNum type="arabicPeriod"/>
+            </a:pPr>
+            <a:r>
+              <a:rPr b="1" lang="en-IN" sz="1000" spc="-1" strike="noStrike">
+                <a:solidFill>
+                  <a:srgbClr val="000000"/>
+                </a:solidFill>
+                <a:highlight>
+                  <a:srgbClr val="ffffff"/>
+                </a:highlight>
+                <a:latin typeface="Arial"/>
+              </a:rPr>
+              <a:t>Diagnostic Logs:</a:t>
+            </a:r>
+            <a:r>
+              <a:rPr b="0" lang="en-IN" sz="1000" spc="-1" strike="noStrike">
+                <a:solidFill>
+                  <a:srgbClr val="000000"/>
+                </a:solidFill>
+                <a:highlight>
+                  <a:srgbClr val="ffffff"/>
+                </a:highlight>
+                <a:latin typeface="Arial"/>
+              </a:rPr>
+              <a:t>Access detailed diagnostic logs for insights into device behaviour and application deployment.</a:t>
+            </a:r>
+            <a:endParaRPr b="0" lang="en-GB" sz="1000" spc="-1" strike="noStrike">
+              <a:solidFill>
+                <a:srgbClr val="000000"/>
+              </a:solidFill>
+              <a:latin typeface="Arial"/>
+            </a:endParaRPr>
+          </a:p>
+          <a:p>
+            <a:pPr lvl="1" marL="432000" indent="-216000">
+              <a:lnSpc>
+                <a:spcPct val="100000"/>
+              </a:lnSpc>
+              <a:spcAft>
+                <a:spcPts val="1054"/>
+              </a:spcAft>
+              <a:buClr>
+                <a:srgbClr val="000000"/>
+              </a:buClr>
+              <a:buFont typeface="OpenSymbol"/>
+              <a:buAutoNum type="arabicPeriod"/>
+            </a:pPr>
+            <a:r>
+              <a:rPr b="1" lang="en-IN" sz="1000" spc="-1" strike="noStrike">
+                <a:solidFill>
+                  <a:srgbClr val="000000"/>
+                </a:solidFill>
+                <a:highlight>
+                  <a:srgbClr val="ffffff"/>
+                </a:highlight>
+                <a:latin typeface="Arial"/>
+              </a:rPr>
+              <a:t>Reports and Dashboards:</a:t>
+            </a:r>
+            <a:r>
+              <a:rPr b="0" lang="en-IN" sz="1000" spc="-1" strike="noStrike">
+                <a:solidFill>
+                  <a:srgbClr val="000000"/>
+                </a:solidFill>
+                <a:highlight>
+                  <a:srgbClr val="ffffff"/>
+                </a:highlight>
+                <a:latin typeface="Arial"/>
+              </a:rPr>
+              <a:t>Utilize Intune reports and dashboards to get an overview of the status of devices, applications, and compliance. Identify trends and patterns that may indicate issues.</a:t>
+            </a:r>
+            <a:endParaRPr b="0" lang="en-GB" sz="1000" spc="-1" strike="noStrike">
+              <a:solidFill>
+                <a:srgbClr val="000000"/>
+              </a:solidFill>
+              <a:latin typeface="Arial"/>
+            </a:endParaRPr>
+          </a:p>
+          <a:p>
+            <a:pPr lvl="1" marL="432000" indent="-216000">
+              <a:lnSpc>
+                <a:spcPct val="100000"/>
+              </a:lnSpc>
+              <a:spcAft>
+                <a:spcPts val="1054"/>
+              </a:spcAft>
+              <a:buClr>
+                <a:srgbClr val="000000"/>
+              </a:buClr>
+              <a:buFont typeface="OpenSymbol"/>
+              <a:buAutoNum type="arabicPeriod"/>
+            </a:pPr>
+            <a:r>
+              <a:rPr b="1" lang="en-IN" sz="1000" spc="-1" strike="noStrike">
+                <a:solidFill>
+                  <a:srgbClr val="000000"/>
+                </a:solidFill>
+                <a:highlight>
+                  <a:srgbClr val="ffffff"/>
+                </a:highlight>
+                <a:latin typeface="Arial"/>
+              </a:rPr>
+              <a:t>Conditional Access Insights:</a:t>
+            </a:r>
+            <a:r>
+              <a:rPr b="0" lang="en-IN" sz="1000" spc="-1" strike="noStrike">
+                <a:solidFill>
+                  <a:srgbClr val="000000"/>
+                </a:solidFill>
+                <a:highlight>
+                  <a:srgbClr val="ffffff"/>
+                </a:highlight>
+                <a:latin typeface="Arial"/>
+              </a:rPr>
+              <a:t>Leverage conditional access reports to understand user and device access patterns. Receive alerts for devices that are not compliant with policies.</a:t>
+            </a:r>
+            <a:endParaRPr b="0" lang="en-GB" sz="1000" spc="-1" strike="noStrike">
+              <a:solidFill>
+                <a:srgbClr val="000000"/>
+              </a:solidFill>
+              <a:latin typeface="Arial"/>
+            </a:endParaRPr>
+          </a:p>
+          <a:p>
+            <a:pPr lvl="1" marL="432000" indent="-216000">
+              <a:lnSpc>
+                <a:spcPct val="100000"/>
+              </a:lnSpc>
+              <a:spcAft>
+                <a:spcPts val="1054"/>
+              </a:spcAft>
+              <a:buClr>
+                <a:srgbClr val="000000"/>
+              </a:buClr>
+              <a:buFont typeface="OpenSymbol"/>
+              <a:buAutoNum type="arabicPeriod"/>
+            </a:pPr>
+            <a:r>
+              <a:rPr b="1" lang="en-IN" sz="1000" spc="-1" strike="noStrike">
+                <a:solidFill>
+                  <a:srgbClr val="000000"/>
+                </a:solidFill>
+                <a:highlight>
+                  <a:srgbClr val="ffffff"/>
+                </a:highlight>
+                <a:latin typeface="Arial"/>
+              </a:rPr>
+              <a:t>Application Deployment Status:</a:t>
+            </a:r>
+            <a:r>
+              <a:rPr b="0" lang="en-IN" sz="1000" spc="-1" strike="noStrike">
+                <a:solidFill>
+                  <a:srgbClr val="000000"/>
+                </a:solidFill>
+                <a:highlight>
+                  <a:srgbClr val="ffffff"/>
+                </a:highlight>
+                <a:latin typeface="Arial"/>
+              </a:rPr>
+              <a:t>Monitor the status of application deployments to identify failed installations or errors. As well as encourage users to provide feedback on application deployment issues through the Company Portal.</a:t>
+            </a:r>
+            <a:endParaRPr b="0" lang="en-GB" sz="1000" spc="-1" strike="noStrike">
+              <a:solidFill>
+                <a:srgbClr val="000000"/>
+              </a:solidFill>
+              <a:latin typeface="Arial"/>
+            </a:endParaRPr>
+          </a:p>
+          <a:p>
+            <a:pPr lvl="1" marL="432000" indent="-216000">
+              <a:lnSpc>
+                <a:spcPct val="100000"/>
+              </a:lnSpc>
+              <a:spcAft>
+                <a:spcPts val="1054"/>
+              </a:spcAft>
+              <a:buClr>
+                <a:srgbClr val="000000"/>
+              </a:buClr>
+              <a:buFont typeface="OpenSymbol"/>
+              <a:buAutoNum type="arabicPeriod"/>
+            </a:pPr>
+            <a:r>
+              <a:rPr b="1" lang="en-IN" sz="1000" spc="-1" strike="noStrike">
+                <a:solidFill>
+                  <a:srgbClr val="000000"/>
+                </a:solidFill>
+                <a:highlight>
+                  <a:srgbClr val="ffffff"/>
+                </a:highlight>
+                <a:latin typeface="Arial"/>
+              </a:rPr>
+              <a:t>Compliance Status Checks:</a:t>
+            </a:r>
+            <a:r>
+              <a:rPr b="0" lang="en-IN" sz="1000" spc="-1" strike="noStrike">
+                <a:solidFill>
+                  <a:srgbClr val="000000"/>
+                </a:solidFill>
+                <a:highlight>
+                  <a:srgbClr val="ffffff"/>
+                </a:highlight>
+                <a:latin typeface="Arial"/>
+              </a:rPr>
+              <a:t>Identify the reasons for non-compliance and take corrective actions.</a:t>
+            </a:r>
+            <a:endParaRPr b="0" lang="en-GB" sz="1000" spc="-1" strike="noStrike">
+              <a:solidFill>
+                <a:srgbClr val="000000"/>
+              </a:solidFill>
+              <a:latin typeface="Arial"/>
+            </a:endParaRPr>
+          </a:p>
+          <a:p>
+            <a:pPr lvl="1" marL="432000" indent="-216000">
+              <a:lnSpc>
+                <a:spcPct val="100000"/>
+              </a:lnSpc>
+              <a:spcAft>
+                <a:spcPts val="1054"/>
+              </a:spcAft>
+              <a:buClr>
+                <a:srgbClr val="000000"/>
+              </a:buClr>
+              <a:buFont typeface="OpenSymbol"/>
+              <a:buAutoNum type="arabicPeriod"/>
+            </a:pPr>
+            <a:r>
+              <a:rPr b="1" lang="en-IN" sz="1000" spc="-1" strike="noStrike">
+                <a:solidFill>
+                  <a:srgbClr val="000000"/>
+                </a:solidFill>
+                <a:highlight>
+                  <a:srgbClr val="ffffff"/>
+                </a:highlight>
+                <a:latin typeface="Arial"/>
+              </a:rPr>
+              <a:t>Application Compatibility Checks:</a:t>
+            </a:r>
+            <a:r>
+              <a:rPr b="0" lang="en-IN" sz="1000" spc="-1" strike="noStrike">
+                <a:solidFill>
+                  <a:srgbClr val="000000"/>
+                </a:solidFill>
+                <a:highlight>
+                  <a:srgbClr val="ffffff"/>
+                </a:highlight>
+                <a:latin typeface="Arial"/>
+              </a:rPr>
+              <a:t>Ensure that applications are compatible with the target devices and operating systems. Review application deployment requirements and make necessary adjustments.</a:t>
+            </a:r>
+            <a:endParaRPr b="0" lang="en-GB" sz="1000" spc="-1" strike="noStrike">
+              <a:solidFill>
+                <a:srgbClr val="000000"/>
+              </a:solidFill>
+              <a:latin typeface="Arial"/>
+            </a:endParaRPr>
+          </a:p>
+          <a:p>
+            <a:pPr lvl="1" marL="432000" indent="-216000">
+              <a:lnSpc>
+                <a:spcPct val="100000"/>
+              </a:lnSpc>
+              <a:spcAft>
+                <a:spcPts val="1054"/>
+              </a:spcAft>
+              <a:buClr>
+                <a:srgbClr val="000000"/>
+              </a:buClr>
+              <a:buFont typeface="OpenSymbol"/>
+              <a:buAutoNum type="arabicPeriod"/>
+            </a:pPr>
+            <a:r>
+              <a:rPr b="1" lang="en-GB" sz="1000" spc="-1" strike="noStrike">
+                <a:solidFill>
+                  <a:srgbClr val="000000"/>
+                </a:solidFill>
+                <a:latin typeface="Arial"/>
+              </a:rPr>
+              <a:t>Azure AD Integration Checks:</a:t>
+            </a:r>
+            <a:r>
+              <a:rPr b="0" lang="en-GB" sz="1000" spc="-1" strike="noStrike">
+                <a:solidFill>
+                  <a:srgbClr val="000000"/>
+                </a:solidFill>
+                <a:latin typeface="Arial"/>
+              </a:rPr>
+              <a:t>Check Azure AD integration for identity and access management issues. Ensure that users are properly authenticated and authorized.</a:t>
+            </a:r>
+            <a:endParaRPr b="0" lang="en-GB" sz="1000" spc="-1" strike="noStrike">
+              <a:solidFill>
+                <a:srgbClr val="000000"/>
+              </a:solidFill>
+              <a:latin typeface="Arial"/>
+            </a:endParaRPr>
+          </a:p>
+          <a:p>
+            <a:pPr lvl="1" marL="432000" indent="-216000">
+              <a:lnSpc>
+                <a:spcPct val="100000"/>
+              </a:lnSpc>
+              <a:spcAft>
+                <a:spcPts val="1054"/>
+              </a:spcAft>
+              <a:buClr>
+                <a:srgbClr val="000000"/>
+              </a:buClr>
+              <a:buFont typeface="OpenSymbol"/>
+              <a:buAutoNum type="arabicPeriod"/>
+            </a:pPr>
+            <a:r>
+              <a:rPr b="1" lang="en-GB" sz="1000" spc="-1" strike="noStrike">
+                <a:solidFill>
+                  <a:srgbClr val="000000"/>
+                </a:solidFill>
+                <a:latin typeface="Arial"/>
+              </a:rPr>
+              <a:t>User Assistance:</a:t>
+            </a:r>
+            <a:r>
+              <a:rPr b="0" lang="en-GB" sz="1000" spc="-1" strike="noStrike">
+                <a:solidFill>
+                  <a:srgbClr val="000000"/>
+                </a:solidFill>
+                <a:latin typeface="Arial"/>
+              </a:rPr>
+              <a:t>Guide users to the Company Portal for self-service troubleshooting and application installations. Provide users with information on troubleshooting common issues.</a:t>
+            </a:r>
+            <a:endParaRPr b="0" lang="en-GB" sz="1000" spc="-1" strike="noStrike">
+              <a:solidFill>
+                <a:srgbClr val="000000"/>
+              </a:solidFill>
+              <a:latin typeface="Arial"/>
+            </a:endParaRPr>
+          </a:p>
+          <a:p>
+            <a:pPr lvl="1" marL="432000" indent="-216000">
+              <a:lnSpc>
+                <a:spcPct val="100000"/>
+              </a:lnSpc>
+              <a:spcAft>
+                <a:spcPts val="1054"/>
+              </a:spcAft>
+              <a:buClr>
+                <a:srgbClr val="000000"/>
+              </a:buClr>
+              <a:buFont typeface="OpenSymbol"/>
+              <a:buAutoNum type="arabicPeriod"/>
+            </a:pPr>
+            <a:r>
+              <a:rPr b="1" lang="en-GB" sz="1000" spc="-1" strike="noStrike">
+                <a:solidFill>
+                  <a:srgbClr val="000000"/>
+                </a:solidFill>
+                <a:latin typeface="Arial"/>
+              </a:rPr>
+              <a:t>Collaboration with Support:</a:t>
+            </a:r>
+            <a:r>
+              <a:rPr b="0" lang="en-GB" sz="1000" spc="-1" strike="noStrike">
+                <a:solidFill>
+                  <a:srgbClr val="000000"/>
+                </a:solidFill>
+                <a:latin typeface="Arial"/>
+              </a:rPr>
+              <a:t>Engage with Microsoft Support for assistance with complex issues. Participate in community forums to seek insights and solutions from the broader Intune user community.</a:t>
+            </a:r>
+            <a:endParaRPr b="0" lang="en-GB" sz="1000" spc="-1" strike="noStrike">
+              <a:solidFill>
+                <a:srgbClr val="000000"/>
+              </a:solidFill>
+              <a:latin typeface="Arial"/>
+            </a:endParaRPr>
+          </a:p>
+          <a:p>
+            <a:pPr marL="216000" indent="-216000">
+              <a:lnSpc>
+                <a:spcPct val="100000"/>
+              </a:lnSpc>
+              <a:spcAft>
+                <a:spcPts val="1054"/>
+              </a:spcAft>
+              <a:buClr>
+                <a:srgbClr val="000000"/>
+              </a:buClr>
+              <a:buFont typeface="Wingdings" charset="2"/>
+              <a:buChar char=""/>
+            </a:pPr>
+            <a:r>
+              <a:rPr b="0" lang="en-GB" sz="1000" spc="-1" strike="noStrike">
+                <a:solidFill>
+                  <a:srgbClr val="000000"/>
+                </a:solidFill>
+                <a:latin typeface="Arial"/>
+              </a:rPr>
+              <a:t>In summary, troubleshooting in Intune involves a combination of reviewing diagnostic data, monitoring reports, and taking proactive actions to address issues related to device management, application deployment, and security. A systematic approach to identifying and resolving problems is crucial for maintaining a well-functioning device environment within the organization.</a:t>
+            </a:r>
+            <a:endParaRPr b="0" lang="en-GB" sz="1000" spc="-1" strike="noStrike">
+              <a:solidFill>
+                <a:srgbClr val="000000"/>
+              </a:solidFill>
+              <a:latin typeface="Arial"/>
+            </a:endParaRPr>
+          </a:p>
+          <a:p>
             <a:pPr>
               <a:lnSpc>
                 <a:spcPct val="100000"/>
               </a:lnSpc>
             </a:pPr>
-            <a:r>
-              <a:rPr b="0" lang="en-IN" sz="2400" spc="-1" strike="noStrike">
-                <a:solidFill>
-                  <a:srgbClr val="000000"/>
-                </a:solidFill>
-                <a:latin typeface="Source Sans Pro"/>
-              </a:rPr>
-              <a:t>Questions and Answers.</a:t>
-            </a:r>
-            <a:endParaRPr b="0" lang="en-GB" sz="2400" spc="-1" strike="noStrike">
+            <a:endParaRPr b="0" lang="en-GB" sz="1100" spc="-1" strike="noStrike">
+              <a:solidFill>
+                <a:srgbClr val="000000"/>
+              </a:solidFill>
+              <a:latin typeface="Arial"/>
+            </a:endParaRPr>
+          </a:p>
+          <a:p>
+            <a:pPr>
+              <a:lnSpc>
+                <a:spcPct val="100000"/>
+              </a:lnSpc>
+            </a:pPr>
+            <a:endParaRPr b="0" lang="en-GB" sz="1100" spc="-1" strike="noStrike">
+              <a:solidFill>
+                <a:srgbClr val="000000"/>
+              </a:solidFill>
+              <a:latin typeface="Arial"/>
+            </a:endParaRPr>
+          </a:p>
+          <a:p>
+            <a:pPr>
+              <a:lnSpc>
+                <a:spcPct val="100000"/>
+              </a:lnSpc>
+            </a:pPr>
+            <a:endParaRPr b="0" lang="en-GB" sz="1100" spc="-1" strike="noStrike">
               <a:solidFill>
                 <a:srgbClr val="000000"/>
               </a:solidFill>
@@ -4358,7 +4717,96 @@
       </p:grpSpPr>
       <p:sp>
         <p:nvSpPr>
-          <p:cNvPr id="57" name="PlaceHolder 1"/>
+          <p:cNvPr id="57" name=""/>
+          <p:cNvSpPr/>
+          <p:nvPr/>
+        </p:nvSpPr>
+        <p:spPr>
+          <a:xfrm>
+            <a:off x="360000" y="720000"/>
+            <a:ext cx="8639280" cy="4499280"/>
+          </a:xfrm>
+          <a:prstGeom prst="rect">
+            <a:avLst/>
+          </a:prstGeom>
+          <a:noFill/>
+          <a:ln w="0">
+            <a:noFill/>
+          </a:ln>
+        </p:spPr>
+        <p:style>
+          <a:lnRef idx="0"/>
+          <a:fillRef idx="0"/>
+          <a:effectRef idx="0"/>
+          <a:fontRef idx="minor"/>
+        </p:style>
+        <p:txBody>
+          <a:bodyPr lIns="90000" rIns="90000" tIns="45000" bIns="45000" anchor="t">
+            <a:noAutofit/>
+          </a:bodyPr>
+          <a:p>
+            <a:pPr marL="216000" indent="-216000">
+              <a:lnSpc>
+                <a:spcPct val="100000"/>
+              </a:lnSpc>
+              <a:buClr>
+                <a:srgbClr val="000000"/>
+              </a:buClr>
+              <a:buFont typeface="Wingdings" charset="2"/>
+              <a:buChar char=""/>
+            </a:pPr>
+            <a:r>
+              <a:rPr b="0" lang="en-IN" sz="2400" spc="-1" strike="noStrike">
+                <a:solidFill>
+                  <a:srgbClr val="000000"/>
+                </a:solidFill>
+                <a:latin typeface="Source Sans Pro"/>
+                <a:ea typeface="DejaVu Sans"/>
+              </a:rPr>
+              <a:t>Questions and Answers.</a:t>
+            </a:r>
+            <a:endParaRPr b="0" lang="en-GB" sz="2400" spc="-1" strike="noStrike">
+              <a:solidFill>
+                <a:srgbClr val="000000"/>
+              </a:solidFill>
+              <a:latin typeface="Arial"/>
+            </a:endParaRPr>
+          </a:p>
+        </p:txBody>
+      </p:sp>
+    </p:spTree>
+  </p:cSld>
+  <mc:AlternateContent>
+    <mc:Choice Requires="p14">
+      <p:transition spd="slow" p14:dur="2000"/>
+    </mc:Choice>
+    <mc:Fallback>
+      <p:transition spd="slow"/>
+    </mc:Fallback>
+  </mc:AlternateContent>
+</p:sld>
+</file>
+
+<file path=ppt/slides/slide13.xml><?xml version="1.0" encoding="utf-8"?>
+<p:sld xmlns:a="http://schemas.openxmlformats.org/drawingml/2006/main" xmlns:p="http://schemas.openxmlformats.org/presentationml/2006/main" xmlns:r="http://schemas.openxmlformats.org/officeDocument/2006/relationships" xmlns:p14="http://schemas.microsoft.com/office/powerpoint/2010/main" xmlns:p15="http://schemas.microsoft.com/office/powerpoint/2012/main" xmlns:mc="http://schemas.openxmlformats.org/markup-compatibility/2006" showMasterSp="0">
+  <p:cSld>
+    <p:spTree>
+      <p:nvGrpSpPr>
+        <p:cNvPr id="1" name=""/>
+        <p:cNvGrpSpPr/>
+        <p:nvPr/>
+      </p:nvGrpSpPr>
+      <p:grpSpPr>
+        <a:xfrm>
+          <a:off x="0" y="0"/>
+          <a:ext cx="0" cy="0"/>
+          <a:chOff x="0" y="0"/>
+          <a:chExt cx="0" cy="0"/>
+        </a:xfrm>
+      </p:grpSpPr>
+      <p:sp>
+        <p:nvSpPr>
+          <p:cNvPr id="58" name="PlaceHolder 1"/>
           <p:cNvSpPr>
             <a:spLocks noGrp="1"/>
           </p:cNvSpPr>
@@ -4369,7 +4817,7 @@
         <p:spPr>
           <a:xfrm>
             <a:off x="360720" y="1620720"/>
-            <a:ext cx="8998920" cy="1078920"/>
+            <a:ext cx="8998560" cy="1078560"/>
           </a:xfrm>
           <a:prstGeom prst="rect">
             <a:avLst/>
@@ -4454,7 +4902,7 @@
         <p:spPr>
           <a:xfrm>
             <a:off x="502920" y="90720"/>
-            <a:ext cx="9070560" cy="945720"/>
+            <a:ext cx="9070200" cy="945360"/>
           </a:xfrm>
           <a:prstGeom prst="rect">
             <a:avLst/>
@@ -4509,7 +4957,7 @@
         <p:spPr>
           <a:xfrm>
             <a:off x="502920" y="720000"/>
-            <a:ext cx="9020880" cy="3959640"/>
+            <a:ext cx="9020520" cy="3959280"/>
           </a:xfrm>
           <a:prstGeom prst="rect">
             <a:avLst/>
@@ -4521,7 +4969,7 @@
         </p:spPr>
         <p:txBody>
           <a:bodyPr lIns="0" rIns="0" tIns="0" bIns="0" anchor="t">
-            <a:normAutofit fontScale="83888"/>
+            <a:normAutofit fontScale="73333"/>
           </a:bodyPr>
           <a:p>
             <a:pPr marL="432000" indent="-324000">
@@ -4639,6 +5087,37 @@
                 <a:latin typeface="Source Sans Pro"/>
               </a:rPr>
               <a:t>Device Management.</a:t>
+            </a:r>
+            <a:endParaRPr b="0" lang="en-GB" sz="2100" spc="-1" strike="noStrike">
+              <a:solidFill>
+                <a:srgbClr val="000000"/>
+              </a:solidFill>
+              <a:latin typeface="Arial"/>
+            </a:endParaRPr>
+          </a:p>
+          <a:p>
+            <a:pPr lvl="1" marL="864000" indent="-324000">
+              <a:lnSpc>
+                <a:spcPct val="100000"/>
+              </a:lnSpc>
+              <a:spcAft>
+                <a:spcPts val="842"/>
+              </a:spcAft>
+              <a:buClr>
+                <a:srgbClr val="009eda"/>
+              </a:buClr>
+              <a:buSzPct val="45000"/>
+              <a:buFont typeface="Wingdings" charset="2"/>
+              <a:buChar char=""/>
+            </a:pPr>
+            <a:r>
+              <a:rPr b="0" lang="en-IN" sz="2100" spc="-1" strike="noStrike">
+                <a:solidFill>
+                  <a:srgbClr val="000000"/>
+                </a:solidFill>
+                <a:latin typeface="Source Sans Pro"/>
+              </a:rPr>
+              <a:t>Windows autopilot.</a:t>
             </a:r>
             <a:endParaRPr b="0" lang="en-GB" sz="2100" spc="-1" strike="noStrike">
               <a:solidFill>
@@ -4878,7 +5357,7 @@
         <p:spPr>
           <a:xfrm>
             <a:off x="540000" y="314280"/>
-            <a:ext cx="9070560" cy="4904640"/>
+            <a:ext cx="9070200" cy="4904280"/>
           </a:xfrm>
           <a:prstGeom prst="rect">
             <a:avLst/>
@@ -5487,7 +5966,7 @@
         <p:spPr>
           <a:xfrm>
             <a:off x="411480" y="220680"/>
-            <a:ext cx="9307800" cy="5358600"/>
+            <a:ext cx="9307440" cy="5358240"/>
           </a:xfrm>
           <a:prstGeom prst="rect">
             <a:avLst/>
@@ -5540,7 +6019,7 @@
         <p:spPr>
           <a:xfrm>
             <a:off x="430920" y="540000"/>
-            <a:ext cx="8748720" cy="4498920"/>
+            <a:ext cx="8748360" cy="4498560"/>
           </a:xfrm>
           <a:prstGeom prst="rect">
             <a:avLst/>
@@ -6159,18 +6638,14 @@
       </p:grpSpPr>
       <p:sp>
         <p:nvSpPr>
-          <p:cNvPr id="51" name="PlaceHolder 1"/>
-          <p:cNvSpPr>
-            <a:spLocks noGrp="1"/>
-          </p:cNvSpPr>
-          <p:nvPr>
-            <p:ph type="subTitle"/>
-          </p:nvPr>
+          <p:cNvPr id="51" name=""/>
+          <p:cNvSpPr txBox="1"/>
+          <p:nvPr/>
         </p:nvSpPr>
         <p:spPr>
           <a:xfrm>
-            <a:off x="540000" y="685080"/>
-            <a:ext cx="8459640" cy="4534560"/>
+            <a:off x="360000" y="360000"/>
+            <a:ext cx="9360000" cy="5040000"/>
           </a:xfrm>
           <a:prstGeom prst="rect">
             <a:avLst/>
@@ -6181,17 +6656,11 @@
           </a:ln>
         </p:spPr>
         <p:txBody>
-          <a:bodyPr lIns="0" rIns="0" tIns="0" bIns="0" anchor="t">
+          <a:bodyPr lIns="90000" rIns="90000" tIns="45000" bIns="45000" anchor="t">
             <a:noAutofit/>
           </a:bodyPr>
           <a:p>
             <a:pPr marL="216000" indent="-216000">
-              <a:lnSpc>
-                <a:spcPct val="100000"/>
-              </a:lnSpc>
-              <a:spcAft>
-                <a:spcPts val="1054"/>
-              </a:spcAft>
               <a:buClr>
                 <a:srgbClr val="000000"/>
               </a:buClr>
@@ -6199,17 +6668,17 @@
               <a:buAutoNum type="arabicPeriod" startAt="2"/>
             </a:pPr>
             <a:r>
-              <a:rPr b="1" lang="en-IN" sz="1100" spc="-1" strike="noStrike" u="sng">
+              <a:rPr b="1" lang="en-IN" sz="1050" spc="-1" strike="noStrike" u="sng">
                 <a:solidFill>
                   <a:srgbClr val="000000"/>
                 </a:solidFill>
                 <a:uFillTx/>
                 <a:latin typeface="Arial"/>
               </a:rPr>
-              <a:t>Policies and Profiles</a:t>
-            </a:r>
-            <a:r>
-              <a:rPr b="1" lang="en-IN" sz="1100" spc="-1" strike="noStrike" u="sng">
+              <a:t>Windows autopilot</a:t>
+            </a:r>
+            <a:r>
+              <a:rPr b="1" lang="en-IN" sz="1050" spc="-1" strike="noStrike" u="sng">
                 <a:solidFill>
                   <a:srgbClr val="000000"/>
                 </a:solidFill>
@@ -6221,74 +6690,528 @@
               </a:rPr>
               <a:t>:</a:t>
             </a:r>
-            <a:endParaRPr b="0" lang="en-GB" sz="1100" spc="-1" strike="noStrike">
-              <a:solidFill>
-                <a:srgbClr val="000000"/>
-              </a:solidFill>
-              <a:latin typeface="Arial"/>
-            </a:endParaRPr>
-          </a:p>
-          <a:p>
-            <a:pPr lvl="2" marL="648000" indent="-216000">
-              <a:lnSpc>
-                <a:spcPct val="100000"/>
-              </a:lnSpc>
-              <a:buClr>
-                <a:srgbClr val="000000"/>
-              </a:buClr>
-              <a:buFont typeface="Symbol"/>
+            <a:r>
+              <a:rPr b="0" lang="en-IN" sz="1050" spc="-1" strike="noStrike">
+                <a:solidFill>
+                  <a:srgbClr val="000000"/>
+                </a:solidFill>
+                <a:highlight>
+                  <a:srgbClr val="ffffff"/>
+                </a:highlight>
+                <a:latin typeface="Arial"/>
+              </a:rPr>
+              <a:t>Windows Autopilot is a modern deployment and provisioning service provided by Microsoft for Windows 10 devices. It simplifies the initial setup and deployment of Windows devices, making it easier for organizations to integrate new devices into their infrastructure.</a:t>
+            </a:r>
+            <a:endParaRPr b="0" lang="en-GB" sz="1050" spc="-1" strike="noStrike">
+              <a:solidFill>
+                <a:srgbClr val="000000"/>
+              </a:solidFill>
+              <a:latin typeface="Arial"/>
+            </a:endParaRPr>
+          </a:p>
+          <a:p>
+            <a:pPr marL="216000" indent="-216000">
+              <a:buClr>
+                <a:srgbClr val="000000"/>
+              </a:buClr>
+              <a:buFont typeface="OpenSymbol"/>
+              <a:buAutoNum type="arabicPeriod" startAt="2"/>
+            </a:pPr>
+            <a:endParaRPr b="0" lang="en-GB" sz="1050" spc="-1" strike="noStrike">
+              <a:solidFill>
+                <a:srgbClr val="000000"/>
+              </a:solidFill>
+              <a:latin typeface="Arial"/>
+            </a:endParaRPr>
+          </a:p>
+          <a:p>
+            <a:pPr lvl="1" marL="432000" indent="-216000">
+              <a:buClr>
+                <a:srgbClr val="000000"/>
+              </a:buClr>
+              <a:buFont typeface="OpenSymbol"/>
               <a:buAutoNum type="arabicPeriod"/>
             </a:pPr>
             <a:r>
-              <a:rPr b="1" lang="en-IN" sz="1100" spc="-1" strike="noStrike" u="sng">
-                <a:solidFill>
-                  <a:srgbClr val="000000"/>
-                </a:solidFill>
-                <a:highlight>
-                  <a:srgbClr val="ffffff"/>
-                </a:highlight>
-                <a:uFillTx/>
-                <a:latin typeface="Arial"/>
-              </a:rPr>
-              <a:t>Policies:</a:t>
-            </a:r>
-            <a:r>
-              <a:rPr b="0" lang="en-IN" sz="1100" spc="-1" strike="noStrike">
-                <a:solidFill>
-                  <a:srgbClr val="000000"/>
-                </a:solidFill>
-                <a:highlight>
-                  <a:srgbClr val="ffffff"/>
-                </a:highlight>
-                <a:latin typeface="Arial"/>
-              </a:rPr>
-              <a:t>Policies in Intune are sets of rules and configurations that dictate the behaviour and settings on enrolled devices. These rules are applied to ensure compliance with organizational security standards.</a:t>
-            </a:r>
-            <a:endParaRPr b="0" lang="en-GB" sz="1100" spc="-1" strike="noStrike">
-              <a:solidFill>
-                <a:srgbClr val="000000"/>
-              </a:solidFill>
-              <a:latin typeface="Arial"/>
-            </a:endParaRPr>
-          </a:p>
-          <a:p>
-            <a:pPr>
-              <a:lnSpc>
-                <a:spcPct val="100000"/>
-              </a:lnSpc>
-            </a:pPr>
-            <a:endParaRPr b="0" lang="en-GB" sz="1100" spc="-1" strike="noStrike">
-              <a:solidFill>
-                <a:srgbClr val="000000"/>
-              </a:solidFill>
-              <a:latin typeface="Arial"/>
-            </a:endParaRPr>
-          </a:p>
-          <a:p>
-            <a:pPr lvl="3" marL="864000" indent="-216000">
-              <a:lnSpc>
-                <a:spcPct val="100000"/>
-              </a:lnSpc>
+              <a:rPr b="1" lang="en-IN" sz="1050" spc="-1" strike="noStrike">
+                <a:solidFill>
+                  <a:srgbClr val="000000"/>
+                </a:solidFill>
+                <a:highlight>
+                  <a:srgbClr val="ffffff"/>
+                </a:highlight>
+                <a:latin typeface="Arial"/>
+              </a:rPr>
+              <a:t>Self-Service Deployment:</a:t>
+            </a:r>
+            <a:r>
+              <a:rPr b="0" lang="en-IN" sz="1050" spc="-1" strike="noStrike">
+                <a:solidFill>
+                  <a:srgbClr val="000000"/>
+                </a:solidFill>
+                <a:highlight>
+                  <a:srgbClr val="ffffff"/>
+                </a:highlight>
+                <a:latin typeface="Arial"/>
+              </a:rPr>
+              <a:t>Users can set up new Windows 10 devices without requiring IT assistance. This self-service aspect empowers end-users, reduces IT workload, and speeds up device onboarding.</a:t>
+            </a:r>
+            <a:endParaRPr b="0" lang="en-GB" sz="1050" spc="-1" strike="noStrike">
+              <a:solidFill>
+                <a:srgbClr val="000000"/>
+              </a:solidFill>
+              <a:latin typeface="Arial"/>
+            </a:endParaRPr>
+          </a:p>
+          <a:p>
+            <a:pPr lvl="1" marL="432000" indent="-216000">
+              <a:buClr>
+                <a:srgbClr val="000000"/>
+              </a:buClr>
+              <a:buFont typeface="OpenSymbol"/>
+              <a:buAutoNum type="arabicPeriod"/>
+            </a:pPr>
+            <a:endParaRPr b="0" lang="en-GB" sz="1050" spc="-1" strike="noStrike">
+              <a:solidFill>
+                <a:srgbClr val="000000"/>
+              </a:solidFill>
+              <a:latin typeface="Arial"/>
+            </a:endParaRPr>
+          </a:p>
+          <a:p>
+            <a:pPr lvl="1" marL="432000" indent="-216000">
+              <a:buClr>
+                <a:srgbClr val="000000"/>
+              </a:buClr>
+              <a:buFont typeface="OpenSymbol"/>
+              <a:buAutoNum type="arabicPeriod"/>
+            </a:pPr>
+            <a:r>
+              <a:rPr b="1" lang="en-IN" sz="1050" spc="-1" strike="noStrike">
+                <a:solidFill>
+                  <a:srgbClr val="000000"/>
+                </a:solidFill>
+                <a:highlight>
+                  <a:srgbClr val="ffffff"/>
+                </a:highlight>
+                <a:latin typeface="Arial"/>
+              </a:rPr>
+              <a:t>Zero-Touch Provisioning:</a:t>
+            </a:r>
+            <a:r>
+              <a:rPr b="0" lang="en-IN" sz="1050" spc="-1" strike="noStrike">
+                <a:solidFill>
+                  <a:srgbClr val="000000"/>
+                </a:solidFill>
+                <a:highlight>
+                  <a:srgbClr val="ffffff"/>
+                </a:highlight>
+                <a:latin typeface="Arial"/>
+              </a:rPr>
+              <a:t>Autopilot aims to minimize IT involvement during device setup. With zero-touch provisioning, devices can be shipped directly to end-users, who can then complete the setup process without IT intervention.</a:t>
+            </a:r>
+            <a:endParaRPr b="0" lang="en-GB" sz="1050" spc="-1" strike="noStrike">
+              <a:solidFill>
+                <a:srgbClr val="000000"/>
+              </a:solidFill>
+              <a:latin typeface="Arial"/>
+            </a:endParaRPr>
+          </a:p>
+          <a:p>
+            <a:pPr lvl="1" marL="432000" indent="-216000">
+              <a:buClr>
+                <a:srgbClr val="000000"/>
+              </a:buClr>
+              <a:buFont typeface="OpenSymbol"/>
+              <a:buAutoNum type="arabicPeriod"/>
+            </a:pPr>
+            <a:endParaRPr b="0" lang="en-GB" sz="1050" spc="-1" strike="noStrike">
+              <a:solidFill>
+                <a:srgbClr val="000000"/>
+              </a:solidFill>
+              <a:latin typeface="Arial"/>
+            </a:endParaRPr>
+          </a:p>
+          <a:p>
+            <a:pPr lvl="1" marL="432000" indent="-216000">
+              <a:buClr>
+                <a:srgbClr val="000000"/>
+              </a:buClr>
+              <a:buFont typeface="OpenSymbol"/>
+              <a:buAutoNum type="arabicPeriod"/>
+            </a:pPr>
+            <a:r>
+              <a:rPr b="1" lang="en-IN" sz="1050" spc="-1" strike="noStrike">
+                <a:solidFill>
+                  <a:srgbClr val="000000"/>
+                </a:solidFill>
+                <a:highlight>
+                  <a:srgbClr val="ffffff"/>
+                </a:highlight>
+                <a:latin typeface="Arial"/>
+              </a:rPr>
+              <a:t>Dynamic Out-of-Box Experience (OOBE):</a:t>
+            </a:r>
+            <a:r>
+              <a:rPr b="0" lang="en-IN" sz="1050" spc="-1" strike="noStrike">
+                <a:solidFill>
+                  <a:srgbClr val="000000"/>
+                </a:solidFill>
+                <a:highlight>
+                  <a:srgbClr val="ffffff"/>
+                </a:highlight>
+                <a:latin typeface="Arial"/>
+              </a:rPr>
+              <a:t>Autopilot tailors the Windows Out-of-Box Experience to the organization's requirements. This customization ensures that devices are configured with the necessary settings, applications, and security policies during the initial setup.</a:t>
+            </a:r>
+            <a:endParaRPr b="0" lang="en-GB" sz="1050" spc="-1" strike="noStrike">
+              <a:solidFill>
+                <a:srgbClr val="000000"/>
+              </a:solidFill>
+              <a:latin typeface="Arial"/>
+            </a:endParaRPr>
+          </a:p>
+          <a:p>
+            <a:pPr lvl="1" marL="432000" indent="-216000">
+              <a:buClr>
+                <a:srgbClr val="000000"/>
+              </a:buClr>
+              <a:buFont typeface="OpenSymbol"/>
+              <a:buAutoNum type="arabicPeriod"/>
+            </a:pPr>
+            <a:endParaRPr b="0" lang="en-GB" sz="1050" spc="-1" strike="noStrike">
+              <a:solidFill>
+                <a:srgbClr val="000000"/>
+              </a:solidFill>
+              <a:latin typeface="Arial"/>
+            </a:endParaRPr>
+          </a:p>
+          <a:p>
+            <a:pPr lvl="1" marL="432000" indent="-216000">
+              <a:buClr>
+                <a:srgbClr val="000000"/>
+              </a:buClr>
+              <a:buFont typeface="OpenSymbol"/>
+              <a:buAutoNum type="arabicPeriod"/>
+            </a:pPr>
+            <a:r>
+              <a:rPr b="1" lang="en-IN" sz="1050" spc="-1" strike="noStrike">
+                <a:solidFill>
+                  <a:srgbClr val="000000"/>
+                </a:solidFill>
+                <a:highlight>
+                  <a:srgbClr val="ffffff"/>
+                </a:highlight>
+                <a:latin typeface="Arial"/>
+              </a:rPr>
+              <a:t>Cloud-Driven:</a:t>
+            </a:r>
+            <a:r>
+              <a:rPr b="0" lang="en-IN" sz="1050" spc="-1" strike="noStrike">
+                <a:solidFill>
+                  <a:srgbClr val="000000"/>
+                </a:solidFill>
+                <a:highlight>
+                  <a:srgbClr val="ffffff"/>
+                </a:highlight>
+                <a:latin typeface="Arial"/>
+              </a:rPr>
+              <a:t>Autopilot leverages cloud services, allowing organizations to manage device provisioning and configuration remotely. This is particularly beneficial for organizations with a distributed workforce or those adopting cloud-centric IT strategies.</a:t>
+            </a:r>
+            <a:endParaRPr b="0" lang="en-GB" sz="1050" spc="-1" strike="noStrike">
+              <a:solidFill>
+                <a:srgbClr val="000000"/>
+              </a:solidFill>
+              <a:latin typeface="Arial"/>
+            </a:endParaRPr>
+          </a:p>
+          <a:p>
+            <a:pPr lvl="1" marL="432000" indent="-216000">
+              <a:buClr>
+                <a:srgbClr val="000000"/>
+              </a:buClr>
+              <a:buFont typeface="OpenSymbol"/>
+              <a:buAutoNum type="arabicPeriod"/>
+            </a:pPr>
+            <a:endParaRPr b="0" lang="en-GB" sz="1050" spc="-1" strike="noStrike">
+              <a:solidFill>
+                <a:srgbClr val="000000"/>
+              </a:solidFill>
+              <a:latin typeface="Arial"/>
+            </a:endParaRPr>
+          </a:p>
+          <a:p>
+            <a:pPr lvl="1" marL="432000" indent="-216000">
+              <a:buClr>
+                <a:srgbClr val="000000"/>
+              </a:buClr>
+              <a:buFont typeface="OpenSymbol"/>
+              <a:buAutoNum type="arabicPeriod"/>
+            </a:pPr>
+            <a:r>
+              <a:rPr b="1" lang="en-IN" sz="1050" spc="-1" strike="noStrike">
+                <a:solidFill>
+                  <a:srgbClr val="000000"/>
+                </a:solidFill>
+                <a:highlight>
+                  <a:srgbClr val="ffffff"/>
+                </a:highlight>
+                <a:latin typeface="Arial"/>
+              </a:rPr>
+              <a:t>Integration with Azure Active Directory (AAD):</a:t>
+            </a:r>
+            <a:r>
+              <a:rPr b="0" lang="en-IN" sz="1050" spc="-1" strike="noStrike">
+                <a:solidFill>
+                  <a:srgbClr val="000000"/>
+                </a:solidFill>
+                <a:highlight>
+                  <a:srgbClr val="ffffff"/>
+                </a:highlight>
+                <a:latin typeface="Arial"/>
+              </a:rPr>
+              <a:t>Autopilot integrates with Azure Active Directory, ensuring a seamless connection to organizational resources and user authentication. This integration streamlines the user authentication process during device setup.</a:t>
+            </a:r>
+            <a:endParaRPr b="0" lang="en-GB" sz="1050" spc="-1" strike="noStrike">
+              <a:solidFill>
+                <a:srgbClr val="000000"/>
+              </a:solidFill>
+              <a:latin typeface="Arial"/>
+            </a:endParaRPr>
+          </a:p>
+          <a:p>
+            <a:pPr lvl="1" marL="432000" indent="-216000">
+              <a:buClr>
+                <a:srgbClr val="000000"/>
+              </a:buClr>
+              <a:buFont typeface="OpenSymbol"/>
+              <a:buAutoNum type="arabicPeriod"/>
+            </a:pPr>
+            <a:endParaRPr b="0" lang="en-GB" sz="1050" spc="-1" strike="noStrike">
+              <a:solidFill>
+                <a:srgbClr val="000000"/>
+              </a:solidFill>
+              <a:latin typeface="Arial"/>
+            </a:endParaRPr>
+          </a:p>
+          <a:p>
+            <a:pPr lvl="1" marL="432000" indent="-216000">
+              <a:buClr>
+                <a:srgbClr val="000000"/>
+              </a:buClr>
+              <a:buFont typeface="OpenSymbol"/>
+              <a:buAutoNum type="arabicPeriod"/>
+            </a:pPr>
+            <a:r>
+              <a:rPr b="1" lang="en-IN" sz="1050" spc="-1" strike="noStrike">
+                <a:solidFill>
+                  <a:srgbClr val="000000"/>
+                </a:solidFill>
+                <a:highlight>
+                  <a:srgbClr val="ffffff"/>
+                </a:highlight>
+                <a:latin typeface="Arial"/>
+              </a:rPr>
+              <a:t>Device Enrolment Status Page (ESP):</a:t>
+            </a:r>
+            <a:r>
+              <a:rPr b="0" lang="en-IN" sz="1050" spc="-1" strike="noStrike">
+                <a:solidFill>
+                  <a:srgbClr val="000000"/>
+                </a:solidFill>
+                <a:highlight>
+                  <a:srgbClr val="ffffff"/>
+                </a:highlight>
+                <a:latin typeface="Arial"/>
+              </a:rPr>
+              <a:t>The ESP provides real-time status updates during the device provisioning process. IT administrators can monitor progress and troubleshoot any issues that may arise.</a:t>
+            </a:r>
+            <a:endParaRPr b="0" lang="en-GB" sz="1050" spc="-1" strike="noStrike">
+              <a:solidFill>
+                <a:srgbClr val="000000"/>
+              </a:solidFill>
+              <a:latin typeface="Arial"/>
+            </a:endParaRPr>
+          </a:p>
+          <a:p>
+            <a:pPr lvl="1" marL="432000" indent="-216000">
+              <a:buClr>
+                <a:srgbClr val="000000"/>
+              </a:buClr>
+              <a:buFont typeface="OpenSymbol"/>
+              <a:buAutoNum type="arabicPeriod"/>
+            </a:pPr>
+            <a:endParaRPr b="0" lang="en-GB" sz="1050" spc="-1" strike="noStrike">
+              <a:solidFill>
+                <a:srgbClr val="000000"/>
+              </a:solidFill>
+              <a:latin typeface="Arial"/>
+            </a:endParaRPr>
+          </a:p>
+          <a:p>
+            <a:pPr lvl="1" marL="432000" indent="-216000">
+              <a:buClr>
+                <a:srgbClr val="000000"/>
+              </a:buClr>
+              <a:buFont typeface="OpenSymbol"/>
+              <a:buAutoNum type="arabicPeriod"/>
+            </a:pPr>
+            <a:r>
+              <a:rPr b="1" lang="en-IN" sz="1050" spc="-1" strike="noStrike">
+                <a:solidFill>
+                  <a:srgbClr val="000000"/>
+                </a:solidFill>
+                <a:highlight>
+                  <a:srgbClr val="ffffff"/>
+                </a:highlight>
+                <a:latin typeface="Arial"/>
+              </a:rPr>
+              <a:t>Automatic Enrolment:</a:t>
+            </a:r>
+            <a:r>
+              <a:rPr b="0" lang="en-IN" sz="1050" spc="-1" strike="noStrike">
+                <a:solidFill>
+                  <a:srgbClr val="000000"/>
+                </a:solidFill>
+                <a:highlight>
+                  <a:srgbClr val="ffffff"/>
+                </a:highlight>
+                <a:latin typeface="Arial"/>
+              </a:rPr>
+              <a:t>Autopilot enables automatic enrolment of devices into Intune (Microsoft's cloud-based endpoint management solution) during the Out-of-Box Experience. This ensures that devices are automatically configured with the organization's policies and settings.</a:t>
+            </a:r>
+            <a:endParaRPr b="0" lang="en-GB" sz="1050" spc="-1" strike="noStrike">
+              <a:solidFill>
+                <a:srgbClr val="000000"/>
+              </a:solidFill>
+              <a:latin typeface="Arial"/>
+            </a:endParaRPr>
+          </a:p>
+          <a:p>
+            <a:pPr lvl="1" marL="432000" indent="-216000">
+              <a:buClr>
+                <a:srgbClr val="000000"/>
+              </a:buClr>
+              <a:buFont typeface="OpenSymbol"/>
+              <a:buAutoNum type="arabicPeriod"/>
+            </a:pPr>
+            <a:endParaRPr b="0" lang="en-GB" sz="1050" spc="-1" strike="noStrike">
+              <a:solidFill>
+                <a:srgbClr val="000000"/>
+              </a:solidFill>
+              <a:latin typeface="Arial"/>
+            </a:endParaRPr>
+          </a:p>
+          <a:p>
+            <a:pPr lvl="1" marL="432000" indent="-216000">
+              <a:buClr>
+                <a:srgbClr val="000000"/>
+              </a:buClr>
+              <a:buFont typeface="OpenSymbol"/>
+              <a:buAutoNum type="arabicPeriod"/>
+            </a:pPr>
+            <a:r>
+              <a:rPr b="1" lang="en-IN" sz="1050" spc="-1" strike="noStrike">
+                <a:solidFill>
+                  <a:srgbClr val="000000"/>
+                </a:solidFill>
+                <a:highlight>
+                  <a:srgbClr val="ffffff"/>
+                </a:highlight>
+                <a:latin typeface="Arial"/>
+              </a:rPr>
+              <a:t>Customization and Branding:</a:t>
+            </a:r>
+            <a:r>
+              <a:rPr b="0" lang="en-IN" sz="1050" spc="-1" strike="noStrike">
+                <a:solidFill>
+                  <a:srgbClr val="000000"/>
+                </a:solidFill>
+                <a:highlight>
+                  <a:srgbClr val="ffffff"/>
+                </a:highlight>
+                <a:latin typeface="Arial"/>
+              </a:rPr>
+              <a:t>Organizations can customize the Autopilot deployment experience to align with their branding and provide a consistent user experience across devices.</a:t>
+            </a:r>
+            <a:endParaRPr b="0" lang="en-GB" sz="1050" spc="-1" strike="noStrike">
+              <a:solidFill>
+                <a:srgbClr val="000000"/>
+              </a:solidFill>
+              <a:latin typeface="Arial"/>
+            </a:endParaRPr>
+          </a:p>
+          <a:p>
+            <a:pPr lvl="1" marL="432000" indent="-216000">
+              <a:buClr>
+                <a:srgbClr val="000000"/>
+              </a:buClr>
+              <a:buFont typeface="OpenSymbol"/>
+              <a:buAutoNum type="arabicPeriod"/>
+            </a:pPr>
+            <a:endParaRPr b="0" lang="en-GB" sz="1050" spc="-1" strike="noStrike">
+              <a:solidFill>
+                <a:srgbClr val="000000"/>
+              </a:solidFill>
+              <a:latin typeface="Arial"/>
+            </a:endParaRPr>
+          </a:p>
+          <a:p>
+            <a:pPr lvl="1" marL="432000" indent="-216000">
+              <a:buClr>
+                <a:srgbClr val="000000"/>
+              </a:buClr>
+              <a:buFont typeface="OpenSymbol"/>
+              <a:buAutoNum type="arabicPeriod"/>
+            </a:pPr>
+            <a:r>
+              <a:rPr b="1" lang="en-IN" sz="1050" spc="-1" strike="noStrike">
+                <a:solidFill>
+                  <a:srgbClr val="000000"/>
+                </a:solidFill>
+                <a:highlight>
+                  <a:srgbClr val="ffffff"/>
+                </a:highlight>
+                <a:latin typeface="Arial"/>
+              </a:rPr>
+              <a:t>Integration with Configuration Manager:</a:t>
+            </a:r>
+            <a:r>
+              <a:rPr b="0" lang="en-IN" sz="1050" spc="-1" strike="noStrike">
+                <a:solidFill>
+                  <a:srgbClr val="000000"/>
+                </a:solidFill>
+                <a:highlight>
+                  <a:srgbClr val="ffffff"/>
+                </a:highlight>
+                <a:latin typeface="Arial"/>
+              </a:rPr>
+              <a:t>For organizations using System Center Configuration Manager (SCCM), Autopilot integrates seamlessly, allowing for a co-management approach. This ensures flexibility for organizations with existing infrastructure investments.</a:t>
+            </a:r>
+            <a:endParaRPr b="0" lang="en-GB" sz="1050" spc="-1" strike="noStrike">
+              <a:solidFill>
+                <a:srgbClr val="000000"/>
+              </a:solidFill>
+              <a:latin typeface="Arial"/>
+            </a:endParaRPr>
+          </a:p>
+          <a:p>
+            <a:pPr lvl="1" marL="432000" indent="-216000">
+              <a:buClr>
+                <a:srgbClr val="000000"/>
+              </a:buClr>
+              <a:buFont typeface="OpenSymbol"/>
+              <a:buAutoNum type="arabicPeriod"/>
+            </a:pPr>
+            <a:endParaRPr b="0" lang="en-GB" sz="1050" spc="-1" strike="noStrike">
+              <a:solidFill>
+                <a:srgbClr val="000000"/>
+              </a:solidFill>
+              <a:latin typeface="Arial"/>
+            </a:endParaRPr>
+          </a:p>
+          <a:p>
+            <a:pPr marL="216000" indent="-216000">
               <a:buClr>
                 <a:srgbClr val="000000"/>
               </a:buClr>
@@ -6296,459 +7219,18 @@
               <a:buChar char=""/>
             </a:pPr>
             <a:r>
-              <a:rPr b="1" lang="en-IN" sz="1100" spc="-1" strike="noStrike" u="sng">
-                <a:solidFill>
-                  <a:srgbClr val="000000"/>
-                </a:solidFill>
-                <a:highlight>
-                  <a:srgbClr val="ffffff"/>
-                </a:highlight>
-                <a:uFillTx/>
-                <a:latin typeface="Arial"/>
-              </a:rPr>
-              <a:t>Types of Policies:</a:t>
-            </a:r>
-            <a:endParaRPr b="0" lang="en-GB" sz="1100" spc="-1" strike="noStrike">
-              <a:solidFill>
-                <a:srgbClr val="000000"/>
-              </a:solidFill>
-              <a:latin typeface="Arial"/>
-            </a:endParaRPr>
-          </a:p>
-          <a:p>
-            <a:pPr>
-              <a:lnSpc>
-                <a:spcPct val="100000"/>
-              </a:lnSpc>
-            </a:pPr>
-            <a:endParaRPr b="0" lang="en-GB" sz="1100" spc="-1" strike="noStrike">
-              <a:solidFill>
-                <a:srgbClr val="000000"/>
-              </a:solidFill>
-              <a:latin typeface="Arial"/>
-            </a:endParaRPr>
-          </a:p>
-          <a:p>
-            <a:pPr lvl="4" marL="1080000" indent="-216000">
-              <a:lnSpc>
-                <a:spcPct val="100000"/>
-              </a:lnSpc>
-              <a:buClr>
-                <a:srgbClr val="000000"/>
-              </a:buClr>
-              <a:buFont typeface="OpenSymbol"/>
-              <a:buAutoNum type="arabicPeriod"/>
-            </a:pPr>
-            <a:r>
-              <a:rPr b="1" lang="en-IN" sz="1100" spc="-1" strike="noStrike">
-                <a:solidFill>
-                  <a:srgbClr val="000000"/>
-                </a:solidFill>
-                <a:highlight>
-                  <a:srgbClr val="ffffff"/>
-                </a:highlight>
-                <a:latin typeface="Arial"/>
-              </a:rPr>
-              <a:t>Compliance Policies:</a:t>
-            </a:r>
-            <a:r>
-              <a:rPr b="0" lang="en-IN" sz="1100" spc="-1" strike="noStrike">
-                <a:solidFill>
-                  <a:srgbClr val="000000"/>
-                </a:solidFill>
-                <a:highlight>
-                  <a:srgbClr val="ffffff"/>
-                </a:highlight>
-                <a:latin typeface="Arial"/>
-              </a:rPr>
-              <a:t> Define rules to ensure devices meet security and configuration standards.</a:t>
-            </a:r>
-            <a:endParaRPr b="0" lang="en-GB" sz="1100" spc="-1" strike="noStrike">
-              <a:solidFill>
-                <a:srgbClr val="000000"/>
-              </a:solidFill>
-              <a:latin typeface="Arial"/>
-            </a:endParaRPr>
-          </a:p>
-          <a:p>
-            <a:pPr>
-              <a:lnSpc>
-                <a:spcPct val="100000"/>
-              </a:lnSpc>
-            </a:pPr>
-            <a:endParaRPr b="0" lang="en-GB" sz="1100" spc="-1" strike="noStrike">
-              <a:solidFill>
-                <a:srgbClr val="000000"/>
-              </a:solidFill>
-              <a:latin typeface="Arial"/>
-            </a:endParaRPr>
-          </a:p>
-          <a:p>
-            <a:pPr lvl="4" marL="1080000" indent="-216000">
-              <a:lnSpc>
-                <a:spcPct val="100000"/>
-              </a:lnSpc>
-              <a:buClr>
-                <a:srgbClr val="000000"/>
-              </a:buClr>
-              <a:buFont typeface="OpenSymbol"/>
-              <a:buAutoNum type="arabicPeriod"/>
-            </a:pPr>
-            <a:r>
-              <a:rPr b="1" lang="en-IN" sz="1100" spc="-1" strike="noStrike">
-                <a:solidFill>
-                  <a:srgbClr val="000000"/>
-                </a:solidFill>
-                <a:highlight>
-                  <a:srgbClr val="ffffff"/>
-                </a:highlight>
-                <a:latin typeface="Arial"/>
-              </a:rPr>
-              <a:t>Configuration Policies:</a:t>
-            </a:r>
-            <a:r>
-              <a:rPr b="0" lang="en-IN" sz="1100" spc="-1" strike="noStrike">
-                <a:solidFill>
-                  <a:srgbClr val="000000"/>
-                </a:solidFill>
-                <a:highlight>
-                  <a:srgbClr val="ffffff"/>
-                </a:highlight>
-                <a:latin typeface="Arial"/>
-              </a:rPr>
-              <a:t> Specify settings for devices, such as Wi-Fi configurations, VPN settings, and more.</a:t>
-            </a:r>
-            <a:endParaRPr b="0" lang="en-GB" sz="1100" spc="-1" strike="noStrike">
-              <a:solidFill>
-                <a:srgbClr val="000000"/>
-              </a:solidFill>
-              <a:latin typeface="Arial"/>
-            </a:endParaRPr>
-          </a:p>
-          <a:p>
-            <a:pPr>
-              <a:lnSpc>
-                <a:spcPct val="100000"/>
-              </a:lnSpc>
-            </a:pPr>
-            <a:endParaRPr b="0" lang="en-GB" sz="1100" spc="-1" strike="noStrike">
-              <a:solidFill>
-                <a:srgbClr val="000000"/>
-              </a:solidFill>
-              <a:latin typeface="Arial"/>
-            </a:endParaRPr>
-          </a:p>
-          <a:p>
-            <a:pPr lvl="4" marL="1080000" indent="-216000">
-              <a:lnSpc>
-                <a:spcPct val="100000"/>
-              </a:lnSpc>
-              <a:buClr>
-                <a:srgbClr val="000000"/>
-              </a:buClr>
-              <a:buFont typeface="OpenSymbol"/>
-              <a:buAutoNum type="arabicPeriod"/>
-            </a:pPr>
-            <a:r>
-              <a:rPr b="1" lang="en-IN" sz="1100" spc="-1" strike="noStrike">
-                <a:solidFill>
-                  <a:srgbClr val="000000"/>
-                </a:solidFill>
-                <a:highlight>
-                  <a:srgbClr val="ffffff"/>
-                </a:highlight>
-                <a:latin typeface="Arial"/>
-              </a:rPr>
-              <a:t>Conditional Access Policies:</a:t>
-            </a:r>
-            <a:r>
-              <a:rPr b="0" lang="en-IN" sz="1100" spc="-1" strike="noStrike">
-                <a:solidFill>
-                  <a:srgbClr val="000000"/>
-                </a:solidFill>
-                <a:highlight>
-                  <a:srgbClr val="ffffff"/>
-                </a:highlight>
-                <a:latin typeface="Arial"/>
-              </a:rPr>
-              <a:t> Govern access to corporate resources based on specific conditions like device compliance.</a:t>
-            </a:r>
-            <a:endParaRPr b="0" lang="en-GB" sz="1100" spc="-1" strike="noStrike">
-              <a:solidFill>
-                <a:srgbClr val="000000"/>
-              </a:solidFill>
-              <a:latin typeface="Arial"/>
-            </a:endParaRPr>
-          </a:p>
-          <a:p>
-            <a:pPr>
-              <a:lnSpc>
-                <a:spcPct val="100000"/>
-              </a:lnSpc>
-            </a:pPr>
-            <a:endParaRPr b="0" lang="en-GB" sz="1100" spc="-1" strike="noStrike">
-              <a:solidFill>
-                <a:srgbClr val="000000"/>
-              </a:solidFill>
-              <a:latin typeface="Arial"/>
-            </a:endParaRPr>
-          </a:p>
-          <a:p>
-            <a:pPr lvl="2" marL="648000" indent="-216000">
-              <a:lnSpc>
-                <a:spcPct val="100000"/>
-              </a:lnSpc>
-              <a:buClr>
-                <a:srgbClr val="000000"/>
-              </a:buClr>
-              <a:buFont typeface="Symbol"/>
-              <a:buAutoNum type="arabicPeriod"/>
-            </a:pPr>
-            <a:r>
-              <a:rPr b="1" lang="en-IN" sz="1100" spc="-1" strike="noStrike" u="sng">
-                <a:solidFill>
-                  <a:srgbClr val="000000"/>
-                </a:solidFill>
-                <a:highlight>
-                  <a:srgbClr val="ffffff"/>
-                </a:highlight>
-                <a:uFillTx/>
-                <a:latin typeface="Arial"/>
-              </a:rPr>
-              <a:t>Profiles:</a:t>
-            </a:r>
-            <a:r>
-              <a:rPr b="0" lang="en-IN" sz="1100" spc="-1" strike="noStrike">
-                <a:solidFill>
-                  <a:srgbClr val="000000"/>
-                </a:solidFill>
-                <a:highlight>
-                  <a:srgbClr val="ffffff"/>
-                </a:highlight>
-                <a:latin typeface="Arial"/>
-              </a:rPr>
-              <a:t>Profiles in Intune are containers for configuration settings that are applied to devices. They encapsulate a collection of settings, making it easier to deploy and manage configurations on a large scale.</a:t>
-            </a:r>
-            <a:endParaRPr b="0" lang="en-GB" sz="1100" spc="-1" strike="noStrike">
-              <a:solidFill>
-                <a:srgbClr val="000000"/>
-              </a:solidFill>
-              <a:latin typeface="Arial"/>
-            </a:endParaRPr>
-          </a:p>
-          <a:p>
-            <a:pPr>
-              <a:lnSpc>
-                <a:spcPct val="100000"/>
-              </a:lnSpc>
-            </a:pPr>
-            <a:endParaRPr b="0" lang="en-GB" sz="1100" spc="-1" strike="noStrike">
-              <a:solidFill>
-                <a:srgbClr val="000000"/>
-              </a:solidFill>
-              <a:latin typeface="Arial"/>
-            </a:endParaRPr>
-          </a:p>
-          <a:p>
-            <a:pPr lvl="3" marL="864000" indent="-216000">
-              <a:lnSpc>
-                <a:spcPct val="100000"/>
-              </a:lnSpc>
-              <a:buClr>
-                <a:srgbClr val="000000"/>
-              </a:buClr>
-              <a:buFont typeface="Wingdings" charset="2"/>
-              <a:buChar char=""/>
-            </a:pPr>
-            <a:r>
-              <a:rPr b="1" lang="en-IN" sz="1100" spc="-1" strike="noStrike" u="sng">
-                <a:solidFill>
-                  <a:srgbClr val="000000"/>
-                </a:solidFill>
-                <a:highlight>
-                  <a:srgbClr val="ffffff"/>
-                </a:highlight>
-                <a:uFillTx/>
-                <a:latin typeface="Arial"/>
-              </a:rPr>
-              <a:t>Types of Profiles:</a:t>
-            </a:r>
-            <a:endParaRPr b="0" lang="en-GB" sz="1100" spc="-1" strike="noStrike">
-              <a:solidFill>
-                <a:srgbClr val="000000"/>
-              </a:solidFill>
-              <a:latin typeface="Arial"/>
-            </a:endParaRPr>
-          </a:p>
-          <a:p>
-            <a:pPr>
-              <a:lnSpc>
-                <a:spcPct val="100000"/>
-              </a:lnSpc>
-            </a:pPr>
-            <a:endParaRPr b="0" lang="en-GB" sz="1100" spc="-1" strike="noStrike">
-              <a:solidFill>
-                <a:srgbClr val="000000"/>
-              </a:solidFill>
-              <a:latin typeface="Arial"/>
-            </a:endParaRPr>
-          </a:p>
-          <a:p>
-            <a:pPr lvl="4" marL="1080000" indent="-216000">
-              <a:lnSpc>
-                <a:spcPct val="100000"/>
-              </a:lnSpc>
-              <a:buClr>
-                <a:srgbClr val="000000"/>
-              </a:buClr>
-              <a:buFont typeface="OpenSymbol"/>
-              <a:buAutoNum type="arabicPeriod"/>
-            </a:pPr>
-            <a:r>
-              <a:rPr b="1" lang="en-IN" sz="1100" spc="-1" strike="noStrike">
-                <a:solidFill>
-                  <a:srgbClr val="000000"/>
-                </a:solidFill>
-                <a:highlight>
-                  <a:srgbClr val="ffffff"/>
-                </a:highlight>
-                <a:latin typeface="Arial"/>
-              </a:rPr>
-              <a:t>Device Configuration Profiles:</a:t>
-            </a:r>
-            <a:r>
-              <a:rPr b="0" lang="en-IN" sz="1100" spc="-1" strike="noStrike">
-                <a:solidFill>
-                  <a:srgbClr val="000000"/>
-                </a:solidFill>
-                <a:highlight>
-                  <a:srgbClr val="ffffff"/>
-                </a:highlight>
-                <a:latin typeface="Arial"/>
-              </a:rPr>
-              <a:t> Contain settings and configurations applied to devices. Include a wide range of device settings such as Wi-Fi, VPN, security, and compliance policies.</a:t>
-            </a:r>
-            <a:endParaRPr b="0" lang="en-GB" sz="1100" spc="-1" strike="noStrike">
-              <a:solidFill>
-                <a:srgbClr val="000000"/>
-              </a:solidFill>
-              <a:latin typeface="Arial"/>
-            </a:endParaRPr>
-          </a:p>
-          <a:p>
-            <a:pPr>
-              <a:lnSpc>
-                <a:spcPct val="100000"/>
-              </a:lnSpc>
-            </a:pPr>
-            <a:endParaRPr b="0" lang="en-GB" sz="1100" spc="-1" strike="noStrike">
-              <a:solidFill>
-                <a:srgbClr val="000000"/>
-              </a:solidFill>
-              <a:latin typeface="Arial"/>
-            </a:endParaRPr>
-          </a:p>
-          <a:p>
-            <a:pPr lvl="4" marL="1080000" indent="-216000">
-              <a:lnSpc>
-                <a:spcPct val="100000"/>
-              </a:lnSpc>
-              <a:buClr>
-                <a:srgbClr val="000000"/>
-              </a:buClr>
-              <a:buFont typeface="OpenSymbol"/>
-              <a:buAutoNum type="arabicPeriod"/>
-            </a:pPr>
-            <a:r>
-              <a:rPr b="1" lang="en-IN" sz="1100" spc="-1" strike="noStrike">
-                <a:solidFill>
-                  <a:srgbClr val="000000"/>
-                </a:solidFill>
-                <a:highlight>
-                  <a:srgbClr val="ffffff"/>
-                </a:highlight>
-                <a:latin typeface="Arial"/>
-              </a:rPr>
-              <a:t>User Configuration Profiles:</a:t>
-            </a:r>
-            <a:r>
-              <a:rPr b="0" lang="en-IN" sz="1100" spc="-1" strike="noStrike">
-                <a:solidFill>
-                  <a:srgbClr val="000000"/>
-                </a:solidFill>
-                <a:highlight>
-                  <a:srgbClr val="ffffff"/>
-                </a:highlight>
-                <a:latin typeface="Arial"/>
-              </a:rPr>
-              <a:t> Contain settings and configurations applied to users. Define configurations tied to user profiles, such as application deployment, email settings, and more.</a:t>
-            </a:r>
-            <a:endParaRPr b="0" lang="en-GB" sz="1100" spc="-1" strike="noStrike">
-              <a:solidFill>
-                <a:srgbClr val="000000"/>
-              </a:solidFill>
-              <a:latin typeface="Arial"/>
-            </a:endParaRPr>
-          </a:p>
-          <a:p>
-            <a:pPr>
-              <a:lnSpc>
-                <a:spcPct val="100000"/>
-              </a:lnSpc>
-            </a:pPr>
-            <a:endParaRPr b="0" lang="en-GB" sz="1100" spc="-1" strike="noStrike">
-              <a:solidFill>
-                <a:srgbClr val="000000"/>
-              </a:solidFill>
-              <a:latin typeface="Arial"/>
-            </a:endParaRPr>
-          </a:p>
-          <a:p>
-            <a:pPr>
-              <a:lnSpc>
-                <a:spcPct val="100000"/>
-              </a:lnSpc>
-            </a:pPr>
-            <a:endParaRPr b="0" lang="en-GB" sz="1800" spc="-1" strike="noStrike">
-              <a:solidFill>
-                <a:srgbClr val="000000"/>
-              </a:solidFill>
-              <a:latin typeface="Arial"/>
-            </a:endParaRPr>
-          </a:p>
-          <a:p>
-            <a:pPr>
-              <a:lnSpc>
-                <a:spcPct val="100000"/>
-              </a:lnSpc>
-            </a:pPr>
-            <a:endParaRPr b="0" lang="en-GB" sz="1100" spc="-1" strike="noStrike">
-              <a:solidFill>
-                <a:srgbClr val="000000"/>
-              </a:solidFill>
-              <a:latin typeface="Arial"/>
-            </a:endParaRPr>
-          </a:p>
-          <a:p>
-            <a:pPr>
-              <a:lnSpc>
-                <a:spcPct val="100000"/>
-              </a:lnSpc>
-            </a:pPr>
-            <a:endParaRPr b="0" lang="en-GB" sz="1100" spc="-1" strike="noStrike">
-              <a:solidFill>
-                <a:srgbClr val="000000"/>
-              </a:solidFill>
-              <a:latin typeface="Arial"/>
-            </a:endParaRPr>
-          </a:p>
-          <a:p>
-            <a:pPr>
-              <a:lnSpc>
-                <a:spcPct val="100000"/>
-              </a:lnSpc>
-            </a:pPr>
-            <a:endParaRPr b="0" lang="en-GB" sz="1100" spc="-1" strike="noStrike">
+              <a:rPr b="0" lang="en-IN" sz="1050" spc="-1" strike="noStrike">
+                <a:solidFill>
+                  <a:srgbClr val="000000"/>
+                </a:solidFill>
+                <a:highlight>
+                  <a:srgbClr val="ffffff"/>
+                </a:highlight>
+                <a:latin typeface="Arial"/>
+              </a:rPr>
+              <a:t>In summary, Windows Autopilot simplifies and automates the deployment of Windows 10 devices, providing a user-friendly experience for end-users while allowing IT administrators to maintain control over configuration and security settings. It is particularly valuable for organizations looking to streamline device provisioning, reduce IT overhead, and embrace modern, cloud-driven approaches to device management.</a:t>
+            </a:r>
+            <a:endParaRPr b="0" lang="en-GB" sz="1050" spc="-1" strike="noStrike">
               <a:solidFill>
                 <a:srgbClr val="000000"/>
               </a:solidFill>
@@ -6799,8 +7281,8 @@
         </p:nvSpPr>
         <p:spPr>
           <a:xfrm>
-            <a:off x="430920" y="180000"/>
-            <a:ext cx="8748720" cy="5219640"/>
+            <a:off x="540000" y="685080"/>
+            <a:ext cx="8459280" cy="4534200"/>
           </a:xfrm>
           <a:prstGeom prst="rect">
             <a:avLst/>
@@ -6829,17 +7311,17 @@
               <a:buAutoNum type="arabicPeriod" startAt="3"/>
             </a:pPr>
             <a:r>
-              <a:rPr b="1" lang="en-IN" sz="1000" spc="-1" strike="noStrike" u="sng">
+              <a:rPr b="1" lang="en-IN" sz="1100" spc="-1" strike="noStrike" u="sng">
                 <a:solidFill>
                   <a:srgbClr val="000000"/>
                 </a:solidFill>
                 <a:uFillTx/>
                 <a:latin typeface="Arial"/>
               </a:rPr>
-              <a:t>Application Deployment</a:t>
-            </a:r>
-            <a:r>
-              <a:rPr b="1" lang="en-IN" sz="1000" spc="-1" strike="noStrike" u="sng">
+              <a:t>Policies and Profiles</a:t>
+            </a:r>
+            <a:r>
+              <a:rPr b="1" lang="en-IN" sz="1100" spc="-1" strike="noStrike" u="sng">
                 <a:solidFill>
                   <a:srgbClr val="000000"/>
                 </a:solidFill>
@@ -6851,21 +7333,118 @@
               </a:rPr>
               <a:t>:</a:t>
             </a:r>
-            <a:endParaRPr b="0" lang="en-GB" sz="1000" spc="-1" strike="noStrike">
-              <a:solidFill>
-                <a:srgbClr val="000000"/>
-              </a:solidFill>
-              <a:latin typeface="Arial"/>
-            </a:endParaRPr>
-          </a:p>
-          <a:p>
-            <a:pPr lvl="1" marL="432000" indent="-216000">
-              <a:lnSpc>
-                <a:spcPct val="100000"/>
-              </a:lnSpc>
-              <a:spcAft>
-                <a:spcPts val="1054"/>
-              </a:spcAft>
+            <a:endParaRPr b="0" lang="en-GB" sz="1100" spc="-1" strike="noStrike">
+              <a:solidFill>
+                <a:srgbClr val="000000"/>
+              </a:solidFill>
+              <a:latin typeface="Arial"/>
+            </a:endParaRPr>
+          </a:p>
+          <a:p>
+            <a:pPr lvl="2" marL="648000" indent="-216000">
+              <a:lnSpc>
+                <a:spcPct val="100000"/>
+              </a:lnSpc>
+              <a:buClr>
+                <a:srgbClr val="000000"/>
+              </a:buClr>
+              <a:buFont typeface="Symbol"/>
+              <a:buAutoNum type="arabicPeriod"/>
+            </a:pPr>
+            <a:r>
+              <a:rPr b="1" lang="en-IN" sz="1100" spc="-1" strike="noStrike" u="sng">
+                <a:solidFill>
+                  <a:srgbClr val="000000"/>
+                </a:solidFill>
+                <a:highlight>
+                  <a:srgbClr val="ffffff"/>
+                </a:highlight>
+                <a:uFillTx/>
+                <a:latin typeface="Arial"/>
+              </a:rPr>
+              <a:t>Policies:</a:t>
+            </a:r>
+            <a:r>
+              <a:rPr b="0" lang="en-IN" sz="1100" spc="-1" strike="noStrike">
+                <a:solidFill>
+                  <a:srgbClr val="000000"/>
+                </a:solidFill>
+                <a:highlight>
+                  <a:srgbClr val="ffffff"/>
+                </a:highlight>
+                <a:latin typeface="Arial"/>
+              </a:rPr>
+              <a:t>Policies in Intune are sets of rules and configurations that dictate the behaviour and settings on enrolled devices. These rules are applied to ensure compliance with organizational security standards.</a:t>
+            </a:r>
+            <a:endParaRPr b="0" lang="en-GB" sz="1100" spc="-1" strike="noStrike">
+              <a:solidFill>
+                <a:srgbClr val="000000"/>
+              </a:solidFill>
+              <a:latin typeface="Arial"/>
+            </a:endParaRPr>
+          </a:p>
+          <a:p>
+            <a:pPr>
+              <a:lnSpc>
+                <a:spcPct val="100000"/>
+              </a:lnSpc>
+            </a:pPr>
+            <a:endParaRPr b="0" lang="en-GB" sz="1100" spc="-1" strike="noStrike">
+              <a:solidFill>
+                <a:srgbClr val="000000"/>
+              </a:solidFill>
+              <a:latin typeface="Arial"/>
+            </a:endParaRPr>
+          </a:p>
+          <a:p>
+            <a:pPr lvl="3" marL="864000" indent="-216000">
+              <a:lnSpc>
+                <a:spcPct val="100000"/>
+              </a:lnSpc>
+              <a:buClr>
+                <a:srgbClr val="000000"/>
+              </a:buClr>
+              <a:buFont typeface="Wingdings" charset="2"/>
+              <a:buChar char=""/>
+            </a:pPr>
+            <a:r>
+              <a:rPr b="1" lang="en-IN" sz="1100" spc="-1" strike="noStrike" u="sng">
+                <a:solidFill>
+                  <a:srgbClr val="000000"/>
+                </a:solidFill>
+                <a:highlight>
+                  <a:srgbClr val="ffffff"/>
+                </a:highlight>
+                <a:uFillTx/>
+                <a:latin typeface="Arial"/>
+              </a:rPr>
+              <a:t>Types of Policies:</a:t>
+            </a:r>
+            <a:endParaRPr b="0" lang="en-GB" sz="1100" spc="-1" strike="noStrike">
+              <a:solidFill>
+                <a:srgbClr val="000000"/>
+              </a:solidFill>
+              <a:latin typeface="Arial"/>
+            </a:endParaRPr>
+          </a:p>
+          <a:p>
+            <a:pPr>
+              <a:lnSpc>
+                <a:spcPct val="100000"/>
+              </a:lnSpc>
+            </a:pPr>
+            <a:endParaRPr b="0" lang="en-GB" sz="1100" spc="-1" strike="noStrike">
+              <a:solidFill>
+                <a:srgbClr val="000000"/>
+              </a:solidFill>
+              <a:latin typeface="Arial"/>
+            </a:endParaRPr>
+          </a:p>
+          <a:p>
+            <a:pPr lvl="4" marL="1080000" indent="-216000">
+              <a:lnSpc>
+                <a:spcPct val="100000"/>
+              </a:lnSpc>
               <a:buClr>
                 <a:srgbClr val="000000"/>
               </a:buClr>
@@ -6873,33 +7452,54 @@
               <a:buAutoNum type="arabicPeriod"/>
             </a:pPr>
             <a:r>
-              <a:rPr b="1" lang="en-IN" sz="1000" spc="-1" strike="noStrike" u="sng">
-                <a:solidFill>
-                  <a:srgbClr val="000000"/>
-                </a:solidFill>
-                <a:highlight>
-                  <a:srgbClr val="ffffff"/>
-                </a:highlight>
-                <a:uFillTx/>
-                <a:latin typeface="Arial"/>
-              </a:rPr>
-              <a:t>Application Types:</a:t>
-            </a:r>
-            <a:endParaRPr b="0" lang="en-GB" sz="1000" spc="-1" strike="noStrike">
-              <a:solidFill>
-                <a:srgbClr val="000000"/>
-              </a:solidFill>
-              <a:latin typeface="Arial"/>
-            </a:endParaRPr>
-          </a:p>
-          <a:p>
-            <a:pPr lvl="2" marL="648000" indent="-216000">
-              <a:lnSpc>
-                <a:spcPct val="100000"/>
-              </a:lnSpc>
-              <a:spcAft>
-                <a:spcPts val="1054"/>
-              </a:spcAft>
+              <a:rPr b="1" lang="en-IN" sz="1100" spc="-1" strike="noStrike">
+                <a:solidFill>
+                  <a:srgbClr val="000000"/>
+                </a:solidFill>
+                <a:highlight>
+                  <a:srgbClr val="ffffff"/>
+                </a:highlight>
+                <a:latin typeface="Arial"/>
+              </a:rPr>
+              <a:t>Compliance Policies:</a:t>
+            </a:r>
+            <a:r>
+              <a:rPr b="0" lang="en-IN" sz="1100" spc="-1" strike="noStrike">
+                <a:solidFill>
+                  <a:srgbClr val="000000"/>
+                </a:solidFill>
+                <a:highlight>
+                  <a:srgbClr val="ffffff"/>
+                </a:highlight>
+                <a:latin typeface="Arial"/>
+              </a:rPr>
+              <a:t> Define rules to ensure devices meet security and configuration standards.</a:t>
+            </a:r>
+            <a:endParaRPr b="0" lang="en-GB" sz="1100" spc="-1" strike="noStrike">
+              <a:solidFill>
+                <a:srgbClr val="000000"/>
+              </a:solidFill>
+              <a:latin typeface="Arial"/>
+            </a:endParaRPr>
+          </a:p>
+          <a:p>
+            <a:pPr>
+              <a:lnSpc>
+                <a:spcPct val="100000"/>
+              </a:lnSpc>
+            </a:pPr>
+            <a:endParaRPr b="0" lang="en-GB" sz="1100" spc="-1" strike="noStrike">
+              <a:solidFill>
+                <a:srgbClr val="000000"/>
+              </a:solidFill>
+              <a:latin typeface="Arial"/>
+            </a:endParaRPr>
+          </a:p>
+          <a:p>
+            <a:pPr lvl="4" marL="1080000" indent="-216000">
+              <a:lnSpc>
+                <a:spcPct val="100000"/>
+              </a:lnSpc>
               <a:buClr>
                 <a:srgbClr val="000000"/>
               </a:buClr>
@@ -6907,44 +7507,54 @@
               <a:buAutoNum type="arabicPeriod"/>
             </a:pPr>
             <a:r>
-              <a:rPr b="1" lang="en-IN" sz="1000" spc="-1" strike="noStrike">
-                <a:solidFill>
-                  <a:srgbClr val="000000"/>
-                </a:solidFill>
-                <a:highlight>
-                  <a:srgbClr val="ffffff"/>
-                </a:highlight>
-                <a:latin typeface="Arial"/>
-              </a:rPr>
-              <a:t>Microsoft Store Apps:</a:t>
-            </a:r>
-            <a:r>
-              <a:rPr b="0" lang="en-IN" sz="1000" spc="-1" strike="noStrike">
-                <a:solidFill>
-                  <a:srgbClr val="000000"/>
-                </a:solidFill>
-                <a:highlight>
-                  <a:srgbClr val="ffffff"/>
-                </a:highlight>
-                <a:latin typeface="Arial"/>
-              </a:rPr>
-              <a:t> Apps available in the Microsoft Store.</a:t>
-            </a:r>
-            <a:endParaRPr b="0" lang="en-GB" sz="1000" spc="-1" strike="noStrike">
-              <a:solidFill>
-                <a:srgbClr val="000000"/>
-              </a:solidFill>
-              <a:latin typeface="Arial"/>
-            </a:endParaRPr>
-          </a:p>
-          <a:p>
-            <a:pPr lvl="2" marL="648000" indent="-216000">
-              <a:lnSpc>
-                <a:spcPct val="100000"/>
-              </a:lnSpc>
-              <a:spcAft>
-                <a:spcPts val="1054"/>
-              </a:spcAft>
+              <a:rPr b="1" lang="en-IN" sz="1100" spc="-1" strike="noStrike">
+                <a:solidFill>
+                  <a:srgbClr val="000000"/>
+                </a:solidFill>
+                <a:highlight>
+                  <a:srgbClr val="ffffff"/>
+                </a:highlight>
+                <a:latin typeface="Arial"/>
+              </a:rPr>
+              <a:t>Configuration Policies:</a:t>
+            </a:r>
+            <a:r>
+              <a:rPr b="0" lang="en-IN" sz="1100" spc="-1" strike="noStrike">
+                <a:solidFill>
+                  <a:srgbClr val="000000"/>
+                </a:solidFill>
+                <a:highlight>
+                  <a:srgbClr val="ffffff"/>
+                </a:highlight>
+                <a:latin typeface="Arial"/>
+              </a:rPr>
+              <a:t> Specify settings for devices, such as Wi-Fi configurations, VPN settings, and more.</a:t>
+            </a:r>
+            <a:endParaRPr b="0" lang="en-GB" sz="1100" spc="-1" strike="noStrike">
+              <a:solidFill>
+                <a:srgbClr val="000000"/>
+              </a:solidFill>
+              <a:latin typeface="Arial"/>
+            </a:endParaRPr>
+          </a:p>
+          <a:p>
+            <a:pPr>
+              <a:lnSpc>
+                <a:spcPct val="100000"/>
+              </a:lnSpc>
+            </a:pPr>
+            <a:endParaRPr b="0" lang="en-GB" sz="1100" spc="-1" strike="noStrike">
+              <a:solidFill>
+                <a:srgbClr val="000000"/>
+              </a:solidFill>
+              <a:latin typeface="Arial"/>
+            </a:endParaRPr>
+          </a:p>
+          <a:p>
+            <a:pPr lvl="4" marL="1080000" indent="-216000">
+              <a:lnSpc>
+                <a:spcPct val="100000"/>
+              </a:lnSpc>
               <a:buClr>
                 <a:srgbClr val="000000"/>
               </a:buClr>
@@ -6952,44 +7562,154 @@
               <a:buAutoNum type="arabicPeriod"/>
             </a:pPr>
             <a:r>
-              <a:rPr b="1" lang="en-IN" sz="1000" spc="-1" strike="noStrike">
-                <a:solidFill>
-                  <a:srgbClr val="000000"/>
-                </a:solidFill>
-                <a:highlight>
-                  <a:srgbClr val="ffffff"/>
-                </a:highlight>
-                <a:latin typeface="Arial"/>
-              </a:rPr>
-              <a:t>Line-of-Business (LOB) Apps: </a:t>
-            </a:r>
-            <a:r>
-              <a:rPr b="0" lang="en-IN" sz="1000" spc="-1" strike="noStrike">
-                <a:solidFill>
-                  <a:srgbClr val="000000"/>
-                </a:solidFill>
-                <a:highlight>
-                  <a:srgbClr val="ffffff"/>
-                </a:highlight>
-                <a:latin typeface="Arial"/>
-              </a:rPr>
-              <a:t>Custom-developed or third-party applications.</a:t>
-            </a:r>
-            <a:endParaRPr b="0" lang="en-GB" sz="1000" spc="-1" strike="noStrike">
-              <a:solidFill>
-                <a:srgbClr val="000000"/>
-              </a:solidFill>
-              <a:latin typeface="Arial"/>
-            </a:endParaRPr>
-          </a:p>
-          <a:p>
-            <a:pPr lvl="1" marL="432000" indent="-216000">
-              <a:lnSpc>
-                <a:spcPct val="100000"/>
-              </a:lnSpc>
-              <a:spcAft>
-                <a:spcPts val="1054"/>
-              </a:spcAft>
+              <a:rPr b="1" lang="en-IN" sz="1100" spc="-1" strike="noStrike">
+                <a:solidFill>
+                  <a:srgbClr val="000000"/>
+                </a:solidFill>
+                <a:highlight>
+                  <a:srgbClr val="ffffff"/>
+                </a:highlight>
+                <a:latin typeface="Arial"/>
+              </a:rPr>
+              <a:t>Conditional Access Policies:</a:t>
+            </a:r>
+            <a:r>
+              <a:rPr b="0" lang="en-IN" sz="1100" spc="-1" strike="noStrike">
+                <a:solidFill>
+                  <a:srgbClr val="000000"/>
+                </a:solidFill>
+                <a:highlight>
+                  <a:srgbClr val="ffffff"/>
+                </a:highlight>
+                <a:latin typeface="Arial"/>
+              </a:rPr>
+              <a:t> Govern access to corporate resources based on specific conditions like device compliance.</a:t>
+            </a:r>
+            <a:endParaRPr b="0" lang="en-GB" sz="1100" spc="-1" strike="noStrike">
+              <a:solidFill>
+                <a:srgbClr val="000000"/>
+              </a:solidFill>
+              <a:latin typeface="Arial"/>
+            </a:endParaRPr>
+          </a:p>
+          <a:p>
+            <a:pPr>
+              <a:lnSpc>
+                <a:spcPct val="100000"/>
+              </a:lnSpc>
+            </a:pPr>
+            <a:endParaRPr b="0" lang="en-GB" sz="1100" spc="-1" strike="noStrike">
+              <a:solidFill>
+                <a:srgbClr val="000000"/>
+              </a:solidFill>
+              <a:latin typeface="Arial"/>
+            </a:endParaRPr>
+          </a:p>
+          <a:p>
+            <a:pPr lvl="2" marL="648000" indent="-216000">
+              <a:lnSpc>
+                <a:spcPct val="100000"/>
+              </a:lnSpc>
+              <a:buClr>
+                <a:srgbClr val="000000"/>
+              </a:buClr>
+              <a:buFont typeface="Symbol"/>
+              <a:buAutoNum type="arabicPeriod"/>
+            </a:pPr>
+            <a:r>
+              <a:rPr b="1" lang="en-IN" sz="1100" spc="-1" strike="noStrike" u="sng">
+                <a:solidFill>
+                  <a:srgbClr val="000000"/>
+                </a:solidFill>
+                <a:highlight>
+                  <a:srgbClr val="ffffff"/>
+                </a:highlight>
+                <a:uFillTx/>
+                <a:latin typeface="Arial"/>
+              </a:rPr>
+              <a:t>Profiles:</a:t>
+            </a:r>
+            <a:r>
+              <a:rPr b="0" lang="en-IN" sz="1100" spc="-1" strike="noStrike">
+                <a:solidFill>
+                  <a:srgbClr val="000000"/>
+                </a:solidFill>
+                <a:highlight>
+                  <a:srgbClr val="ffffff"/>
+                </a:highlight>
+                <a:latin typeface="Arial"/>
+              </a:rPr>
+              <a:t>Profiles in Intune are containers for configuration settings that are applied to devices. They encapsulate a collection of settings, making it easier to deploy and manage configurations on a large scale.</a:t>
+            </a:r>
+            <a:endParaRPr b="0" lang="en-GB" sz="1100" spc="-1" strike="noStrike">
+              <a:solidFill>
+                <a:srgbClr val="000000"/>
+              </a:solidFill>
+              <a:latin typeface="Arial"/>
+            </a:endParaRPr>
+          </a:p>
+          <a:p>
+            <a:pPr>
+              <a:lnSpc>
+                <a:spcPct val="100000"/>
+              </a:lnSpc>
+            </a:pPr>
+            <a:endParaRPr b="0" lang="en-GB" sz="1100" spc="-1" strike="noStrike">
+              <a:solidFill>
+                <a:srgbClr val="000000"/>
+              </a:solidFill>
+              <a:latin typeface="Arial"/>
+            </a:endParaRPr>
+          </a:p>
+          <a:p>
+            <a:pPr lvl="3" marL="864000" indent="-216000">
+              <a:lnSpc>
+                <a:spcPct val="100000"/>
+              </a:lnSpc>
+              <a:buClr>
+                <a:srgbClr val="000000"/>
+              </a:buClr>
+              <a:buFont typeface="Wingdings" charset="2"/>
+              <a:buChar char=""/>
+            </a:pPr>
+            <a:r>
+              <a:rPr b="1" lang="en-IN" sz="1100" spc="-1" strike="noStrike" u="sng">
+                <a:solidFill>
+                  <a:srgbClr val="000000"/>
+                </a:solidFill>
+                <a:highlight>
+                  <a:srgbClr val="ffffff"/>
+                </a:highlight>
+                <a:uFillTx/>
+                <a:latin typeface="Arial"/>
+              </a:rPr>
+              <a:t>Types of Profiles:</a:t>
+            </a:r>
+            <a:endParaRPr b="0" lang="en-GB" sz="1100" spc="-1" strike="noStrike">
+              <a:solidFill>
+                <a:srgbClr val="000000"/>
+              </a:solidFill>
+              <a:latin typeface="Arial"/>
+            </a:endParaRPr>
+          </a:p>
+          <a:p>
+            <a:pPr>
+              <a:lnSpc>
+                <a:spcPct val="100000"/>
+              </a:lnSpc>
+            </a:pPr>
+            <a:endParaRPr b="0" lang="en-GB" sz="1100" spc="-1" strike="noStrike">
+              <a:solidFill>
+                <a:srgbClr val="000000"/>
+              </a:solidFill>
+              <a:latin typeface="Arial"/>
+            </a:endParaRPr>
+          </a:p>
+          <a:p>
+            <a:pPr lvl="4" marL="1080000" indent="-216000">
+              <a:lnSpc>
+                <a:spcPct val="100000"/>
+              </a:lnSpc>
               <a:buClr>
                 <a:srgbClr val="000000"/>
               </a:buClr>
@@ -6997,33 +7717,54 @@
               <a:buAutoNum type="arabicPeriod"/>
             </a:pPr>
             <a:r>
-              <a:rPr b="1" lang="en-IN" sz="1000" spc="-1" strike="noStrike" u="sng">
-                <a:solidFill>
-                  <a:srgbClr val="000000"/>
-                </a:solidFill>
-                <a:highlight>
-                  <a:srgbClr val="ffffff"/>
-                </a:highlight>
-                <a:uFillTx/>
-                <a:latin typeface="Arial"/>
-              </a:rPr>
-              <a:t>Deployment Methods:</a:t>
-            </a:r>
-            <a:endParaRPr b="0" lang="en-GB" sz="1000" spc="-1" strike="noStrike">
-              <a:solidFill>
-                <a:srgbClr val="000000"/>
-              </a:solidFill>
-              <a:latin typeface="Arial"/>
-            </a:endParaRPr>
-          </a:p>
-          <a:p>
-            <a:pPr lvl="2" marL="648000" indent="-216000">
-              <a:lnSpc>
-                <a:spcPct val="100000"/>
-              </a:lnSpc>
-              <a:spcAft>
-                <a:spcPts val="1054"/>
-              </a:spcAft>
+              <a:rPr b="1" lang="en-IN" sz="1100" spc="-1" strike="noStrike">
+                <a:solidFill>
+                  <a:srgbClr val="000000"/>
+                </a:solidFill>
+                <a:highlight>
+                  <a:srgbClr val="ffffff"/>
+                </a:highlight>
+                <a:latin typeface="Arial"/>
+              </a:rPr>
+              <a:t>Device Configuration Profiles:</a:t>
+            </a:r>
+            <a:r>
+              <a:rPr b="0" lang="en-IN" sz="1100" spc="-1" strike="noStrike">
+                <a:solidFill>
+                  <a:srgbClr val="000000"/>
+                </a:solidFill>
+                <a:highlight>
+                  <a:srgbClr val="ffffff"/>
+                </a:highlight>
+                <a:latin typeface="Arial"/>
+              </a:rPr>
+              <a:t> Contain settings and configurations applied to devices. Include a wide range of device settings such as Wi-Fi, VPN, security, and compliance policies.</a:t>
+            </a:r>
+            <a:endParaRPr b="0" lang="en-GB" sz="1100" spc="-1" strike="noStrike">
+              <a:solidFill>
+                <a:srgbClr val="000000"/>
+              </a:solidFill>
+              <a:latin typeface="Arial"/>
+            </a:endParaRPr>
+          </a:p>
+          <a:p>
+            <a:pPr>
+              <a:lnSpc>
+                <a:spcPct val="100000"/>
+              </a:lnSpc>
+            </a:pPr>
+            <a:endParaRPr b="0" lang="en-GB" sz="1100" spc="-1" strike="noStrike">
+              <a:solidFill>
+                <a:srgbClr val="000000"/>
+              </a:solidFill>
+              <a:latin typeface="Arial"/>
+            </a:endParaRPr>
+          </a:p>
+          <a:p>
+            <a:pPr lvl="4" marL="1080000" indent="-216000">
+              <a:lnSpc>
+                <a:spcPct val="100000"/>
+              </a:lnSpc>
               <a:buClr>
                 <a:srgbClr val="000000"/>
               </a:buClr>
@@ -7031,571 +7772,95 @@
               <a:buAutoNum type="arabicPeriod"/>
             </a:pPr>
             <a:r>
-              <a:rPr b="1" lang="en-IN" sz="1000" spc="-1" strike="noStrike">
-                <a:solidFill>
-                  <a:srgbClr val="000000"/>
-                </a:solidFill>
-                <a:highlight>
-                  <a:srgbClr val="ffffff"/>
-                </a:highlight>
-                <a:latin typeface="Arial"/>
-              </a:rPr>
-              <a:t>User-Based Deployment:</a:t>
-            </a:r>
-            <a:r>
-              <a:rPr b="0" lang="en-IN" sz="1000" spc="-1" strike="noStrike">
-                <a:solidFill>
-                  <a:srgbClr val="000000"/>
-                </a:solidFill>
-                <a:highlight>
-                  <a:srgbClr val="ffffff"/>
-                </a:highlight>
-                <a:latin typeface="Arial"/>
-              </a:rPr>
-              <a:t> Apps are deployed to users and associated with their user accounts.</a:t>
-            </a:r>
-            <a:endParaRPr b="0" lang="en-GB" sz="1000" spc="-1" strike="noStrike">
-              <a:solidFill>
-                <a:srgbClr val="000000"/>
-              </a:solidFill>
-              <a:latin typeface="Arial"/>
-            </a:endParaRPr>
-          </a:p>
-          <a:p>
-            <a:pPr lvl="2" marL="648000" indent="-216000">
-              <a:lnSpc>
-                <a:spcPct val="100000"/>
-              </a:lnSpc>
-              <a:spcAft>
-                <a:spcPts val="1054"/>
-              </a:spcAft>
-              <a:buClr>
-                <a:srgbClr val="000000"/>
-              </a:buClr>
-              <a:buFont typeface="OpenSymbol"/>
-              <a:buAutoNum type="arabicPeriod"/>
-            </a:pPr>
-            <a:r>
-              <a:rPr b="1" lang="en-IN" sz="1000" spc="-1" strike="noStrike">
-                <a:solidFill>
-                  <a:srgbClr val="000000"/>
-                </a:solidFill>
-                <a:highlight>
-                  <a:srgbClr val="ffffff"/>
-                </a:highlight>
-                <a:latin typeface="Arial"/>
-              </a:rPr>
-              <a:t>Device-Based Deployment:</a:t>
-            </a:r>
-            <a:r>
-              <a:rPr b="0" lang="en-IN" sz="1000" spc="-1" strike="noStrike">
-                <a:solidFill>
-                  <a:srgbClr val="000000"/>
-                </a:solidFill>
-                <a:highlight>
-                  <a:srgbClr val="ffffff"/>
-                </a:highlight>
-                <a:latin typeface="Arial"/>
-              </a:rPr>
-              <a:t> Apps are deployed to devices, ensuring they are available for all users on the device.</a:t>
-            </a:r>
-            <a:endParaRPr b="0" lang="en-GB" sz="1000" spc="-1" strike="noStrike">
-              <a:solidFill>
-                <a:srgbClr val="000000"/>
-              </a:solidFill>
-              <a:latin typeface="Arial"/>
-            </a:endParaRPr>
-          </a:p>
-          <a:p>
-            <a:pPr lvl="1" marL="432000" indent="-216000">
-              <a:lnSpc>
-                <a:spcPct val="100000"/>
-              </a:lnSpc>
-              <a:spcAft>
-                <a:spcPts val="1054"/>
-              </a:spcAft>
-              <a:buClr>
-                <a:srgbClr val="000000"/>
-              </a:buClr>
-              <a:buFont typeface="OpenSymbol"/>
-              <a:buAutoNum type="arabicPeriod"/>
-            </a:pPr>
-            <a:r>
-              <a:rPr b="1" lang="en-IN" sz="1000" spc="-1" strike="noStrike" u="sng">
-                <a:solidFill>
-                  <a:srgbClr val="000000"/>
-                </a:solidFill>
-                <a:highlight>
-                  <a:srgbClr val="ffffff"/>
-                </a:highlight>
-                <a:uFillTx/>
-                <a:latin typeface="Arial"/>
-              </a:rPr>
-              <a:t>Deployment Scenarios:</a:t>
-            </a:r>
-            <a:endParaRPr b="0" lang="en-GB" sz="1000" spc="-1" strike="noStrike">
-              <a:solidFill>
-                <a:srgbClr val="000000"/>
-              </a:solidFill>
-              <a:latin typeface="Arial"/>
-            </a:endParaRPr>
-          </a:p>
-          <a:p>
-            <a:pPr lvl="2" marL="648000" indent="-216000">
-              <a:lnSpc>
-                <a:spcPct val="100000"/>
-              </a:lnSpc>
-              <a:spcAft>
-                <a:spcPts val="1054"/>
-              </a:spcAft>
-              <a:buClr>
-                <a:srgbClr val="000000"/>
-              </a:buClr>
-              <a:buFont typeface="OpenSymbol"/>
-              <a:buAutoNum type="arabicPeriod"/>
-            </a:pPr>
-            <a:r>
-              <a:rPr b="1" lang="en-IN" sz="1000" spc="-1" strike="noStrike">
-                <a:solidFill>
-                  <a:srgbClr val="000000"/>
-                </a:solidFill>
-                <a:highlight>
-                  <a:srgbClr val="ffffff"/>
-                </a:highlight>
-                <a:latin typeface="Arial"/>
-              </a:rPr>
-              <a:t>Automatic Deployment:</a:t>
-            </a:r>
-            <a:r>
-              <a:rPr b="0" lang="en-IN" sz="1000" spc="-1" strike="noStrike">
-                <a:solidFill>
-                  <a:srgbClr val="000000"/>
-                </a:solidFill>
-                <a:highlight>
-                  <a:srgbClr val="ffffff"/>
-                </a:highlight>
-                <a:latin typeface="Arial"/>
-              </a:rPr>
-              <a:t> Apps can be automatically deployed upon device enrolment or user sign-in.</a:t>
-            </a:r>
-            <a:endParaRPr b="0" lang="en-GB" sz="1000" spc="-1" strike="noStrike">
-              <a:solidFill>
-                <a:srgbClr val="000000"/>
-              </a:solidFill>
-              <a:latin typeface="Arial"/>
-            </a:endParaRPr>
-          </a:p>
-          <a:p>
-            <a:pPr lvl="2" marL="648000" indent="-216000">
-              <a:lnSpc>
-                <a:spcPct val="100000"/>
-              </a:lnSpc>
-              <a:spcAft>
-                <a:spcPts val="1054"/>
-              </a:spcAft>
-              <a:buClr>
-                <a:srgbClr val="000000"/>
-              </a:buClr>
-              <a:buFont typeface="OpenSymbol"/>
-              <a:buAutoNum type="arabicPeriod"/>
-            </a:pPr>
-            <a:r>
-              <a:rPr b="1" lang="en-IN" sz="1000" spc="-1" strike="noStrike">
-                <a:solidFill>
-                  <a:srgbClr val="000000"/>
-                </a:solidFill>
-                <a:highlight>
-                  <a:srgbClr val="ffffff"/>
-                </a:highlight>
-                <a:latin typeface="Arial"/>
-              </a:rPr>
-              <a:t>Required Deployment: </a:t>
-            </a:r>
-            <a:r>
-              <a:rPr b="0" lang="en-IN" sz="1000" spc="-1" strike="noStrike">
-                <a:solidFill>
-                  <a:srgbClr val="000000"/>
-                </a:solidFill>
-                <a:highlight>
-                  <a:srgbClr val="ffffff"/>
-                </a:highlight>
-                <a:latin typeface="Arial"/>
-              </a:rPr>
-              <a:t>Mandatory installation of apps based on organizational policies.</a:t>
-            </a:r>
-            <a:endParaRPr b="0" lang="en-GB" sz="1000" spc="-1" strike="noStrike">
-              <a:solidFill>
-                <a:srgbClr val="000000"/>
-              </a:solidFill>
-              <a:latin typeface="Arial"/>
-            </a:endParaRPr>
-          </a:p>
-          <a:p>
-            <a:pPr lvl="1" marL="432000" indent="-216000">
-              <a:lnSpc>
-                <a:spcPct val="100000"/>
-              </a:lnSpc>
-              <a:spcAft>
-                <a:spcPts val="1054"/>
-              </a:spcAft>
-              <a:buClr>
-                <a:srgbClr val="000000"/>
-              </a:buClr>
-              <a:buFont typeface="OpenSymbol"/>
-              <a:buAutoNum type="arabicPeriod"/>
-            </a:pPr>
-            <a:r>
-              <a:rPr b="1" lang="en-IN" sz="1000" spc="-1" strike="noStrike" u="sng">
-                <a:solidFill>
-                  <a:srgbClr val="000000"/>
-                </a:solidFill>
-                <a:highlight>
-                  <a:srgbClr val="ffffff"/>
-                </a:highlight>
-                <a:uFillTx/>
-                <a:latin typeface="Arial"/>
-              </a:rPr>
-              <a:t>Integration with Microsoft Store for Business:</a:t>
-            </a:r>
-            <a:endParaRPr b="0" lang="en-GB" sz="1000" spc="-1" strike="noStrike">
-              <a:solidFill>
-                <a:srgbClr val="000000"/>
-              </a:solidFill>
-              <a:latin typeface="Arial"/>
-            </a:endParaRPr>
-          </a:p>
-          <a:p>
-            <a:pPr lvl="2" marL="648000" indent="-216000">
-              <a:lnSpc>
-                <a:spcPct val="100000"/>
-              </a:lnSpc>
-              <a:spcAft>
-                <a:spcPts val="1054"/>
-              </a:spcAft>
-              <a:buClr>
-                <a:srgbClr val="000000"/>
-              </a:buClr>
-              <a:buFont typeface="OpenSymbol"/>
-              <a:buAutoNum type="arabicPeriod"/>
-            </a:pPr>
-            <a:r>
-              <a:rPr b="1" lang="en-IN" sz="1000" spc="-1" strike="noStrike">
-                <a:solidFill>
-                  <a:srgbClr val="000000"/>
-                </a:solidFill>
-                <a:highlight>
-                  <a:srgbClr val="ffffff"/>
-                </a:highlight>
-                <a:latin typeface="Arial"/>
-              </a:rPr>
-              <a:t>Centralized App Management:</a:t>
-            </a:r>
-            <a:r>
-              <a:rPr b="0" lang="en-IN" sz="1000" spc="-1" strike="noStrike">
-                <a:solidFill>
-                  <a:srgbClr val="000000"/>
-                </a:solidFill>
-                <a:highlight>
-                  <a:srgbClr val="ffffff"/>
-                </a:highlight>
-                <a:latin typeface="Arial"/>
-              </a:rPr>
-              <a:t> Utilize Microsoft Store for Business to centralize app acquisition and management.</a:t>
-            </a:r>
-            <a:endParaRPr b="0" lang="en-GB" sz="1000" spc="-1" strike="noStrike">
-              <a:solidFill>
-                <a:srgbClr val="000000"/>
-              </a:solidFill>
-              <a:latin typeface="Arial"/>
-            </a:endParaRPr>
-          </a:p>
-          <a:p>
-            <a:pPr lvl="1" marL="432000" indent="-216000">
-              <a:lnSpc>
-                <a:spcPct val="100000"/>
-              </a:lnSpc>
-              <a:spcAft>
-                <a:spcPts val="1054"/>
-              </a:spcAft>
-              <a:buClr>
-                <a:srgbClr val="000000"/>
-              </a:buClr>
-              <a:buFont typeface="OpenSymbol"/>
-              <a:buAutoNum type="arabicPeriod"/>
-            </a:pPr>
-            <a:r>
-              <a:rPr b="1" lang="en-IN" sz="1000" spc="-1" strike="noStrike" u="sng">
-                <a:solidFill>
-                  <a:srgbClr val="000000"/>
-                </a:solidFill>
-                <a:highlight>
-                  <a:srgbClr val="ffffff"/>
-                </a:highlight>
-                <a:uFillTx/>
-                <a:latin typeface="Arial"/>
-              </a:rPr>
-              <a:t>Supported Platforms:</a:t>
-            </a:r>
-            <a:endParaRPr b="0" lang="en-GB" sz="1000" spc="-1" strike="noStrike">
-              <a:solidFill>
-                <a:srgbClr val="000000"/>
-              </a:solidFill>
-              <a:latin typeface="Arial"/>
-            </a:endParaRPr>
-          </a:p>
-          <a:p>
-            <a:pPr lvl="2" marL="648000" indent="-216000">
-              <a:lnSpc>
-                <a:spcPct val="100000"/>
-              </a:lnSpc>
-              <a:spcAft>
-                <a:spcPts val="1054"/>
-              </a:spcAft>
-              <a:buClr>
-                <a:srgbClr val="000000"/>
-              </a:buClr>
-              <a:buFont typeface="OpenSymbol"/>
-              <a:buAutoNum type="arabicPeriod"/>
-            </a:pPr>
-            <a:r>
-              <a:rPr b="1" lang="en-IN" sz="1000" spc="-1" strike="noStrike">
-                <a:solidFill>
-                  <a:srgbClr val="000000"/>
-                </a:solidFill>
-                <a:highlight>
-                  <a:srgbClr val="ffffff"/>
-                </a:highlight>
-                <a:latin typeface="Arial"/>
-              </a:rPr>
-              <a:t>iOS and Android:</a:t>
-            </a:r>
-            <a:r>
-              <a:rPr b="0" lang="en-IN" sz="1000" spc="-1" strike="noStrike">
-                <a:solidFill>
-                  <a:srgbClr val="000000"/>
-                </a:solidFill>
-                <a:highlight>
-                  <a:srgbClr val="ffffff"/>
-                </a:highlight>
-                <a:latin typeface="Arial"/>
-              </a:rPr>
-              <a:t> Mobile devices such as smartphones and tablets.</a:t>
-            </a:r>
-            <a:endParaRPr b="0" lang="en-GB" sz="1000" spc="-1" strike="noStrike">
-              <a:solidFill>
-                <a:srgbClr val="000000"/>
-              </a:solidFill>
-              <a:latin typeface="Arial"/>
-            </a:endParaRPr>
-          </a:p>
-          <a:p>
-            <a:pPr lvl="2" marL="648000" indent="-216000">
-              <a:lnSpc>
-                <a:spcPct val="100000"/>
-              </a:lnSpc>
-              <a:spcAft>
-                <a:spcPts val="1054"/>
-              </a:spcAft>
-              <a:buClr>
-                <a:srgbClr val="000000"/>
-              </a:buClr>
-              <a:buFont typeface="OpenSymbol"/>
-              <a:buAutoNum type="arabicPeriod"/>
-            </a:pPr>
-            <a:r>
-              <a:rPr b="1" lang="en-IN" sz="1000" spc="-1" strike="noStrike">
-                <a:solidFill>
-                  <a:srgbClr val="000000"/>
-                </a:solidFill>
-                <a:highlight>
-                  <a:srgbClr val="ffffff"/>
-                </a:highlight>
-                <a:latin typeface="Arial"/>
-              </a:rPr>
-              <a:t>Windows:</a:t>
-            </a:r>
-            <a:r>
-              <a:rPr b="0" lang="en-IN" sz="1000" spc="-1" strike="noStrike">
-                <a:solidFill>
-                  <a:srgbClr val="000000"/>
-                </a:solidFill>
-                <a:highlight>
-                  <a:srgbClr val="ffffff"/>
-                </a:highlight>
-                <a:latin typeface="Arial"/>
-              </a:rPr>
-              <a:t> Desktops, laptops, and tablets running Windows.</a:t>
-            </a:r>
-            <a:endParaRPr b="0" lang="en-GB" sz="1000" spc="-1" strike="noStrike">
-              <a:solidFill>
-                <a:srgbClr val="000000"/>
-              </a:solidFill>
-              <a:latin typeface="Arial"/>
-            </a:endParaRPr>
-          </a:p>
-          <a:p>
-            <a:pPr lvl="2" marL="648000" indent="-216000">
-              <a:lnSpc>
-                <a:spcPct val="100000"/>
-              </a:lnSpc>
-              <a:spcAft>
-                <a:spcPts val="1054"/>
-              </a:spcAft>
-              <a:buClr>
-                <a:srgbClr val="000000"/>
-              </a:buClr>
-              <a:buFont typeface="OpenSymbol"/>
-              <a:buAutoNum type="arabicPeriod"/>
-            </a:pPr>
-            <a:r>
-              <a:rPr b="1" lang="en-IN" sz="1000" spc="-1" strike="noStrike">
-                <a:solidFill>
-                  <a:srgbClr val="000000"/>
-                </a:solidFill>
-                <a:highlight>
-                  <a:srgbClr val="ffffff"/>
-                </a:highlight>
-                <a:latin typeface="Arial"/>
-              </a:rPr>
-              <a:t>macOS:</a:t>
-            </a:r>
-            <a:r>
-              <a:rPr b="0" lang="en-IN" sz="1000" spc="-1" strike="noStrike">
-                <a:solidFill>
-                  <a:srgbClr val="000000"/>
-                </a:solidFill>
-                <a:highlight>
-                  <a:srgbClr val="ffffff"/>
-                </a:highlight>
-                <a:latin typeface="Arial"/>
-              </a:rPr>
-              <a:t> Apple Mac computers.</a:t>
-            </a:r>
-            <a:endParaRPr b="0" lang="en-GB" sz="1000" spc="-1" strike="noStrike">
-              <a:solidFill>
-                <a:srgbClr val="000000"/>
-              </a:solidFill>
-              <a:latin typeface="Arial"/>
-            </a:endParaRPr>
-          </a:p>
-          <a:p>
-            <a:pPr lvl="1" marL="432000" indent="-216000">
-              <a:lnSpc>
-                <a:spcPct val="100000"/>
-              </a:lnSpc>
-              <a:spcAft>
-                <a:spcPts val="1054"/>
-              </a:spcAft>
-              <a:buClr>
-                <a:srgbClr val="000000"/>
-              </a:buClr>
-              <a:buFont typeface="OpenSymbol"/>
-              <a:buAutoNum type="arabicPeriod"/>
-            </a:pPr>
-            <a:r>
-              <a:rPr b="1" lang="en-IN" sz="1000" spc="-1" strike="noStrike" u="sng">
-                <a:solidFill>
-                  <a:srgbClr val="000000"/>
-                </a:solidFill>
-                <a:highlight>
-                  <a:srgbClr val="ffffff"/>
-                </a:highlight>
-                <a:uFillTx/>
-                <a:latin typeface="Arial"/>
-              </a:rPr>
-              <a:t>Deployment Monitoring and Reporting:</a:t>
-            </a:r>
-            <a:endParaRPr b="0" lang="en-GB" sz="1000" spc="-1" strike="noStrike">
-              <a:solidFill>
-                <a:srgbClr val="000000"/>
-              </a:solidFill>
-              <a:latin typeface="Arial"/>
-            </a:endParaRPr>
-          </a:p>
-          <a:p>
-            <a:pPr lvl="2" marL="648000" indent="-216000">
-              <a:lnSpc>
-                <a:spcPct val="100000"/>
-              </a:lnSpc>
-              <a:spcAft>
-                <a:spcPts val="1054"/>
-              </a:spcAft>
-              <a:buClr>
-                <a:srgbClr val="000000"/>
-              </a:buClr>
-              <a:buFont typeface="OpenSymbol"/>
-              <a:buAutoNum type="arabicPeriod"/>
-            </a:pPr>
-            <a:r>
-              <a:rPr b="1" lang="en-IN" sz="1000" spc="-1" strike="noStrike">
-                <a:solidFill>
-                  <a:srgbClr val="000000"/>
-                </a:solidFill>
-                <a:highlight>
-                  <a:srgbClr val="ffffff"/>
-                </a:highlight>
-                <a:latin typeface="Arial"/>
-              </a:rPr>
-              <a:t>Visibility: </a:t>
-            </a:r>
-            <a:r>
-              <a:rPr b="0" lang="en-IN" sz="1000" spc="-1" strike="noStrike">
-                <a:solidFill>
-                  <a:srgbClr val="000000"/>
-                </a:solidFill>
-                <a:highlight>
-                  <a:srgbClr val="ffffff"/>
-                </a:highlight>
-                <a:latin typeface="Arial"/>
-              </a:rPr>
-              <a:t>Intune provides monitoring tools and reports to track the status of application deployments.</a:t>
-            </a:r>
-            <a:endParaRPr b="0" lang="en-GB" sz="1000" spc="-1" strike="noStrike">
-              <a:solidFill>
-                <a:srgbClr val="000000"/>
-              </a:solidFill>
-              <a:latin typeface="Arial"/>
-            </a:endParaRPr>
-          </a:p>
-          <a:p>
-            <a:pPr lvl="2" marL="648000" indent="-216000">
-              <a:lnSpc>
-                <a:spcPct val="100000"/>
-              </a:lnSpc>
-              <a:spcAft>
-                <a:spcPts val="1054"/>
-              </a:spcAft>
-              <a:buClr>
-                <a:srgbClr val="000000"/>
-              </a:buClr>
-              <a:buFont typeface="OpenSymbol"/>
-              <a:buAutoNum type="arabicPeriod"/>
-            </a:pPr>
-            <a:r>
-              <a:rPr b="1" lang="en-IN" sz="1000" spc="-1" strike="noStrike">
-                <a:solidFill>
-                  <a:srgbClr val="000000"/>
-                </a:solidFill>
-                <a:highlight>
-                  <a:srgbClr val="ffffff"/>
-                </a:highlight>
-                <a:latin typeface="Arial"/>
-              </a:rPr>
-              <a:t>Troubleshooting:</a:t>
-            </a:r>
-            <a:r>
-              <a:rPr b="0" lang="en-IN" sz="1000" spc="-1" strike="noStrike">
-                <a:solidFill>
-                  <a:srgbClr val="000000"/>
-                </a:solidFill>
-                <a:highlight>
-                  <a:srgbClr val="ffffff"/>
-                </a:highlight>
-                <a:latin typeface="Arial"/>
-              </a:rPr>
-              <a:t> Identify and address issues through detailed deployment logs.</a:t>
-            </a:r>
-            <a:endParaRPr b="0" lang="en-GB" sz="1000" spc="-1" strike="noStrike">
+              <a:rPr b="1" lang="en-IN" sz="1100" spc="-1" strike="noStrike">
+                <a:solidFill>
+                  <a:srgbClr val="000000"/>
+                </a:solidFill>
+                <a:highlight>
+                  <a:srgbClr val="ffffff"/>
+                </a:highlight>
+                <a:latin typeface="Arial"/>
+              </a:rPr>
+              <a:t>User Configuration Profiles:</a:t>
+            </a:r>
+            <a:r>
+              <a:rPr b="0" lang="en-IN" sz="1100" spc="-1" strike="noStrike">
+                <a:solidFill>
+                  <a:srgbClr val="000000"/>
+                </a:solidFill>
+                <a:highlight>
+                  <a:srgbClr val="ffffff"/>
+                </a:highlight>
+                <a:latin typeface="Arial"/>
+              </a:rPr>
+              <a:t> Contain settings and configurations applied to users. Define configurations tied to user profiles, such as application deployment, email settings, and more.</a:t>
+            </a:r>
+            <a:endParaRPr b="0" lang="en-GB" sz="1100" spc="-1" strike="noStrike">
+              <a:solidFill>
+                <a:srgbClr val="000000"/>
+              </a:solidFill>
+              <a:latin typeface="Arial"/>
+            </a:endParaRPr>
+          </a:p>
+          <a:p>
+            <a:pPr>
+              <a:lnSpc>
+                <a:spcPct val="100000"/>
+              </a:lnSpc>
+            </a:pPr>
+            <a:endParaRPr b="0" lang="en-GB" sz="1100" spc="-1" strike="noStrike">
+              <a:solidFill>
+                <a:srgbClr val="000000"/>
+              </a:solidFill>
+              <a:latin typeface="Arial"/>
+            </a:endParaRPr>
+          </a:p>
+          <a:p>
+            <a:pPr>
+              <a:lnSpc>
+                <a:spcPct val="100000"/>
+              </a:lnSpc>
+            </a:pPr>
+            <a:endParaRPr b="0" lang="en-GB" sz="1800" spc="-1" strike="noStrike">
+              <a:solidFill>
+                <a:srgbClr val="000000"/>
+              </a:solidFill>
+              <a:latin typeface="Arial"/>
+            </a:endParaRPr>
+          </a:p>
+          <a:p>
+            <a:pPr>
+              <a:lnSpc>
+                <a:spcPct val="100000"/>
+              </a:lnSpc>
+            </a:pPr>
+            <a:endParaRPr b="0" lang="en-GB" sz="1100" spc="-1" strike="noStrike">
+              <a:solidFill>
+                <a:srgbClr val="000000"/>
+              </a:solidFill>
+              <a:latin typeface="Arial"/>
+            </a:endParaRPr>
+          </a:p>
+          <a:p>
+            <a:pPr>
+              <a:lnSpc>
+                <a:spcPct val="100000"/>
+              </a:lnSpc>
+            </a:pPr>
+            <a:endParaRPr b="0" lang="en-GB" sz="1100" spc="-1" strike="noStrike">
+              <a:solidFill>
+                <a:srgbClr val="000000"/>
+              </a:solidFill>
+              <a:latin typeface="Arial"/>
+            </a:endParaRPr>
+          </a:p>
+          <a:p>
+            <a:pPr>
+              <a:lnSpc>
+                <a:spcPct val="100000"/>
+              </a:lnSpc>
+            </a:pPr>
+            <a:endParaRPr b="0" lang="en-GB" sz="1100" spc="-1" strike="noStrike">
               <a:solidFill>
                 <a:srgbClr val="000000"/>
               </a:solidFill>
@@ -7646,8 +7911,8 @@
         </p:nvSpPr>
         <p:spPr>
           <a:xfrm>
-            <a:off x="430920" y="720000"/>
-            <a:ext cx="8748720" cy="4679640"/>
+            <a:off x="430920" y="180000"/>
+            <a:ext cx="8748360" cy="5219280"/>
           </a:xfrm>
           <a:prstGeom prst="rect">
             <a:avLst/>
@@ -7673,20 +7938,20 @@
                 <a:srgbClr val="000000"/>
               </a:buClr>
               <a:buFont typeface="OpenSymbol"/>
-              <a:buAutoNum type="arabicPeriod" startAt="3"/>
-            </a:pPr>
-            <a:r>
-              <a:rPr b="1" lang="en-IN" sz="1100" spc="-1" strike="noStrike" u="sng">
+              <a:buAutoNum type="arabicPeriod" startAt="4"/>
+            </a:pPr>
+            <a:r>
+              <a:rPr b="1" lang="en-IN" sz="1000" spc="-1" strike="noStrike" u="sng">
                 <a:solidFill>
                   <a:srgbClr val="000000"/>
                 </a:solidFill>
                 <a:uFillTx/>
                 <a:latin typeface="Arial"/>
               </a:rPr>
-              <a:t>Security and Compliance</a:t>
-            </a:r>
-            <a:r>
-              <a:rPr b="1" lang="en-IN" sz="1100" spc="-1" strike="noStrike" u="sng">
+              <a:t>Application Deployment</a:t>
+            </a:r>
+            <a:r>
+              <a:rPr b="1" lang="en-IN" sz="1000" spc="-1" strike="noStrike" u="sng">
                 <a:solidFill>
                   <a:srgbClr val="000000"/>
                 </a:solidFill>
@@ -7698,7 +7963,7 @@
               </a:rPr>
               <a:t>:</a:t>
             </a:r>
-            <a:endParaRPr b="0" lang="en-GB" sz="1100" spc="-1" strike="noStrike">
+            <a:endParaRPr b="0" lang="en-GB" sz="1000" spc="-1" strike="noStrike">
               <a:solidFill>
                 <a:srgbClr val="000000"/>
               </a:solidFill>
@@ -7720,38 +7985,27 @@
               <a:buAutoNum type="arabicPeriod"/>
             </a:pPr>
             <a:r>
-              <a:rPr b="1" lang="en-IN" sz="1100" spc="-1" strike="noStrike">
-                <a:solidFill>
-                  <a:srgbClr val="000000"/>
-                </a:solidFill>
-                <a:highlight>
-                  <a:srgbClr val="ffffff"/>
-                </a:highlight>
-                <a:latin typeface="Arial"/>
-              </a:rPr>
-              <a:t>Compliance Policies:</a:t>
-            </a:r>
-            <a:r>
-              <a:rPr b="0" lang="en-IN" sz="1100" spc="-1" strike="noStrike">
-                <a:solidFill>
-                  <a:srgbClr val="000000"/>
-                </a:solidFill>
-                <a:highlight>
-                  <a:srgbClr val="ffffff"/>
-                </a:highlight>
-                <a:latin typeface="Arial"/>
-              </a:rPr>
-              <a:t>Regular assessments to identify and report non-compliant devices. Automated actions, such as conditional access policies, based on compliance status.</a:t>
-            </a:r>
-            <a:endParaRPr b="0" lang="en-GB" sz="1100" spc="-1" strike="noStrike">
-              <a:solidFill>
-                <a:srgbClr val="000000"/>
-              </a:solidFill>
-              <a:latin typeface="Arial"/>
-            </a:endParaRPr>
-          </a:p>
-          <a:p>
-            <a:pPr lvl="1" marL="432000" indent="-216000">
+              <a:rPr b="1" lang="en-IN" sz="1000" spc="-1" strike="noStrike" u="sng">
+                <a:solidFill>
+                  <a:srgbClr val="000000"/>
+                </a:solidFill>
+                <a:highlight>
+                  <a:srgbClr val="ffffff"/>
+                </a:highlight>
+                <a:uFillTx/>
+                <a:latin typeface="Arial"/>
+              </a:rPr>
+              <a:t>Application Types:</a:t>
+            </a:r>
+            <a:endParaRPr b="0" lang="en-GB" sz="1000" spc="-1" strike="noStrike">
+              <a:solidFill>
+                <a:srgbClr val="000000"/>
+              </a:solidFill>
+              <a:latin typeface="Arial"/>
+            </a:endParaRPr>
+          </a:p>
+          <a:p>
+            <a:pPr lvl="2" marL="648000" indent="-216000">
               <a:lnSpc>
                 <a:spcPct val="100000"/>
               </a:lnSpc>
@@ -7765,38 +8019,38 @@
               <a:buAutoNum type="arabicPeriod"/>
             </a:pPr>
             <a:r>
-              <a:rPr b="1" lang="en-IN" sz="1100" spc="-1" strike="noStrike">
-                <a:solidFill>
-                  <a:srgbClr val="000000"/>
-                </a:solidFill>
-                <a:highlight>
-                  <a:srgbClr val="ffffff"/>
-                </a:highlight>
-                <a:latin typeface="Arial"/>
-              </a:rPr>
-              <a:t>Conditional Access Policies:</a:t>
-            </a:r>
-            <a:r>
-              <a:rPr b="0" lang="en-IN" sz="1100" spc="-1" strike="noStrike">
-                <a:solidFill>
-                  <a:srgbClr val="000000"/>
-                </a:solidFill>
-                <a:highlight>
-                  <a:srgbClr val="ffffff"/>
-                </a:highlight>
-                <a:latin typeface="Arial"/>
-              </a:rPr>
-              <a:t>Determine access to corporate resources based on conditions like device compliance, user location.</a:t>
-            </a:r>
-            <a:endParaRPr b="0" lang="en-GB" sz="1100" spc="-1" strike="noStrike">
-              <a:solidFill>
-                <a:srgbClr val="000000"/>
-              </a:solidFill>
-              <a:latin typeface="Arial"/>
-            </a:endParaRPr>
-          </a:p>
-          <a:p>
-            <a:pPr lvl="1" marL="432000" indent="-216000">
+              <a:rPr b="1" lang="en-IN" sz="1000" spc="-1" strike="noStrike">
+                <a:solidFill>
+                  <a:srgbClr val="000000"/>
+                </a:solidFill>
+                <a:highlight>
+                  <a:srgbClr val="ffffff"/>
+                </a:highlight>
+                <a:latin typeface="Arial"/>
+              </a:rPr>
+              <a:t>Microsoft Store Apps:</a:t>
+            </a:r>
+            <a:r>
+              <a:rPr b="0" lang="en-IN" sz="1000" spc="-1" strike="noStrike">
+                <a:solidFill>
+                  <a:srgbClr val="000000"/>
+                </a:solidFill>
+                <a:highlight>
+                  <a:srgbClr val="ffffff"/>
+                </a:highlight>
+                <a:latin typeface="Arial"/>
+              </a:rPr>
+              <a:t> Apps available in the Microsoft Store.</a:t>
+            </a:r>
+            <a:endParaRPr b="0" lang="en-GB" sz="1000" spc="-1" strike="noStrike">
+              <a:solidFill>
+                <a:srgbClr val="000000"/>
+              </a:solidFill>
+              <a:latin typeface="Arial"/>
+            </a:endParaRPr>
+          </a:p>
+          <a:p>
+            <a:pPr lvl="2" marL="648000" indent="-216000">
               <a:lnSpc>
                 <a:spcPct val="100000"/>
               </a:lnSpc>
@@ -7810,30 +8064,30 @@
               <a:buAutoNum type="arabicPeriod"/>
             </a:pPr>
             <a:r>
-              <a:rPr b="1" lang="en-IN" sz="1100" spc="-1" strike="noStrike">
-                <a:solidFill>
-                  <a:srgbClr val="000000"/>
-                </a:solidFill>
-                <a:highlight>
-                  <a:srgbClr val="ffffff"/>
-                </a:highlight>
-                <a:latin typeface="Arial"/>
-              </a:rPr>
-              <a:t>Security Baselines:</a:t>
-            </a:r>
-            <a:r>
-              <a:rPr b="0" lang="en-IN" sz="1100" spc="-1" strike="noStrike">
-                <a:solidFill>
-                  <a:srgbClr val="000000"/>
-                </a:solidFill>
-                <a:highlight>
-                  <a:srgbClr val="ffffff"/>
-                </a:highlight>
-                <a:latin typeface="Arial"/>
-              </a:rPr>
-              <a:t>Predefined configurations for devices to ensure a baseline level of security compliance. Encourages adherence to standardized security settings.</a:t>
-            </a:r>
-            <a:endParaRPr b="0" lang="en-GB" sz="1100" spc="-1" strike="noStrike">
+              <a:rPr b="1" lang="en-IN" sz="1000" spc="-1" strike="noStrike">
+                <a:solidFill>
+                  <a:srgbClr val="000000"/>
+                </a:solidFill>
+                <a:highlight>
+                  <a:srgbClr val="ffffff"/>
+                </a:highlight>
+                <a:latin typeface="Arial"/>
+              </a:rPr>
+              <a:t>Line-of-Business (LOB) Apps: </a:t>
+            </a:r>
+            <a:r>
+              <a:rPr b="0" lang="en-IN" sz="1000" spc="-1" strike="noStrike">
+                <a:solidFill>
+                  <a:srgbClr val="000000"/>
+                </a:solidFill>
+                <a:highlight>
+                  <a:srgbClr val="ffffff"/>
+                </a:highlight>
+                <a:latin typeface="Arial"/>
+              </a:rPr>
+              <a:t>Custom-developed or third-party applications.</a:t>
+            </a:r>
+            <a:endParaRPr b="0" lang="en-GB" sz="1000" spc="-1" strike="noStrike">
               <a:solidFill>
                 <a:srgbClr val="000000"/>
               </a:solidFill>
@@ -7855,38 +8109,27 @@
               <a:buAutoNum type="arabicPeriod"/>
             </a:pPr>
             <a:r>
-              <a:rPr b="1" lang="en-IN" sz="1100" spc="-1" strike="noStrike">
-                <a:solidFill>
-                  <a:srgbClr val="000000"/>
-                </a:solidFill>
-                <a:highlight>
-                  <a:srgbClr val="ffffff"/>
-                </a:highlight>
-                <a:latin typeface="Arial"/>
-              </a:rPr>
-              <a:t>Application Protection Policies:</a:t>
-            </a:r>
-            <a:r>
-              <a:rPr b="0" lang="en-IN" sz="1100" spc="-1" strike="noStrike">
-                <a:solidFill>
-                  <a:srgbClr val="000000"/>
-                </a:solidFill>
-                <a:highlight>
-                  <a:srgbClr val="ffffff"/>
-                </a:highlight>
-                <a:latin typeface="Arial"/>
-              </a:rPr>
-              <a:t>Policies that secure corporate data within applications on mobile devices. Control app behaviour to prevent data leaks and enhance security.</a:t>
-            </a:r>
-            <a:endParaRPr b="0" lang="en-GB" sz="1100" spc="-1" strike="noStrike">
-              <a:solidFill>
-                <a:srgbClr val="000000"/>
-              </a:solidFill>
-              <a:latin typeface="Arial"/>
-            </a:endParaRPr>
-          </a:p>
-          <a:p>
-            <a:pPr lvl="1" marL="432000" indent="-216000">
+              <a:rPr b="1" lang="en-IN" sz="1000" spc="-1" strike="noStrike" u="sng">
+                <a:solidFill>
+                  <a:srgbClr val="000000"/>
+                </a:solidFill>
+                <a:highlight>
+                  <a:srgbClr val="ffffff"/>
+                </a:highlight>
+                <a:uFillTx/>
+                <a:latin typeface="Arial"/>
+              </a:rPr>
+              <a:t>Deployment Methods:</a:t>
+            </a:r>
+            <a:endParaRPr b="0" lang="en-GB" sz="1000" spc="-1" strike="noStrike">
+              <a:solidFill>
+                <a:srgbClr val="000000"/>
+              </a:solidFill>
+              <a:latin typeface="Arial"/>
+            </a:endParaRPr>
+          </a:p>
+          <a:p>
+            <a:pPr lvl="2" marL="648000" indent="-216000">
               <a:lnSpc>
                 <a:spcPct val="100000"/>
               </a:lnSpc>
@@ -7900,38 +8143,38 @@
               <a:buAutoNum type="arabicPeriod"/>
             </a:pPr>
             <a:r>
-              <a:rPr b="1" lang="en-IN" sz="1100" spc="-1" strike="noStrike">
-                <a:solidFill>
-                  <a:srgbClr val="000000"/>
-                </a:solidFill>
-                <a:highlight>
-                  <a:srgbClr val="ffffff"/>
-                </a:highlight>
-                <a:latin typeface="Arial"/>
-              </a:rPr>
-              <a:t>Device Security Configuration:</a:t>
-            </a:r>
-            <a:r>
-              <a:rPr b="0" lang="en-IN" sz="1100" spc="-1" strike="noStrike">
-                <a:solidFill>
-                  <a:srgbClr val="000000"/>
-                </a:solidFill>
-                <a:highlight>
-                  <a:srgbClr val="ffffff"/>
-                </a:highlight>
-                <a:latin typeface="Arial"/>
-              </a:rPr>
-              <a:t>Apply security settings to devices, including encryption, firewall rules, and antivirus configurations.</a:t>
-            </a:r>
-            <a:endParaRPr b="0" lang="en-GB" sz="1100" spc="-1" strike="noStrike">
-              <a:solidFill>
-                <a:srgbClr val="000000"/>
-              </a:solidFill>
-              <a:latin typeface="Arial"/>
-            </a:endParaRPr>
-          </a:p>
-          <a:p>
-            <a:pPr lvl="1" marL="432000" indent="-216000">
+              <a:rPr b="1" lang="en-IN" sz="1000" spc="-1" strike="noStrike">
+                <a:solidFill>
+                  <a:srgbClr val="000000"/>
+                </a:solidFill>
+                <a:highlight>
+                  <a:srgbClr val="ffffff"/>
+                </a:highlight>
+                <a:latin typeface="Arial"/>
+              </a:rPr>
+              <a:t>User-Based Deployment:</a:t>
+            </a:r>
+            <a:r>
+              <a:rPr b="0" lang="en-IN" sz="1000" spc="-1" strike="noStrike">
+                <a:solidFill>
+                  <a:srgbClr val="000000"/>
+                </a:solidFill>
+                <a:highlight>
+                  <a:srgbClr val="ffffff"/>
+                </a:highlight>
+                <a:latin typeface="Arial"/>
+              </a:rPr>
+              <a:t> Apps are deployed to users and associated with their user accounts.</a:t>
+            </a:r>
+            <a:endParaRPr b="0" lang="en-GB" sz="1000" spc="-1" strike="noStrike">
+              <a:solidFill>
+                <a:srgbClr val="000000"/>
+              </a:solidFill>
+              <a:latin typeface="Arial"/>
+            </a:endParaRPr>
+          </a:p>
+          <a:p>
+            <a:pPr lvl="2" marL="648000" indent="-216000">
               <a:lnSpc>
                 <a:spcPct val="100000"/>
               </a:lnSpc>
@@ -7945,30 +8188,30 @@
               <a:buAutoNum type="arabicPeriod"/>
             </a:pPr>
             <a:r>
-              <a:rPr b="1" lang="en-IN" sz="1100" spc="-1" strike="noStrike">
-                <a:solidFill>
-                  <a:srgbClr val="000000"/>
-                </a:solidFill>
-                <a:highlight>
-                  <a:srgbClr val="ffffff"/>
-                </a:highlight>
-                <a:latin typeface="Arial"/>
-              </a:rPr>
-              <a:t>Remote Actions:</a:t>
-            </a:r>
-            <a:r>
-              <a:rPr b="0" lang="en-IN" sz="1100" spc="-1" strike="noStrike">
-                <a:solidFill>
-                  <a:srgbClr val="000000"/>
-                </a:solidFill>
-                <a:highlight>
-                  <a:srgbClr val="ffffff"/>
-                </a:highlight>
-                <a:latin typeface="Arial"/>
-              </a:rPr>
-              <a:t>Administrators can perform remote actions such as wiping data, restarting devices, or locking them down in case of loss or compromise.</a:t>
-            </a:r>
-            <a:endParaRPr b="0" lang="en-GB" sz="1100" spc="-1" strike="noStrike">
+              <a:rPr b="1" lang="en-IN" sz="1000" spc="-1" strike="noStrike">
+                <a:solidFill>
+                  <a:srgbClr val="000000"/>
+                </a:solidFill>
+                <a:highlight>
+                  <a:srgbClr val="ffffff"/>
+                </a:highlight>
+                <a:latin typeface="Arial"/>
+              </a:rPr>
+              <a:t>Device-Based Deployment:</a:t>
+            </a:r>
+            <a:r>
+              <a:rPr b="0" lang="en-IN" sz="1000" spc="-1" strike="noStrike">
+                <a:solidFill>
+                  <a:srgbClr val="000000"/>
+                </a:solidFill>
+                <a:highlight>
+                  <a:srgbClr val="ffffff"/>
+                </a:highlight>
+                <a:latin typeface="Arial"/>
+              </a:rPr>
+              <a:t> Apps are deployed to devices, ensuring they are available for all users on the device.</a:t>
+            </a:r>
+            <a:endParaRPr b="0" lang="en-GB" sz="1000" spc="-1" strike="noStrike">
               <a:solidFill>
                 <a:srgbClr val="000000"/>
               </a:solidFill>
@@ -7990,38 +8233,27 @@
               <a:buAutoNum type="arabicPeriod"/>
             </a:pPr>
             <a:r>
-              <a:rPr b="1" lang="en-IN" sz="1100" spc="-1" strike="noStrike">
-                <a:solidFill>
-                  <a:srgbClr val="000000"/>
-                </a:solidFill>
-                <a:highlight>
-                  <a:srgbClr val="ffffff"/>
-                </a:highlight>
-                <a:latin typeface="Arial"/>
-              </a:rPr>
-              <a:t>Threat Protection:</a:t>
-            </a:r>
-            <a:r>
-              <a:rPr b="0" lang="en-IN" sz="1100" spc="-1" strike="noStrike">
-                <a:solidFill>
-                  <a:srgbClr val="000000"/>
-                </a:solidFill>
-                <a:highlight>
-                  <a:srgbClr val="ffffff"/>
-                </a:highlight>
-                <a:latin typeface="Arial"/>
-              </a:rPr>
-              <a:t>Integration with Microsoft Defender Antivirus to protect devices from malware and other threats. Utilize threat intelligence for proactive threat detection and response.</a:t>
-            </a:r>
-            <a:endParaRPr b="0" lang="en-GB" sz="1100" spc="-1" strike="noStrike">
-              <a:solidFill>
-                <a:srgbClr val="000000"/>
-              </a:solidFill>
-              <a:latin typeface="Arial"/>
-            </a:endParaRPr>
-          </a:p>
-          <a:p>
-            <a:pPr lvl="1" marL="432000" indent="-216000">
+              <a:rPr b="1" lang="en-IN" sz="1000" spc="-1" strike="noStrike" u="sng">
+                <a:solidFill>
+                  <a:srgbClr val="000000"/>
+                </a:solidFill>
+                <a:highlight>
+                  <a:srgbClr val="ffffff"/>
+                </a:highlight>
+                <a:uFillTx/>
+                <a:latin typeface="Arial"/>
+              </a:rPr>
+              <a:t>Deployment Scenarios:</a:t>
+            </a:r>
+            <a:endParaRPr b="0" lang="en-GB" sz="1000" spc="-1" strike="noStrike">
+              <a:solidFill>
+                <a:srgbClr val="000000"/>
+              </a:solidFill>
+              <a:latin typeface="Arial"/>
+            </a:endParaRPr>
+          </a:p>
+          <a:p>
+            <a:pPr lvl="2" marL="648000" indent="-216000">
               <a:lnSpc>
                 <a:spcPct val="100000"/>
               </a:lnSpc>
@@ -8035,38 +8267,38 @@
               <a:buAutoNum type="arabicPeriod"/>
             </a:pPr>
             <a:r>
-              <a:rPr b="1" lang="en-IN" sz="1100" spc="-1" strike="noStrike">
-                <a:solidFill>
-                  <a:srgbClr val="000000"/>
-                </a:solidFill>
-                <a:highlight>
-                  <a:srgbClr val="ffffff"/>
-                </a:highlight>
-                <a:latin typeface="Arial"/>
-              </a:rPr>
-              <a:t>Device Encryption:</a:t>
-            </a:r>
-            <a:r>
-              <a:rPr b="0" lang="en-IN" sz="1100" spc="-1" strike="noStrike">
-                <a:solidFill>
-                  <a:srgbClr val="000000"/>
-                </a:solidFill>
-                <a:highlight>
-                  <a:srgbClr val="ffffff"/>
-                </a:highlight>
-                <a:latin typeface="Arial"/>
-              </a:rPr>
-              <a:t>Ensure that device data is encrypted, enhancing data security.</a:t>
-            </a:r>
-            <a:endParaRPr b="0" lang="en-GB" sz="1100" spc="-1" strike="noStrike">
-              <a:solidFill>
-                <a:srgbClr val="000000"/>
-              </a:solidFill>
-              <a:latin typeface="Arial"/>
-            </a:endParaRPr>
-          </a:p>
-          <a:p>
-            <a:pPr lvl="1" marL="432000" indent="-216000">
+              <a:rPr b="1" lang="en-IN" sz="1000" spc="-1" strike="noStrike">
+                <a:solidFill>
+                  <a:srgbClr val="000000"/>
+                </a:solidFill>
+                <a:highlight>
+                  <a:srgbClr val="ffffff"/>
+                </a:highlight>
+                <a:latin typeface="Arial"/>
+              </a:rPr>
+              <a:t>Automatic Deployment:</a:t>
+            </a:r>
+            <a:r>
+              <a:rPr b="0" lang="en-IN" sz="1000" spc="-1" strike="noStrike">
+                <a:solidFill>
+                  <a:srgbClr val="000000"/>
+                </a:solidFill>
+                <a:highlight>
+                  <a:srgbClr val="ffffff"/>
+                </a:highlight>
+                <a:latin typeface="Arial"/>
+              </a:rPr>
+              <a:t> Apps can be automatically deployed upon device enrolment or user sign-in.</a:t>
+            </a:r>
+            <a:endParaRPr b="0" lang="en-GB" sz="1000" spc="-1" strike="noStrike">
+              <a:solidFill>
+                <a:srgbClr val="000000"/>
+              </a:solidFill>
+              <a:latin typeface="Arial"/>
+            </a:endParaRPr>
+          </a:p>
+          <a:p>
+            <a:pPr lvl="2" marL="648000" indent="-216000">
               <a:lnSpc>
                 <a:spcPct val="100000"/>
               </a:lnSpc>
@@ -8080,30 +8312,30 @@
               <a:buAutoNum type="arabicPeriod"/>
             </a:pPr>
             <a:r>
-              <a:rPr b="1" lang="en-IN" sz="1100" spc="-1" strike="noStrike">
-                <a:solidFill>
-                  <a:srgbClr val="000000"/>
-                </a:solidFill>
-                <a:highlight>
-                  <a:srgbClr val="ffffff"/>
-                </a:highlight>
-                <a:latin typeface="Arial"/>
-              </a:rPr>
-              <a:t>Identity and Access Management:</a:t>
-            </a:r>
-            <a:r>
-              <a:rPr b="0" lang="en-IN" sz="1100" spc="-1" strike="noStrike">
-                <a:solidFill>
-                  <a:srgbClr val="000000"/>
-                </a:solidFill>
-                <a:highlight>
-                  <a:srgbClr val="ffffff"/>
-                </a:highlight>
-                <a:latin typeface="Arial"/>
-              </a:rPr>
-              <a:t>Azure Active Directory Integration ensures secure and seamless user identity management. Enhance access security with MFA for user authentication.</a:t>
-            </a:r>
-            <a:endParaRPr b="0" lang="en-GB" sz="1100" spc="-1" strike="noStrike">
+              <a:rPr b="1" lang="en-IN" sz="1000" spc="-1" strike="noStrike">
+                <a:solidFill>
+                  <a:srgbClr val="000000"/>
+                </a:solidFill>
+                <a:highlight>
+                  <a:srgbClr val="ffffff"/>
+                </a:highlight>
+                <a:latin typeface="Arial"/>
+              </a:rPr>
+              <a:t>Required Deployment: </a:t>
+            </a:r>
+            <a:r>
+              <a:rPr b="0" lang="en-IN" sz="1000" spc="-1" strike="noStrike">
+                <a:solidFill>
+                  <a:srgbClr val="000000"/>
+                </a:solidFill>
+                <a:highlight>
+                  <a:srgbClr val="ffffff"/>
+                </a:highlight>
+                <a:latin typeface="Arial"/>
+              </a:rPr>
+              <a:t>Mandatory installation of apps based on organizational policies.</a:t>
+            </a:r>
+            <a:endParaRPr b="0" lang="en-GB" sz="1000" spc="-1" strike="noStrike">
               <a:solidFill>
                 <a:srgbClr val="000000"/>
               </a:solidFill>
@@ -8125,69 +8357,357 @@
               <a:buAutoNum type="arabicPeriod"/>
             </a:pPr>
             <a:r>
-              <a:rPr b="1" lang="en-IN" sz="1100" spc="-1" strike="noStrike">
-                <a:solidFill>
-                  <a:srgbClr val="000000"/>
-                </a:solidFill>
-                <a:highlight>
-                  <a:srgbClr val="ffffff"/>
-                </a:highlight>
-                <a:latin typeface="Arial"/>
-              </a:rPr>
-              <a:t>Monitoring and Reporting:</a:t>
-            </a:r>
-            <a:r>
-              <a:rPr b="0" lang="en-IN" sz="1100" spc="-1" strike="noStrike">
-                <a:solidFill>
-                  <a:srgbClr val="000000"/>
-                </a:solidFill>
-                <a:highlight>
-                  <a:srgbClr val="ffffff"/>
-                </a:highlight>
-                <a:latin typeface="Arial"/>
-              </a:rPr>
-              <a:t>Monitoring tools and reports to track the security and compliance status of devices. Audit logs for detailed visibility into security events and policy enforcement.</a:t>
-            </a:r>
-            <a:endParaRPr b="0" lang="en-GB" sz="1100" spc="-1" strike="noStrike">
-              <a:solidFill>
-                <a:srgbClr val="000000"/>
-              </a:solidFill>
-              <a:latin typeface="Arial"/>
-            </a:endParaRPr>
-          </a:p>
-          <a:p>
-            <a:pPr>
-              <a:lnSpc>
-                <a:spcPct val="100000"/>
-              </a:lnSpc>
-            </a:pPr>
-            <a:endParaRPr b="0" lang="en-GB" sz="1100" spc="-1" strike="noStrike">
-              <a:solidFill>
-                <a:srgbClr val="000000"/>
-              </a:solidFill>
-              <a:latin typeface="Arial"/>
-            </a:endParaRPr>
-          </a:p>
-          <a:p>
-            <a:pPr>
-              <a:lnSpc>
-                <a:spcPct val="100000"/>
-              </a:lnSpc>
-            </a:pPr>
-            <a:endParaRPr b="0" lang="en-GB" sz="1100" spc="-1" strike="noStrike">
-              <a:solidFill>
-                <a:srgbClr val="000000"/>
-              </a:solidFill>
-              <a:latin typeface="Arial"/>
-            </a:endParaRPr>
-          </a:p>
-          <a:p>
-            <a:pPr>
-              <a:lnSpc>
-                <a:spcPct val="100000"/>
-              </a:lnSpc>
-            </a:pPr>
-            <a:endParaRPr b="0" lang="en-GB" sz="1100" spc="-1" strike="noStrike">
+              <a:rPr b="1" lang="en-IN" sz="1000" spc="-1" strike="noStrike" u="sng">
+                <a:solidFill>
+                  <a:srgbClr val="000000"/>
+                </a:solidFill>
+                <a:highlight>
+                  <a:srgbClr val="ffffff"/>
+                </a:highlight>
+                <a:uFillTx/>
+                <a:latin typeface="Arial"/>
+              </a:rPr>
+              <a:t>Integration with Microsoft Store for Business:</a:t>
+            </a:r>
+            <a:endParaRPr b="0" lang="en-GB" sz="1000" spc="-1" strike="noStrike">
+              <a:solidFill>
+                <a:srgbClr val="000000"/>
+              </a:solidFill>
+              <a:latin typeface="Arial"/>
+            </a:endParaRPr>
+          </a:p>
+          <a:p>
+            <a:pPr lvl="2" marL="648000" indent="-216000">
+              <a:lnSpc>
+                <a:spcPct val="100000"/>
+              </a:lnSpc>
+              <a:spcAft>
+                <a:spcPts val="1054"/>
+              </a:spcAft>
+              <a:buClr>
+                <a:srgbClr val="000000"/>
+              </a:buClr>
+              <a:buFont typeface="OpenSymbol"/>
+              <a:buAutoNum type="arabicPeriod"/>
+            </a:pPr>
+            <a:r>
+              <a:rPr b="1" lang="en-IN" sz="1000" spc="-1" strike="noStrike">
+                <a:solidFill>
+                  <a:srgbClr val="000000"/>
+                </a:solidFill>
+                <a:highlight>
+                  <a:srgbClr val="ffffff"/>
+                </a:highlight>
+                <a:latin typeface="Arial"/>
+              </a:rPr>
+              <a:t>Centralized App Management:</a:t>
+            </a:r>
+            <a:r>
+              <a:rPr b="0" lang="en-IN" sz="1000" spc="-1" strike="noStrike">
+                <a:solidFill>
+                  <a:srgbClr val="000000"/>
+                </a:solidFill>
+                <a:highlight>
+                  <a:srgbClr val="ffffff"/>
+                </a:highlight>
+                <a:latin typeface="Arial"/>
+              </a:rPr>
+              <a:t> Utilize Microsoft Store for Business to centralize app acquisition and management.</a:t>
+            </a:r>
+            <a:endParaRPr b="0" lang="en-GB" sz="1000" spc="-1" strike="noStrike">
+              <a:solidFill>
+                <a:srgbClr val="000000"/>
+              </a:solidFill>
+              <a:latin typeface="Arial"/>
+            </a:endParaRPr>
+          </a:p>
+          <a:p>
+            <a:pPr lvl="1" marL="432000" indent="-216000">
+              <a:lnSpc>
+                <a:spcPct val="100000"/>
+              </a:lnSpc>
+              <a:spcAft>
+                <a:spcPts val="1054"/>
+              </a:spcAft>
+              <a:buClr>
+                <a:srgbClr val="000000"/>
+              </a:buClr>
+              <a:buFont typeface="OpenSymbol"/>
+              <a:buAutoNum type="arabicPeriod"/>
+            </a:pPr>
+            <a:r>
+              <a:rPr b="1" lang="en-IN" sz="1000" spc="-1" strike="noStrike" u="sng">
+                <a:solidFill>
+                  <a:srgbClr val="000000"/>
+                </a:solidFill>
+                <a:highlight>
+                  <a:srgbClr val="ffffff"/>
+                </a:highlight>
+                <a:uFillTx/>
+                <a:latin typeface="Arial"/>
+              </a:rPr>
+              <a:t>Supported Platforms:</a:t>
+            </a:r>
+            <a:endParaRPr b="0" lang="en-GB" sz="1000" spc="-1" strike="noStrike">
+              <a:solidFill>
+                <a:srgbClr val="000000"/>
+              </a:solidFill>
+              <a:latin typeface="Arial"/>
+            </a:endParaRPr>
+          </a:p>
+          <a:p>
+            <a:pPr lvl="2" marL="648000" indent="-216000">
+              <a:lnSpc>
+                <a:spcPct val="100000"/>
+              </a:lnSpc>
+              <a:spcAft>
+                <a:spcPts val="1054"/>
+              </a:spcAft>
+              <a:buClr>
+                <a:srgbClr val="000000"/>
+              </a:buClr>
+              <a:buFont typeface="OpenSymbol"/>
+              <a:buAutoNum type="arabicPeriod"/>
+            </a:pPr>
+            <a:r>
+              <a:rPr b="1" lang="en-IN" sz="1000" spc="-1" strike="noStrike">
+                <a:solidFill>
+                  <a:srgbClr val="000000"/>
+                </a:solidFill>
+                <a:highlight>
+                  <a:srgbClr val="ffffff"/>
+                </a:highlight>
+                <a:latin typeface="Arial"/>
+              </a:rPr>
+              <a:t>iOS and Android:</a:t>
+            </a:r>
+            <a:r>
+              <a:rPr b="0" lang="en-IN" sz="1000" spc="-1" strike="noStrike">
+                <a:solidFill>
+                  <a:srgbClr val="000000"/>
+                </a:solidFill>
+                <a:highlight>
+                  <a:srgbClr val="ffffff"/>
+                </a:highlight>
+                <a:latin typeface="Arial"/>
+              </a:rPr>
+              <a:t> Mobile devices such as smartphones and tablets.</a:t>
+            </a:r>
+            <a:endParaRPr b="0" lang="en-GB" sz="1000" spc="-1" strike="noStrike">
+              <a:solidFill>
+                <a:srgbClr val="000000"/>
+              </a:solidFill>
+              <a:latin typeface="Arial"/>
+            </a:endParaRPr>
+          </a:p>
+          <a:p>
+            <a:pPr lvl="2" marL="648000" indent="-216000">
+              <a:lnSpc>
+                <a:spcPct val="100000"/>
+              </a:lnSpc>
+              <a:spcAft>
+                <a:spcPts val="1054"/>
+              </a:spcAft>
+              <a:buClr>
+                <a:srgbClr val="000000"/>
+              </a:buClr>
+              <a:buFont typeface="OpenSymbol"/>
+              <a:buAutoNum type="arabicPeriod"/>
+            </a:pPr>
+            <a:r>
+              <a:rPr b="1" lang="en-IN" sz="1000" spc="-1" strike="noStrike">
+                <a:solidFill>
+                  <a:srgbClr val="000000"/>
+                </a:solidFill>
+                <a:highlight>
+                  <a:srgbClr val="ffffff"/>
+                </a:highlight>
+                <a:latin typeface="Arial"/>
+              </a:rPr>
+              <a:t>Windows:</a:t>
+            </a:r>
+            <a:r>
+              <a:rPr b="0" lang="en-IN" sz="1000" spc="-1" strike="noStrike">
+                <a:solidFill>
+                  <a:srgbClr val="000000"/>
+                </a:solidFill>
+                <a:highlight>
+                  <a:srgbClr val="ffffff"/>
+                </a:highlight>
+                <a:latin typeface="Arial"/>
+              </a:rPr>
+              <a:t> Desktops, laptops, and tablets running Windows.</a:t>
+            </a:r>
+            <a:endParaRPr b="0" lang="en-GB" sz="1000" spc="-1" strike="noStrike">
+              <a:solidFill>
+                <a:srgbClr val="000000"/>
+              </a:solidFill>
+              <a:latin typeface="Arial"/>
+            </a:endParaRPr>
+          </a:p>
+          <a:p>
+            <a:pPr lvl="2" marL="648000" indent="-216000">
+              <a:lnSpc>
+                <a:spcPct val="100000"/>
+              </a:lnSpc>
+              <a:spcAft>
+                <a:spcPts val="1054"/>
+              </a:spcAft>
+              <a:buClr>
+                <a:srgbClr val="000000"/>
+              </a:buClr>
+              <a:buFont typeface="OpenSymbol"/>
+              <a:buAutoNum type="arabicPeriod"/>
+            </a:pPr>
+            <a:r>
+              <a:rPr b="1" lang="en-IN" sz="1000" spc="-1" strike="noStrike">
+                <a:solidFill>
+                  <a:srgbClr val="000000"/>
+                </a:solidFill>
+                <a:highlight>
+                  <a:srgbClr val="ffffff"/>
+                </a:highlight>
+                <a:latin typeface="Arial"/>
+              </a:rPr>
+              <a:t>macOS:</a:t>
+            </a:r>
+            <a:r>
+              <a:rPr b="0" lang="en-IN" sz="1000" spc="-1" strike="noStrike">
+                <a:solidFill>
+                  <a:srgbClr val="000000"/>
+                </a:solidFill>
+                <a:highlight>
+                  <a:srgbClr val="ffffff"/>
+                </a:highlight>
+                <a:latin typeface="Arial"/>
+              </a:rPr>
+              <a:t> Apple Mac computers.</a:t>
+            </a:r>
+            <a:endParaRPr b="0" lang="en-GB" sz="1000" spc="-1" strike="noStrike">
+              <a:solidFill>
+                <a:srgbClr val="000000"/>
+              </a:solidFill>
+              <a:latin typeface="Arial"/>
+            </a:endParaRPr>
+          </a:p>
+          <a:p>
+            <a:pPr lvl="1" marL="432000" indent="-216000">
+              <a:lnSpc>
+                <a:spcPct val="100000"/>
+              </a:lnSpc>
+              <a:spcAft>
+                <a:spcPts val="1054"/>
+              </a:spcAft>
+              <a:buClr>
+                <a:srgbClr val="000000"/>
+              </a:buClr>
+              <a:buFont typeface="OpenSymbol"/>
+              <a:buAutoNum type="arabicPeriod"/>
+            </a:pPr>
+            <a:r>
+              <a:rPr b="1" lang="en-IN" sz="1000" spc="-1" strike="noStrike" u="sng">
+                <a:solidFill>
+                  <a:srgbClr val="000000"/>
+                </a:solidFill>
+                <a:highlight>
+                  <a:srgbClr val="ffffff"/>
+                </a:highlight>
+                <a:uFillTx/>
+                <a:latin typeface="Arial"/>
+              </a:rPr>
+              <a:t>Deployment Monitoring and Reporting:</a:t>
+            </a:r>
+            <a:endParaRPr b="0" lang="en-GB" sz="1000" spc="-1" strike="noStrike">
+              <a:solidFill>
+                <a:srgbClr val="000000"/>
+              </a:solidFill>
+              <a:latin typeface="Arial"/>
+            </a:endParaRPr>
+          </a:p>
+          <a:p>
+            <a:pPr lvl="2" marL="648000" indent="-216000">
+              <a:lnSpc>
+                <a:spcPct val="100000"/>
+              </a:lnSpc>
+              <a:spcAft>
+                <a:spcPts val="1054"/>
+              </a:spcAft>
+              <a:buClr>
+                <a:srgbClr val="000000"/>
+              </a:buClr>
+              <a:buFont typeface="OpenSymbol"/>
+              <a:buAutoNum type="arabicPeriod"/>
+            </a:pPr>
+            <a:r>
+              <a:rPr b="1" lang="en-IN" sz="1000" spc="-1" strike="noStrike">
+                <a:solidFill>
+                  <a:srgbClr val="000000"/>
+                </a:solidFill>
+                <a:highlight>
+                  <a:srgbClr val="ffffff"/>
+                </a:highlight>
+                <a:latin typeface="Arial"/>
+              </a:rPr>
+              <a:t>Visibility: </a:t>
+            </a:r>
+            <a:r>
+              <a:rPr b="0" lang="en-IN" sz="1000" spc="-1" strike="noStrike">
+                <a:solidFill>
+                  <a:srgbClr val="000000"/>
+                </a:solidFill>
+                <a:highlight>
+                  <a:srgbClr val="ffffff"/>
+                </a:highlight>
+                <a:latin typeface="Arial"/>
+              </a:rPr>
+              <a:t>Intune provides monitoring tools and reports to track the status of application deployments.</a:t>
+            </a:r>
+            <a:endParaRPr b="0" lang="en-GB" sz="1000" spc="-1" strike="noStrike">
+              <a:solidFill>
+                <a:srgbClr val="000000"/>
+              </a:solidFill>
+              <a:latin typeface="Arial"/>
+            </a:endParaRPr>
+          </a:p>
+          <a:p>
+            <a:pPr lvl="2" marL="648000" indent="-216000">
+              <a:lnSpc>
+                <a:spcPct val="100000"/>
+              </a:lnSpc>
+              <a:spcAft>
+                <a:spcPts val="1054"/>
+              </a:spcAft>
+              <a:buClr>
+                <a:srgbClr val="000000"/>
+              </a:buClr>
+              <a:buFont typeface="OpenSymbol"/>
+              <a:buAutoNum type="arabicPeriod"/>
+            </a:pPr>
+            <a:r>
+              <a:rPr b="1" lang="en-IN" sz="1000" spc="-1" strike="noStrike">
+                <a:solidFill>
+                  <a:srgbClr val="000000"/>
+                </a:solidFill>
+                <a:highlight>
+                  <a:srgbClr val="ffffff"/>
+                </a:highlight>
+                <a:latin typeface="Arial"/>
+              </a:rPr>
+              <a:t>Troubleshooting:</a:t>
+            </a:r>
+            <a:r>
+              <a:rPr b="0" lang="en-IN" sz="1000" spc="-1" strike="noStrike">
+                <a:solidFill>
+                  <a:srgbClr val="000000"/>
+                </a:solidFill>
+                <a:highlight>
+                  <a:srgbClr val="ffffff"/>
+                </a:highlight>
+                <a:latin typeface="Arial"/>
+              </a:rPr>
+              <a:t> Identify and address issues through detailed deployment logs.</a:t>
+            </a:r>
+            <a:endParaRPr b="0" lang="en-GB" sz="1000" spc="-1" strike="noStrike">
               <a:solidFill>
                 <a:srgbClr val="000000"/>
               </a:solidFill>
@@ -8239,7 +8759,7 @@
         <p:spPr>
           <a:xfrm>
             <a:off x="430920" y="720000"/>
-            <a:ext cx="8748720" cy="4679640"/>
+            <a:ext cx="8748360" cy="4679280"/>
           </a:xfrm>
           <a:prstGeom prst="rect">
             <a:avLst/>
@@ -8265,7 +8785,7 @@
                 <a:srgbClr val="000000"/>
               </a:buClr>
               <a:buFont typeface="OpenSymbol"/>
-              <a:buAutoNum type="arabicPeriod" startAt="4"/>
+              <a:buAutoNum type="arabicPeriod" startAt="5"/>
             </a:pPr>
             <a:r>
               <a:rPr b="1" lang="en-IN" sz="1100" spc="-1" strike="noStrike" u="sng">
@@ -8275,7 +8795,20 @@
                 <a:uFillTx/>
                 <a:latin typeface="Arial"/>
               </a:rPr>
-              <a:t>Reporting and Monitoring:</a:t>
+              <a:t>Security and Compliance</a:t>
+            </a:r>
+            <a:r>
+              <a:rPr b="1" lang="en-IN" sz="1100" spc="-1" strike="noStrike" u="sng">
+                <a:solidFill>
+                  <a:srgbClr val="000000"/>
+                </a:solidFill>
+                <a:highlight>
+                  <a:srgbClr val="ffffff"/>
+                </a:highlight>
+                <a:uFillTx/>
+                <a:latin typeface="Arial"/>
+              </a:rPr>
+              <a:t>:</a:t>
             </a:r>
             <a:endParaRPr b="0" lang="en-GB" sz="1100" spc="-1" strike="noStrike">
               <a:solidFill>
@@ -8303,18 +8836,24 @@
                 <a:solidFill>
                   <a:srgbClr val="000000"/>
                 </a:solidFill>
-                <a:latin typeface="Arial"/>
-              </a:rPr>
-              <a:t>Dashboard Overview:</a:t>
+                <a:highlight>
+                  <a:srgbClr val="ffffff"/>
+                </a:highlight>
+                <a:latin typeface="Arial"/>
+              </a:rPr>
+              <a:t>Compliance Policies:</a:t>
             </a:r>
             <a:r>
               <a:rPr b="0" lang="en-IN" sz="1100" spc="-1" strike="noStrike">
                 <a:solidFill>
                   <a:srgbClr val="000000"/>
                 </a:solidFill>
-                <a:latin typeface="Arial"/>
-              </a:rPr>
-              <a:t>The Intune dashboard provides a centralized view of the organization's device landscape. Key metrics such as device compliance, deployment status, and security posture are accessible at a glance.</a:t>
+                <a:highlight>
+                  <a:srgbClr val="ffffff"/>
+                </a:highlight>
+                <a:latin typeface="Arial"/>
+              </a:rPr>
+              <a:t>Regular assessments to identify and report non-compliant devices. Automated actions, such as conditional access policies, based on compliance status.</a:t>
             </a:r>
             <a:endParaRPr b="0" lang="en-GB" sz="1100" spc="-1" strike="noStrike">
               <a:solidFill>
@@ -8342,18 +8881,24 @@
                 <a:solidFill>
                   <a:srgbClr val="000000"/>
                 </a:solidFill>
-                <a:latin typeface="Arial"/>
-              </a:rPr>
-              <a:t>Device Inventory:</a:t>
+                <a:highlight>
+                  <a:srgbClr val="ffffff"/>
+                </a:highlight>
+                <a:latin typeface="Arial"/>
+              </a:rPr>
+              <a:t>Conditional Access Policies:</a:t>
             </a:r>
             <a:r>
               <a:rPr b="0" lang="en-IN" sz="1100" spc="-1" strike="noStrike">
                 <a:solidFill>
                   <a:srgbClr val="000000"/>
                 </a:solidFill>
-                <a:latin typeface="Arial"/>
-              </a:rPr>
-              <a:t>Maintains a comprehensive inventory of all managed devices. Includes device status, compliance status, hardware information, and other relevant details.</a:t>
+                <a:highlight>
+                  <a:srgbClr val="ffffff"/>
+                </a:highlight>
+                <a:latin typeface="Arial"/>
+              </a:rPr>
+              <a:t>Determine access to corporate resources based on conditions like device compliance, user location.</a:t>
             </a:r>
             <a:endParaRPr b="0" lang="en-GB" sz="1100" spc="-1" strike="noStrike">
               <a:solidFill>
@@ -8381,18 +8926,24 @@
                 <a:solidFill>
                   <a:srgbClr val="000000"/>
                 </a:solidFill>
-                <a:latin typeface="Arial"/>
-              </a:rPr>
-              <a:t>Compliance Monitoring:</a:t>
+                <a:highlight>
+                  <a:srgbClr val="ffffff"/>
+                </a:highlight>
+                <a:latin typeface="Arial"/>
+              </a:rPr>
+              <a:t>Security Baselines:</a:t>
             </a:r>
             <a:r>
               <a:rPr b="0" lang="en-IN" sz="1100" spc="-1" strike="noStrike">
                 <a:solidFill>
                   <a:srgbClr val="000000"/>
                 </a:solidFill>
-                <a:latin typeface="Arial"/>
-              </a:rPr>
-              <a:t>Regularly assess devices against compliance policies. Provides real-time status updates on device compliance.</a:t>
+                <a:highlight>
+                  <a:srgbClr val="ffffff"/>
+                </a:highlight>
+                <a:latin typeface="Arial"/>
+              </a:rPr>
+              <a:t>Predefined configurations for devices to ensure a baseline level of security compliance. Encourages adherence to standardized security settings.</a:t>
             </a:r>
             <a:endParaRPr b="0" lang="en-GB" sz="1100" spc="-1" strike="noStrike">
               <a:solidFill>
@@ -8420,18 +8971,24 @@
                 <a:solidFill>
                   <a:srgbClr val="000000"/>
                 </a:solidFill>
-                <a:latin typeface="Arial"/>
-              </a:rPr>
-              <a:t>Deployment Monitoring:</a:t>
+                <a:highlight>
+                  <a:srgbClr val="ffffff"/>
+                </a:highlight>
+                <a:latin typeface="Arial"/>
+              </a:rPr>
+              <a:t>Application Protection Policies:</a:t>
             </a:r>
             <a:r>
               <a:rPr b="0" lang="en-IN" sz="1100" spc="-1" strike="noStrike">
                 <a:solidFill>
                   <a:srgbClr val="000000"/>
                 </a:solidFill>
-                <a:latin typeface="Arial"/>
-              </a:rPr>
-              <a:t>Track the status of application deployments. Also monitor the deployment of updates and patches to ensure devices are up-to-date.</a:t>
+                <a:highlight>
+                  <a:srgbClr val="ffffff"/>
+                </a:highlight>
+                <a:latin typeface="Arial"/>
+              </a:rPr>
+              <a:t>Policies that secure corporate data within applications on mobile devices. Control app behaviour to prevent data leaks and enhance security.</a:t>
             </a:r>
             <a:endParaRPr b="0" lang="en-GB" sz="1100" spc="-1" strike="noStrike">
               <a:solidFill>
@@ -8459,18 +9016,24 @@
                 <a:solidFill>
                   <a:srgbClr val="000000"/>
                 </a:solidFill>
-                <a:latin typeface="Arial"/>
-              </a:rPr>
-              <a:t>Conditional Access Reports:Access Control:</a:t>
+                <a:highlight>
+                  <a:srgbClr val="ffffff"/>
+                </a:highlight>
+                <a:latin typeface="Arial"/>
+              </a:rPr>
+              <a:t>Device Security Configuration:</a:t>
             </a:r>
             <a:r>
               <a:rPr b="0" lang="en-IN" sz="1100" spc="-1" strike="noStrike">
                 <a:solidFill>
                   <a:srgbClr val="000000"/>
                 </a:solidFill>
-                <a:latin typeface="Arial"/>
-              </a:rPr>
-              <a:t> Detailed reports on conditional access policies, showing which devices comply and which do not. Also gain insights into user and device access patterns.</a:t>
+                <a:highlight>
+                  <a:srgbClr val="ffffff"/>
+                </a:highlight>
+                <a:latin typeface="Arial"/>
+              </a:rPr>
+              <a:t>Apply security settings to devices, including encryption, firewall rules, and antivirus configurations.</a:t>
             </a:r>
             <a:endParaRPr b="0" lang="en-GB" sz="1100" spc="-1" strike="noStrike">
               <a:solidFill>
@@ -8498,18 +9061,24 @@
                 <a:solidFill>
                   <a:srgbClr val="000000"/>
                 </a:solidFill>
-                <a:latin typeface="Arial"/>
-              </a:rPr>
-              <a:t>Security Baseline Monitoring:</a:t>
+                <a:highlight>
+                  <a:srgbClr val="ffffff"/>
+                </a:highlight>
+                <a:latin typeface="Arial"/>
+              </a:rPr>
+              <a:t>Remote Actions:</a:t>
             </a:r>
             <a:r>
               <a:rPr b="0" lang="en-IN" sz="1100" spc="-1" strike="noStrike">
                 <a:solidFill>
                   <a:srgbClr val="000000"/>
                 </a:solidFill>
-                <a:latin typeface="Arial"/>
-              </a:rPr>
-              <a:t>Monitor adherence to standardized security configurations through security baselines And provide alerts for deviations from baseline settings.</a:t>
+                <a:highlight>
+                  <a:srgbClr val="ffffff"/>
+                </a:highlight>
+                <a:latin typeface="Arial"/>
+              </a:rPr>
+              <a:t>Administrators can perform remote actions such as wiping data, restarting devices, or locking them down in case of loss or compromise.</a:t>
             </a:r>
             <a:endParaRPr b="0" lang="en-GB" sz="1100" spc="-1" strike="noStrike">
               <a:solidFill>
@@ -8537,18 +9106,24 @@
                 <a:solidFill>
                   <a:srgbClr val="000000"/>
                 </a:solidFill>
-                <a:latin typeface="Arial"/>
-              </a:rPr>
-              <a:t>Application Usage Analytics:</a:t>
+                <a:highlight>
+                  <a:srgbClr val="ffffff"/>
+                </a:highlight>
+                <a:latin typeface="Arial"/>
+              </a:rPr>
+              <a:t>Threat Protection:</a:t>
             </a:r>
             <a:r>
               <a:rPr b="0" lang="en-IN" sz="1100" spc="-1" strike="noStrike">
                 <a:solidFill>
                   <a:srgbClr val="000000"/>
                 </a:solidFill>
-                <a:latin typeface="Arial"/>
-              </a:rPr>
-              <a:t>Understand how applications are being used across the organization. Also identify opportunities for application optimization based on usage data.</a:t>
+                <a:highlight>
+                  <a:srgbClr val="ffffff"/>
+                </a:highlight>
+                <a:latin typeface="Arial"/>
+              </a:rPr>
+              <a:t>Integration with Microsoft Defender Antivirus to protect devices from malware and other threats. Utilize threat intelligence for proactive threat detection and response.</a:t>
             </a:r>
             <a:endParaRPr b="0" lang="en-GB" sz="1100" spc="-1" strike="noStrike">
               <a:solidFill>
@@ -8576,18 +9151,24 @@
                 <a:solidFill>
                   <a:srgbClr val="000000"/>
                 </a:solidFill>
-                <a:latin typeface="Arial"/>
-              </a:rPr>
-              <a:t>Threat Detection and Response:</a:t>
+                <a:highlight>
+                  <a:srgbClr val="ffffff"/>
+                </a:highlight>
+                <a:latin typeface="Arial"/>
+              </a:rPr>
+              <a:t>Device Encryption:</a:t>
             </a:r>
             <a:r>
               <a:rPr b="0" lang="en-IN" sz="1100" spc="-1" strike="noStrike">
                 <a:solidFill>
                   <a:srgbClr val="000000"/>
                 </a:solidFill>
-                <a:latin typeface="Arial"/>
-              </a:rPr>
-              <a:t>Leverage threat intelligence for proactive threat detection. Implement response mechanisms based on detected threats.</a:t>
+                <a:highlight>
+                  <a:srgbClr val="ffffff"/>
+                </a:highlight>
+                <a:latin typeface="Arial"/>
+              </a:rPr>
+              <a:t>Ensure that device data is encrypted, enhancing data security.</a:t>
             </a:r>
             <a:endParaRPr b="0" lang="en-GB" sz="1100" spc="-1" strike="noStrike">
               <a:solidFill>
@@ -8615,19 +9196,109 @@
                 <a:solidFill>
                   <a:srgbClr val="000000"/>
                 </a:solidFill>
-                <a:latin typeface="Arial"/>
-              </a:rPr>
-              <a:t>User Activity Reports:</a:t>
+                <a:highlight>
+                  <a:srgbClr val="ffffff"/>
+                </a:highlight>
+                <a:latin typeface="Arial"/>
+              </a:rPr>
+              <a:t>Identity and Access Management:</a:t>
             </a:r>
             <a:r>
               <a:rPr b="0" lang="en-IN" sz="1100" spc="-1" strike="noStrike">
                 <a:solidFill>
                   <a:srgbClr val="000000"/>
                 </a:solidFill>
-                <a:latin typeface="Arial"/>
-              </a:rPr>
-              <a:t>Reports on user engagement with applications and devices. Identify trends and patterns in user activities.</a:t>
-            </a:r>
+                <a:highlight>
+                  <a:srgbClr val="ffffff"/>
+                </a:highlight>
+                <a:latin typeface="Arial"/>
+              </a:rPr>
+              <a:t>Azure Active Directory Integration ensures secure and seamless user identity management. Enhance access security with MFA for user authentication.</a:t>
+            </a:r>
+            <a:endParaRPr b="0" lang="en-GB" sz="1100" spc="-1" strike="noStrike">
+              <a:solidFill>
+                <a:srgbClr val="000000"/>
+              </a:solidFill>
+              <a:latin typeface="Arial"/>
+            </a:endParaRPr>
+          </a:p>
+          <a:p>
+            <a:pPr lvl="1" marL="432000" indent="-216000">
+              <a:lnSpc>
+                <a:spcPct val="100000"/>
+              </a:lnSpc>
+              <a:spcAft>
+                <a:spcPts val="1054"/>
+              </a:spcAft>
+              <a:buClr>
+                <a:srgbClr val="000000"/>
+              </a:buClr>
+              <a:buFont typeface="OpenSymbol"/>
+              <a:buAutoNum type="arabicPeriod"/>
+            </a:pPr>
+            <a:r>
+              <a:rPr b="1" lang="en-IN" sz="1100" spc="-1" strike="noStrike">
+                <a:solidFill>
+                  <a:srgbClr val="000000"/>
+                </a:solidFill>
+                <a:highlight>
+                  <a:srgbClr val="ffffff"/>
+                </a:highlight>
+                <a:latin typeface="Arial"/>
+              </a:rPr>
+              <a:t>Monitoring and Reporting:</a:t>
+            </a:r>
+            <a:r>
+              <a:rPr b="0" lang="en-IN" sz="1100" spc="-1" strike="noStrike">
+                <a:solidFill>
+                  <a:srgbClr val="000000"/>
+                </a:solidFill>
+                <a:highlight>
+                  <a:srgbClr val="ffffff"/>
+                </a:highlight>
+                <a:latin typeface="Arial"/>
+              </a:rPr>
+              <a:t>Monitoring tools and reports to track the security and compliance status of devices. Audit logs for detailed visibility into security events and policy enforcement.</a:t>
+            </a:r>
+            <a:endParaRPr b="0" lang="en-GB" sz="1100" spc="-1" strike="noStrike">
+              <a:solidFill>
+                <a:srgbClr val="000000"/>
+              </a:solidFill>
+              <a:latin typeface="Arial"/>
+            </a:endParaRPr>
+          </a:p>
+          <a:p>
+            <a:pPr>
+              <a:lnSpc>
+                <a:spcPct val="100000"/>
+              </a:lnSpc>
+            </a:pPr>
+            <a:endParaRPr b="0" lang="en-GB" sz="1100" spc="-1" strike="noStrike">
+              <a:solidFill>
+                <a:srgbClr val="000000"/>
+              </a:solidFill>
+              <a:latin typeface="Arial"/>
+            </a:endParaRPr>
+          </a:p>
+          <a:p>
+            <a:pPr>
+              <a:lnSpc>
+                <a:spcPct val="100000"/>
+              </a:lnSpc>
+            </a:pPr>
+            <a:endParaRPr b="0" lang="en-GB" sz="1100" spc="-1" strike="noStrike">
+              <a:solidFill>
+                <a:srgbClr val="000000"/>
+              </a:solidFill>
+              <a:latin typeface="Arial"/>
+            </a:endParaRPr>
+          </a:p>
+          <a:p>
+            <a:pPr>
+              <a:lnSpc>
+                <a:spcPct val="100000"/>
+              </a:lnSpc>
+            </a:pPr>
             <a:endParaRPr b="0" lang="en-GB" sz="1100" spc="-1" strike="noStrike">
               <a:solidFill>
                 <a:srgbClr val="000000"/>
